--- a/input_2.pptx
+++ b/input_2.pptx
@@ -2739,19 +2739,7 @@
               <a:rPr b="0" lang="en-US" sz="4400" spc="-1" strike="noStrike">
                 <a:latin typeface="Arial"/>
               </a:rPr>
-              <a:t>Click to edit </a:t>
-            </a:r>
-            <a:r>
-              <a:rPr b="0" lang="en-US" sz="4400" spc="-1" strike="noStrike">
-                <a:latin typeface="Arial"/>
-              </a:rPr>
-              <a:t>the title text </a:t>
-            </a:r>
-            <a:r>
-              <a:rPr b="0" lang="en-US" sz="4400" spc="-1" strike="noStrike">
-                <a:latin typeface="Arial"/>
-              </a:rPr>
-              <a:t>format</a:t>
+              <a:t>Click to edit the title text format</a:t>
             </a:r>
             <a:endParaRPr b="0" lang="en-US" sz="4400" spc="-1" strike="noStrike">
               <a:latin typeface="Arial"/>
@@ -3242,7 +3230,7 @@
         <p:spPr>
           <a:xfrm>
             <a:off x="311760" y="744480"/>
-            <a:ext cx="8517240" cy="2049480"/>
+            <a:ext cx="8516160" cy="2048400"/>
           </a:xfrm>
           <a:prstGeom prst="rect">
             <a:avLst/>
@@ -3293,7 +3281,7 @@
         <p:spPr>
           <a:xfrm>
             <a:off x="311760" y="2834280"/>
-            <a:ext cx="8517240" cy="789480"/>
+            <a:ext cx="8516160" cy="788400"/>
           </a:xfrm>
           <a:prstGeom prst="rect">
             <a:avLst/>
@@ -3361,14 +3349,14 @@
       </p:grpSpPr>
       <p:sp>
         <p:nvSpPr>
-          <p:cNvPr id="92" name="TextShape 1"/>
-          <p:cNvSpPr txBox="1"/>
+          <p:cNvPr id="92" name="CustomShape 1"/>
+          <p:cNvSpPr/>
           <p:nvPr/>
         </p:nvSpPr>
         <p:spPr>
           <a:xfrm>
-            <a:off x="3329640" y="2409840"/>
-            <a:ext cx="2534040" cy="346680"/>
+            <a:off x="311760" y="1152360"/>
+            <a:ext cx="8516160" cy="3412080"/>
           </a:xfrm>
           <a:prstGeom prst="rect">
             <a:avLst/>
@@ -3378,9 +3366,25 @@
             <a:noFill/>
           </a:ln>
         </p:spPr>
-        <p:txBody>
-          <a:bodyPr lIns="90000" rIns="90000" tIns="45000" bIns="45000"/>
-          <a:p>
+        <p:style>
+          <a:lnRef idx="0"/>
+          <a:fillRef idx="0"/>
+          <a:effectRef idx="0"/>
+          <a:fontRef idx="minor"/>
+        </p:style>
+        <p:txBody>
+          <a:bodyPr lIns="90000" rIns="90000" tIns="91440" bIns="91440">
+            <a:normAutofit/>
+          </a:bodyPr>
+          <a:p>
+            <a:pPr>
+              <a:lnSpc>
+                <a:spcPct val="115000"/>
+              </a:lnSpc>
+              <a:spcAft>
+                <a:spcPts val="1199"/>
+              </a:spcAft>
+            </a:pPr>
             <a:r>
               <a:rPr b="0" lang="en-US" sz="1800" spc="-1" strike="noStrike">
                 <a:solidFill>
@@ -3389,27 +3393,7 @@
                 <a:latin typeface="Arial"/>
                 <a:ea typeface="Arial"/>
               </a:rPr>
-              <a:t>+++</a:t>
-            </a:r>
-            <a:r>
-              <a:rPr b="0" lang="en-US" sz="1800" spc="-1" strike="noStrike">
-                <a:solidFill>
-                  <a:srgbClr val="000000"/>
-                </a:solidFill>
-                <a:latin typeface="Arial"/>
-                <a:ea typeface="Noto Sans CJK SC"/>
-              </a:rPr>
-              <a:t>EXTRA_SLIDE</a:t>
-            </a:r>
-            <a:r>
-              <a:rPr b="0" lang="en-US" sz="1800" spc="-1" strike="noStrike">
-                <a:solidFill>
-                  <a:srgbClr val="595959"/>
-                </a:solidFill>
-                <a:latin typeface="Arial"/>
-                <a:ea typeface="Arial"/>
-              </a:rPr>
-              <a:t>+++</a:t>
+              <a:t>+++ EXTRA_SLIDE +++</a:t>
             </a:r>
             <a:endParaRPr b="0" lang="en-US" sz="1800" spc="-1" strike="noStrike">
               <a:latin typeface="Arial"/>
@@ -3468,14 +3452,14 @@
       </p:grpSpPr>
       <p:sp>
         <p:nvSpPr>
-          <p:cNvPr id="93" name="TextShape 1"/>
-          <p:cNvSpPr txBox="1"/>
+          <p:cNvPr id="93" name="CustomShape 1"/>
+          <p:cNvSpPr/>
           <p:nvPr/>
         </p:nvSpPr>
         <p:spPr>
           <a:xfrm>
-            <a:off x="3329640" y="2409840"/>
-            <a:ext cx="2534040" cy="346680"/>
+            <a:off x="311760" y="1152360"/>
+            <a:ext cx="8516160" cy="3412080"/>
           </a:xfrm>
           <a:prstGeom prst="rect">
             <a:avLst/>
@@ -3485,9 +3469,25 @@
             <a:noFill/>
           </a:ln>
         </p:spPr>
-        <p:txBody>
-          <a:bodyPr lIns="90000" rIns="90000" tIns="45000" bIns="45000"/>
-          <a:p>
+        <p:style>
+          <a:lnRef idx="0"/>
+          <a:fillRef idx="0"/>
+          <a:effectRef idx="0"/>
+          <a:fontRef idx="minor"/>
+        </p:style>
+        <p:txBody>
+          <a:bodyPr lIns="90000" rIns="90000" tIns="91440" bIns="91440">
+            <a:normAutofit/>
+          </a:bodyPr>
+          <a:p>
+            <a:pPr>
+              <a:lnSpc>
+                <a:spcPct val="115000"/>
+              </a:lnSpc>
+              <a:spcAft>
+                <a:spcPts val="1199"/>
+              </a:spcAft>
+            </a:pPr>
             <a:r>
               <a:rPr b="0" lang="en-US" sz="1800" spc="-1" strike="noStrike">
                 <a:solidFill>
@@ -3496,27 +3496,7 @@
                 <a:latin typeface="Arial"/>
                 <a:ea typeface="Arial"/>
               </a:rPr>
-              <a:t>+++</a:t>
-            </a:r>
-            <a:r>
-              <a:rPr b="0" lang="en-US" sz="1800" spc="-1" strike="noStrike">
-                <a:solidFill>
-                  <a:srgbClr val="000000"/>
-                </a:solidFill>
-                <a:latin typeface="Arial"/>
-                <a:ea typeface="Noto Sans CJK SC"/>
-              </a:rPr>
-              <a:t>EXTRA_SLIDE</a:t>
-            </a:r>
-            <a:r>
-              <a:rPr b="0" lang="en-US" sz="1800" spc="-1" strike="noStrike">
-                <a:solidFill>
-                  <a:srgbClr val="595959"/>
-                </a:solidFill>
-                <a:latin typeface="Arial"/>
-                <a:ea typeface="Arial"/>
-              </a:rPr>
-              <a:t>+++</a:t>
+              <a:t>+++ EXTRA_SLIDE +++</a:t>
             </a:r>
             <a:endParaRPr b="0" lang="en-US" sz="1800" spc="-1" strike="noStrike">
               <a:latin typeface="Arial"/>
@@ -3575,14 +3555,14 @@
       </p:grpSpPr>
       <p:sp>
         <p:nvSpPr>
-          <p:cNvPr id="94" name="TextShape 1"/>
-          <p:cNvSpPr txBox="1"/>
+          <p:cNvPr id="94" name="CustomShape 1"/>
+          <p:cNvSpPr/>
           <p:nvPr/>
         </p:nvSpPr>
         <p:spPr>
           <a:xfrm>
-            <a:off x="3329640" y="3817080"/>
-            <a:ext cx="2534040" cy="346680"/>
+            <a:off x="311760" y="1152360"/>
+            <a:ext cx="8516160" cy="3412080"/>
           </a:xfrm>
           <a:prstGeom prst="rect">
             <a:avLst/>
@@ -3592,9 +3572,25 @@
             <a:noFill/>
           </a:ln>
         </p:spPr>
-        <p:txBody>
-          <a:bodyPr lIns="90000" rIns="90000" tIns="45000" bIns="45000"/>
-          <a:p>
+        <p:style>
+          <a:lnRef idx="0"/>
+          <a:fillRef idx="0"/>
+          <a:effectRef idx="0"/>
+          <a:fontRef idx="minor"/>
+        </p:style>
+        <p:txBody>
+          <a:bodyPr lIns="90000" rIns="90000" tIns="91440" bIns="91440">
+            <a:normAutofit/>
+          </a:bodyPr>
+          <a:p>
+            <a:pPr>
+              <a:lnSpc>
+                <a:spcPct val="115000"/>
+              </a:lnSpc>
+              <a:spcAft>
+                <a:spcPts val="1199"/>
+              </a:spcAft>
+            </a:pPr>
             <a:r>
               <a:rPr b="0" lang="en-US" sz="1800" spc="-1" strike="noStrike">
                 <a:solidFill>
@@ -3603,27 +3599,7 @@
                 <a:latin typeface="Arial"/>
                 <a:ea typeface="Arial"/>
               </a:rPr>
-              <a:t>+++</a:t>
-            </a:r>
-            <a:r>
-              <a:rPr b="0" lang="en-US" sz="1800" spc="-1" strike="noStrike">
-                <a:solidFill>
-                  <a:srgbClr val="000000"/>
-                </a:solidFill>
-                <a:latin typeface="Arial"/>
-                <a:ea typeface="Noto Sans CJK SC"/>
-              </a:rPr>
-              <a:t>EXTRA_SLIDE</a:t>
-            </a:r>
-            <a:r>
-              <a:rPr b="0" lang="en-US" sz="1800" spc="-1" strike="noStrike">
-                <a:solidFill>
-                  <a:srgbClr val="595959"/>
-                </a:solidFill>
-                <a:latin typeface="Arial"/>
-                <a:ea typeface="Arial"/>
-              </a:rPr>
-              <a:t>+++</a:t>
+              <a:t>+++ EXTRA_SLIDE +++</a:t>
             </a:r>
             <a:endParaRPr b="0" lang="en-US" sz="1800" spc="-1" strike="noStrike">
               <a:latin typeface="Arial"/>
@@ -3689,7 +3665,7 @@
         <p:spPr>
           <a:xfrm>
             <a:off x="311760" y="444960"/>
-            <a:ext cx="8517240" cy="569520"/>
+            <a:ext cx="8516160" cy="568440"/>
           </a:xfrm>
           <a:prstGeom prst="rect">
             <a:avLst/>
@@ -3740,7 +3716,7 @@
         <p:spPr>
           <a:xfrm>
             <a:off x="311760" y="1152360"/>
-            <a:ext cx="8517240" cy="3413160"/>
+            <a:ext cx="8516160" cy="3412080"/>
           </a:xfrm>
           <a:prstGeom prst="rect">
             <a:avLst/>
@@ -3843,7 +3819,7 @@
         <p:spPr>
           <a:xfrm>
             <a:off x="311760" y="444960"/>
-            <a:ext cx="8517240" cy="569520"/>
+            <a:ext cx="8516160" cy="568440"/>
           </a:xfrm>
           <a:prstGeom prst="rect">
             <a:avLst/>
@@ -3894,7 +3870,7 @@
         <p:spPr>
           <a:xfrm>
             <a:off x="311760" y="1152360"/>
-            <a:ext cx="8517240" cy="3413160"/>
+            <a:ext cx="8516160" cy="3412080"/>
           </a:xfrm>
           <a:prstGeom prst="rect">
             <a:avLst/>
@@ -4550,7 +4526,7 @@
         <p:spPr>
           <a:xfrm>
             <a:off x="311760" y="444960"/>
-            <a:ext cx="8517240" cy="569520"/>
+            <a:ext cx="8516160" cy="568440"/>
           </a:xfrm>
           <a:prstGeom prst="rect">
             <a:avLst/>
@@ -4601,7 +4577,7 @@
         <p:spPr>
           <a:xfrm>
             <a:off x="311760" y="1152360"/>
-            <a:ext cx="8517240" cy="3413160"/>
+            <a:ext cx="8516160" cy="3412080"/>
           </a:xfrm>
           <a:prstGeom prst="rect">
             <a:avLst/>
@@ -4840,7 +4816,7 @@
         <p:spPr>
           <a:xfrm>
             <a:off x="311760" y="444960"/>
-            <a:ext cx="8517240" cy="569520"/>
+            <a:ext cx="8516160" cy="568440"/>
           </a:xfrm>
           <a:prstGeom prst="rect">
             <a:avLst/>
@@ -4866,7 +4842,7 @@
         <p:spPr>
           <a:xfrm>
             <a:off x="311760" y="1152360"/>
-            <a:ext cx="8517240" cy="3413160"/>
+            <a:ext cx="8516160" cy="3412080"/>
           </a:xfrm>
           <a:prstGeom prst="rect">
             <a:avLst/>
@@ -4969,7 +4945,7 @@
         <p:spPr>
           <a:xfrm>
             <a:off x="640080" y="640080"/>
-            <a:ext cx="7953840" cy="344880"/>
+            <a:ext cx="7952760" cy="343800"/>
           </a:xfrm>
           <a:prstGeom prst="rect">
             <a:avLst/>
@@ -4988,14 +4964,14 @@
       </p:sp>
       <p:sp>
         <p:nvSpPr>
-          <p:cNvPr id="88" name="TextShape 2"/>
-          <p:cNvSpPr txBox="1"/>
+          <p:cNvPr id="88" name="CustomShape 2"/>
+          <p:cNvSpPr/>
           <p:nvPr/>
         </p:nvSpPr>
         <p:spPr>
           <a:xfrm>
-            <a:off x="2844360" y="2409840"/>
-            <a:ext cx="3504600" cy="346680"/>
+            <a:off x="311760" y="1152360"/>
+            <a:ext cx="8516160" cy="3412080"/>
           </a:xfrm>
           <a:prstGeom prst="rect">
             <a:avLst/>
@@ -5005,9 +4981,25 @@
             <a:noFill/>
           </a:ln>
         </p:spPr>
-        <p:txBody>
-          <a:bodyPr lIns="90000" rIns="90000" tIns="45000" bIns="45000"/>
-          <a:p>
+        <p:style>
+          <a:lnRef idx="0"/>
+          <a:fillRef idx="0"/>
+          <a:effectRef idx="0"/>
+          <a:fontRef idx="minor"/>
+        </p:style>
+        <p:txBody>
+          <a:bodyPr lIns="90000" rIns="90000" tIns="91440" bIns="91440">
+            <a:normAutofit/>
+          </a:bodyPr>
+          <a:p>
+            <a:pPr>
+              <a:lnSpc>
+                <a:spcPct val="115000"/>
+              </a:lnSpc>
+              <a:spcAft>
+                <a:spcPts val="1199"/>
+              </a:spcAft>
+            </a:pPr>
             <a:r>
               <a:rPr b="0" lang="en-US" sz="1800" spc="-1" strike="noStrike">
                 <a:solidFill>
@@ -5016,27 +5008,7 @@
                 <a:latin typeface="Arial"/>
                 <a:ea typeface="Arial"/>
               </a:rPr>
-              <a:t>+++</a:t>
-            </a:r>
-            <a:r>
-              <a:rPr b="0" lang="en-US" sz="1800" spc="-1" strike="noStrike">
-                <a:solidFill>
-                  <a:srgbClr val="000000"/>
-                </a:solidFill>
-                <a:latin typeface="Arial"/>
-                <a:ea typeface="Noto Sans CJK SC"/>
-              </a:rPr>
-              <a:t>EXTRA_SLIDE</a:t>
-            </a:r>
-            <a:r>
-              <a:rPr b="0" lang="en-US" sz="1800" spc="-1" strike="noStrike">
-                <a:solidFill>
-                  <a:srgbClr val="595959"/>
-                </a:solidFill>
-                <a:latin typeface="Arial"/>
-                <a:ea typeface="Arial"/>
-              </a:rPr>
-              <a:t>+++</a:t>
+              <a:t>+++ EXTRA_SLIDE +++</a:t>
             </a:r>
             <a:endParaRPr b="0" lang="en-US" sz="1800" spc="-1" strike="noStrike">
               <a:latin typeface="Arial"/>
@@ -5095,14 +5067,14 @@
       </p:grpSpPr>
       <p:sp>
         <p:nvSpPr>
-          <p:cNvPr id="89" name="TextShape 1"/>
-          <p:cNvSpPr txBox="1"/>
+          <p:cNvPr id="89" name="CustomShape 1"/>
+          <p:cNvSpPr/>
           <p:nvPr/>
         </p:nvSpPr>
         <p:spPr>
           <a:xfrm>
-            <a:off x="2377440" y="2409840"/>
-            <a:ext cx="3083760" cy="858240"/>
+            <a:off x="311760" y="1152360"/>
+            <a:ext cx="8516160" cy="3412080"/>
           </a:xfrm>
           <a:prstGeom prst="rect">
             <a:avLst/>
@@ -5112,9 +5084,25 @@
             <a:noFill/>
           </a:ln>
         </p:spPr>
-        <p:txBody>
-          <a:bodyPr lIns="90000" rIns="90000" tIns="45000" bIns="45000"/>
-          <a:p>
+        <p:style>
+          <a:lnRef idx="0"/>
+          <a:fillRef idx="0"/>
+          <a:effectRef idx="0"/>
+          <a:fontRef idx="minor"/>
+        </p:style>
+        <p:txBody>
+          <a:bodyPr lIns="90000" rIns="90000" tIns="91440" bIns="91440">
+            <a:normAutofit/>
+          </a:bodyPr>
+          <a:p>
+            <a:pPr>
+              <a:lnSpc>
+                <a:spcPct val="115000"/>
+              </a:lnSpc>
+              <a:spcAft>
+                <a:spcPts val="1199"/>
+              </a:spcAft>
+            </a:pPr>
             <a:r>
               <a:rPr b="0" lang="en-US" sz="1800" spc="-1" strike="noStrike">
                 <a:solidFill>
@@ -5123,27 +5111,7 @@
                 <a:latin typeface="Arial"/>
                 <a:ea typeface="Arial"/>
               </a:rPr>
-              <a:t>+++</a:t>
-            </a:r>
-            <a:r>
-              <a:rPr b="0" lang="en-US" sz="1800" spc="-1" strike="noStrike">
-                <a:solidFill>
-                  <a:srgbClr val="000000"/>
-                </a:solidFill>
-                <a:latin typeface="Arial"/>
-                <a:ea typeface="Noto Sans CJK SC"/>
-              </a:rPr>
-              <a:t>EXTRA_SLIDE</a:t>
-            </a:r>
-            <a:r>
-              <a:rPr b="0" lang="en-US" sz="1800" spc="-1" strike="noStrike">
-                <a:solidFill>
-                  <a:srgbClr val="595959"/>
-                </a:solidFill>
-                <a:latin typeface="Arial"/>
-                <a:ea typeface="Arial"/>
-              </a:rPr>
-              <a:t>+++</a:t>
+              <a:t>+++ EXTRA_SLIDE +++</a:t>
             </a:r>
             <a:endParaRPr b="0" lang="en-US" sz="1800" spc="-1" strike="noStrike">
               <a:latin typeface="Arial"/>
@@ -5202,14 +5170,14 @@
       </p:grpSpPr>
       <p:sp>
         <p:nvSpPr>
-          <p:cNvPr id="90" name="TextShape 1"/>
-          <p:cNvSpPr txBox="1"/>
+          <p:cNvPr id="90" name="CustomShape 1"/>
+          <p:cNvSpPr/>
           <p:nvPr/>
         </p:nvSpPr>
         <p:spPr>
           <a:xfrm>
-            <a:off x="3329640" y="2409840"/>
-            <a:ext cx="2534040" cy="346680"/>
+            <a:off x="311760" y="1152360"/>
+            <a:ext cx="8516160" cy="3412080"/>
           </a:xfrm>
           <a:prstGeom prst="rect">
             <a:avLst/>
@@ -5219,9 +5187,25 @@
             <a:noFill/>
           </a:ln>
         </p:spPr>
-        <p:txBody>
-          <a:bodyPr lIns="90000" rIns="90000" tIns="45000" bIns="45000"/>
-          <a:p>
+        <p:style>
+          <a:lnRef idx="0"/>
+          <a:fillRef idx="0"/>
+          <a:effectRef idx="0"/>
+          <a:fontRef idx="minor"/>
+        </p:style>
+        <p:txBody>
+          <a:bodyPr lIns="90000" rIns="90000" tIns="91440" bIns="91440">
+            <a:normAutofit/>
+          </a:bodyPr>
+          <a:p>
+            <a:pPr>
+              <a:lnSpc>
+                <a:spcPct val="115000"/>
+              </a:lnSpc>
+              <a:spcAft>
+                <a:spcPts val="1199"/>
+              </a:spcAft>
+            </a:pPr>
             <a:r>
               <a:rPr b="0" lang="en-US" sz="1800" spc="-1" strike="noStrike">
                 <a:solidFill>
@@ -5230,27 +5214,7 @@
                 <a:latin typeface="Arial"/>
                 <a:ea typeface="Arial"/>
               </a:rPr>
-              <a:t>+++</a:t>
-            </a:r>
-            <a:r>
-              <a:rPr b="0" lang="en-US" sz="1800" spc="-1" strike="noStrike">
-                <a:solidFill>
-                  <a:srgbClr val="000000"/>
-                </a:solidFill>
-                <a:latin typeface="Arial"/>
-                <a:ea typeface="Noto Sans CJK SC"/>
-              </a:rPr>
-              <a:t>EXTRA_SLIDE</a:t>
-            </a:r>
-            <a:r>
-              <a:rPr b="0" lang="en-US" sz="1800" spc="-1" strike="noStrike">
-                <a:solidFill>
-                  <a:srgbClr val="595959"/>
-                </a:solidFill>
-                <a:latin typeface="Arial"/>
-                <a:ea typeface="Arial"/>
-              </a:rPr>
-              <a:t>+++</a:t>
+              <a:t>+++ EXTRA_SLIDE +++</a:t>
             </a:r>
             <a:endParaRPr b="0" lang="en-US" sz="1800" spc="-1" strike="noStrike">
               <a:latin typeface="Arial"/>
@@ -5309,14 +5273,14 @@
       </p:grpSpPr>
       <p:sp>
         <p:nvSpPr>
-          <p:cNvPr id="91" name="TextShape 1"/>
-          <p:cNvSpPr txBox="1"/>
+          <p:cNvPr id="91" name="CustomShape 1"/>
+          <p:cNvSpPr/>
           <p:nvPr/>
         </p:nvSpPr>
         <p:spPr>
           <a:xfrm>
-            <a:off x="3329640" y="2409840"/>
-            <a:ext cx="2534040" cy="346680"/>
+            <a:off x="311760" y="1152360"/>
+            <a:ext cx="8516160" cy="3412080"/>
           </a:xfrm>
           <a:prstGeom prst="rect">
             <a:avLst/>
@@ -5326,9 +5290,25 @@
             <a:noFill/>
           </a:ln>
         </p:spPr>
-        <p:txBody>
-          <a:bodyPr lIns="90000" rIns="90000" tIns="45000" bIns="45000"/>
-          <a:p>
+        <p:style>
+          <a:lnRef idx="0"/>
+          <a:fillRef idx="0"/>
+          <a:effectRef idx="0"/>
+          <a:fontRef idx="minor"/>
+        </p:style>
+        <p:txBody>
+          <a:bodyPr lIns="90000" rIns="90000" tIns="91440" bIns="91440">
+            <a:normAutofit/>
+          </a:bodyPr>
+          <a:p>
+            <a:pPr>
+              <a:lnSpc>
+                <a:spcPct val="115000"/>
+              </a:lnSpc>
+              <a:spcAft>
+                <a:spcPts val="1199"/>
+              </a:spcAft>
+            </a:pPr>
             <a:r>
               <a:rPr b="0" lang="en-US" sz="1800" spc="-1" strike="noStrike">
                 <a:solidFill>
@@ -5337,27 +5317,7 @@
                 <a:latin typeface="Arial"/>
                 <a:ea typeface="Arial"/>
               </a:rPr>
-              <a:t>+++</a:t>
-            </a:r>
-            <a:r>
-              <a:rPr b="0" lang="en-US" sz="1800" spc="-1" strike="noStrike">
-                <a:solidFill>
-                  <a:srgbClr val="000000"/>
-                </a:solidFill>
-                <a:latin typeface="Arial"/>
-                <a:ea typeface="Noto Sans CJK SC"/>
-              </a:rPr>
-              <a:t>EXTRA_SLIDE</a:t>
-            </a:r>
-            <a:r>
-              <a:rPr b="0" lang="en-US" sz="1800" spc="-1" strike="noStrike">
-                <a:solidFill>
-                  <a:srgbClr val="595959"/>
-                </a:solidFill>
-                <a:latin typeface="Arial"/>
-                <a:ea typeface="Arial"/>
-              </a:rPr>
-              <a:t>+++</a:t>
+              <a:t>+++ EXTRA_SLIDE +++</a:t>
             </a:r>
             <a:endParaRPr b="0" lang="en-US" sz="1800" spc="-1" strike="noStrike">
               <a:latin typeface="Arial"/>

--- a/input_2.pptx
+++ b/input_2.pptx
@@ -3230,7 +3230,7 @@
         <p:spPr>
           <a:xfrm>
             <a:off x="311760" y="744480"/>
-            <a:ext cx="8516160" cy="2048400"/>
+            <a:ext cx="8511480" cy="2043720"/>
           </a:xfrm>
           <a:prstGeom prst="rect">
             <a:avLst/>
@@ -3266,6 +3266,28 @@
               </a:rPr>
               <a:t>+++INS scheme_name +++</a:t>
             </a:r>
+            <a:br/>
+            <a:r>
+              <a:rPr b="0" lang="en-US" sz="5200" spc="-1" strike="noStrike">
+                <a:solidFill>
+                  <a:srgbClr val="000000"/>
+                </a:solidFill>
+                <a:latin typeface="Arial"/>
+                <a:ea typeface="Arial"/>
+              </a:rPr>
+              <a:t>+++INS scheme_name +++</a:t>
+            </a:r>
+            <a:br/>
+            <a:r>
+              <a:rPr b="0" lang="en-US" sz="5200" spc="-1" strike="noStrike">
+                <a:solidFill>
+                  <a:srgbClr val="000000"/>
+                </a:solidFill>
+                <a:latin typeface="Arial"/>
+                <a:ea typeface="Arial"/>
+              </a:rPr>
+              <a:t>+++INS scheme_name +++</a:t>
+            </a:r>
             <a:endParaRPr b="0" lang="en-US" sz="5200" spc="-1" strike="noStrike">
               <a:latin typeface="Arial"/>
             </a:endParaRPr>
@@ -3281,7 +3303,7 @@
         <p:spPr>
           <a:xfrm>
             <a:off x="311760" y="2834280"/>
-            <a:ext cx="8516160" cy="788400"/>
+            <a:ext cx="8511480" cy="783720"/>
           </a:xfrm>
           <a:prstGeom prst="rect">
             <a:avLst/>
@@ -3356,7 +3378,7 @@
         <p:spPr>
           <a:xfrm>
             <a:off x="311760" y="1152360"/>
-            <a:ext cx="8516160" cy="3412080"/>
+            <a:ext cx="8511480" cy="3407400"/>
           </a:xfrm>
           <a:prstGeom prst="rect">
             <a:avLst/>
@@ -3459,7 +3481,7 @@
         <p:spPr>
           <a:xfrm>
             <a:off x="311760" y="1152360"/>
-            <a:ext cx="8516160" cy="3412080"/>
+            <a:ext cx="8511480" cy="3407400"/>
           </a:xfrm>
           <a:prstGeom prst="rect">
             <a:avLst/>
@@ -3562,7 +3584,7 @@
         <p:spPr>
           <a:xfrm>
             <a:off x="311760" y="1152360"/>
-            <a:ext cx="8516160" cy="3412080"/>
+            <a:ext cx="8511480" cy="3407400"/>
           </a:xfrm>
           <a:prstGeom prst="rect">
             <a:avLst/>
@@ -3665,7 +3687,7 @@
         <p:spPr>
           <a:xfrm>
             <a:off x="311760" y="444960"/>
-            <a:ext cx="8516160" cy="568440"/>
+            <a:ext cx="8511480" cy="563760"/>
           </a:xfrm>
           <a:prstGeom prst="rect">
             <a:avLst/>
@@ -3716,7 +3738,7 @@
         <p:spPr>
           <a:xfrm>
             <a:off x="311760" y="1152360"/>
-            <a:ext cx="8516160" cy="3412080"/>
+            <a:ext cx="8511480" cy="3407400"/>
           </a:xfrm>
           <a:prstGeom prst="rect">
             <a:avLst/>
@@ -3819,7 +3841,7 @@
         <p:spPr>
           <a:xfrm>
             <a:off x="311760" y="444960"/>
-            <a:ext cx="8516160" cy="568440"/>
+            <a:ext cx="8511480" cy="563760"/>
           </a:xfrm>
           <a:prstGeom prst="rect">
             <a:avLst/>
@@ -3870,7 +3892,7 @@
         <p:spPr>
           <a:xfrm>
             <a:off x="311760" y="1152360"/>
-            <a:ext cx="8516160" cy="3412080"/>
+            <a:ext cx="8511480" cy="3407400"/>
           </a:xfrm>
           <a:prstGeom prst="rect">
             <a:avLst/>
@@ -4526,7 +4548,7 @@
         <p:spPr>
           <a:xfrm>
             <a:off x="311760" y="444960"/>
-            <a:ext cx="8516160" cy="568440"/>
+            <a:ext cx="8511480" cy="563760"/>
           </a:xfrm>
           <a:prstGeom prst="rect">
             <a:avLst/>
@@ -4577,7 +4599,7 @@
         <p:spPr>
           <a:xfrm>
             <a:off x="311760" y="1152360"/>
-            <a:ext cx="8516160" cy="3412080"/>
+            <a:ext cx="8511480" cy="3407400"/>
           </a:xfrm>
           <a:prstGeom prst="rect">
             <a:avLst/>
@@ -4597,139 +4619,6 @@
           <a:bodyPr lIns="90000" rIns="90000" tIns="91440" bIns="91440">
             <a:normAutofit/>
           </a:bodyPr>
-          <a:p>
-            <a:pPr>
-              <a:lnSpc>
-                <a:spcPct val="115000"/>
-              </a:lnSpc>
-            </a:pPr>
-            <a:r>
-              <a:rPr b="0" lang="en-US" sz="1800" spc="-1" strike="noStrike">
-                <a:solidFill>
-                  <a:srgbClr val="595959"/>
-                </a:solidFill>
-                <a:latin typeface="Arial"/>
-                <a:ea typeface="Arial"/>
-              </a:rPr>
-              <a:t>+++FOR SAMPLE_DATA</a:t>
-            </a:r>
-            <a:endParaRPr b="0" lang="en-US" sz="1800" spc="-1" strike="noStrike">
-              <a:latin typeface="Arial"/>
-            </a:endParaRPr>
-          </a:p>
-          <a:p>
-            <a:pPr>
-              <a:lnSpc>
-                <a:spcPct val="115000"/>
-              </a:lnSpc>
-              <a:spcBef>
-                <a:spcPts val="1199"/>
-              </a:spcBef>
-            </a:pPr>
-            <a:r>
-              <a:rPr b="0" lang="en-US" sz="1800" spc="-1" strike="noStrike">
-                <a:solidFill>
-                  <a:srgbClr val="595959"/>
-                </a:solidFill>
-                <a:latin typeface="Arial"/>
-                <a:ea typeface="Arial"/>
-              </a:rPr>
-              <a:t>	</a:t>
-            </a:r>
-            <a:r>
-              <a:rPr b="0" lang="en-US" sz="700" spc="-1" strike="noStrike">
-                <a:solidFill>
-                  <a:srgbClr val="000000"/>
-                </a:solidFill>
-                <a:latin typeface="Arial"/>
-                <a:ea typeface="Arial"/>
-              </a:rPr>
-              <a:t>&lt;+++INS $SAMPLE_NAME$+++ </a:t>
-            </a:r>
-            <a:r>
-              <a:rPr b="0" lang="en-US" sz="700" spc="-1" strike="noStrike">
-                <a:solidFill>
-                  <a:srgbClr val="000000"/>
-                </a:solidFill>
-                <a:latin typeface="Arial"/>
-                <a:ea typeface="Arial"/>
-              </a:rPr>
-              <a:t>	</a:t>
-            </a:r>
-            <a:r>
-              <a:rPr b="0" lang="en-US" sz="700" spc="-1" strike="noStrike">
-                <a:solidFill>
-                  <a:srgbClr val="000000"/>
-                </a:solidFill>
-                <a:latin typeface="Arial"/>
-                <a:ea typeface="Arial"/>
-              </a:rPr>
-              <a:t>	</a:t>
-            </a:r>
-            <a:r>
-              <a:rPr b="0" lang="en-US" sz="700" spc="-1" strike="noStrike">
-                <a:solidFill>
-                  <a:srgbClr val="000000"/>
-                </a:solidFill>
-                <a:latin typeface="Arial"/>
-                <a:ea typeface="Arial"/>
-              </a:rPr>
-              <a:t>	</a:t>
-            </a:r>
-            <a:r>
-              <a:rPr b="0" lang="en-US" sz="700" spc="-1" strike="noStrike">
-                <a:solidFill>
-                  <a:srgbClr val="000000"/>
-                </a:solidFill>
-                <a:latin typeface="Arial"/>
-                <a:ea typeface="Arial"/>
-              </a:rPr>
-              <a:t>+++INS $SAMPLE_DATE$  +++</a:t>
-            </a:r>
-            <a:r>
-              <a:rPr b="0" lang="en-US" sz="700" spc="-1" strike="noStrike">
-                <a:solidFill>
-                  <a:srgbClr val="000000"/>
-                </a:solidFill>
-                <a:latin typeface="Arial"/>
-                <a:ea typeface="Arial"/>
-              </a:rPr>
-              <a:t>	</a:t>
-            </a:r>
-            <a:r>
-              <a:rPr b="0" lang="en-US" sz="700" spc="-1" strike="noStrike">
-                <a:solidFill>
-                  <a:srgbClr val="000000"/>
-                </a:solidFill>
-                <a:latin typeface="Arial"/>
-                <a:ea typeface="Arial"/>
-              </a:rPr>
-              <a:t>	</a:t>
-            </a:r>
-            <a:r>
-              <a:rPr b="0" lang="en-US" sz="700" spc="-1" strike="noStrike">
-                <a:solidFill>
-                  <a:srgbClr val="000000"/>
-                </a:solidFill>
-                <a:latin typeface="Arial"/>
-                <a:ea typeface="Arial"/>
-              </a:rPr>
-              <a:t>	</a:t>
-            </a:r>
-            <a:r>
-              <a:rPr b="0" lang="en-US" sz="700" spc="-1" strike="noStrike">
-                <a:solidFill>
-                  <a:srgbClr val="000000"/>
-                </a:solidFill>
-                <a:latin typeface="Arial"/>
-                <a:ea typeface="Arial"/>
-              </a:rPr>
-              <a:t>+++INS $SAMPLE_YEAR$ +++&gt;</a:t>
-            </a:r>
-            <a:endParaRPr b="0" lang="en-US" sz="700" spc="-1" strike="noStrike">
-              <a:latin typeface="Arial"/>
-            </a:endParaRPr>
-          </a:p>
           <a:p>
             <a:pPr>
               <a:lnSpc>
@@ -4750,7 +4639,29 @@
                 <a:latin typeface="Arial"/>
                 <a:ea typeface="Arial"/>
               </a:rPr>
-              <a:t>FOR-END+++</a:t>
+              <a:t>+++FOR ((SAMPLE_DATA_1))&lt;&lt; +++INS NAME +++  +++INS AGE +++&gt;&gt; FOR-END+++</a:t>
+            </a:r>
+            <a:br/>
+            <a:r>
+              <a:rPr b="0" lang="en-US" sz="1800" spc="-1" strike="noStrike">
+                <a:solidFill>
+                  <a:srgbClr val="595959"/>
+                </a:solidFill>
+                <a:latin typeface="Arial"/>
+                <a:ea typeface="Arial"/>
+              </a:rPr>
+              <a:t>+++FOR ((SAMPLE_DATA_2))&lt;&lt; +++INS NAME +++   +++INS AGE +++ &gt;&gt; FOR-END+++</a:t>
+            </a:r>
+            <a:br/>
+            <a:r>
+              <a:rPr b="0" lang="en-US" sz="1800" spc="-1" strike="noStrike">
+                <a:solidFill>
+                  <a:srgbClr val="595959"/>
+                </a:solidFill>
+                <a:latin typeface="Arial"/>
+                <a:ea typeface="Arial"/>
+              </a:rPr>
+              <a:t>+++FOR ((SAMPLE_DATA_3))&lt;&lt; +++INS NAME +++    +++INS AGE +++ &gt;&gt; FOR-END+++</a:t>
             </a:r>
             <a:endParaRPr b="0" lang="en-US" sz="1800" spc="-1" strike="noStrike">
               <a:latin typeface="Arial"/>
@@ -4816,7 +4727,7 @@
         <p:spPr>
           <a:xfrm>
             <a:off x="311760" y="444960"/>
-            <a:ext cx="8516160" cy="568440"/>
+            <a:ext cx="8511480" cy="563760"/>
           </a:xfrm>
           <a:prstGeom prst="rect">
             <a:avLst/>
@@ -4842,7 +4753,7 @@
         <p:spPr>
           <a:xfrm>
             <a:off x="311760" y="1152360"/>
-            <a:ext cx="8516160" cy="3412080"/>
+            <a:ext cx="8511480" cy="3407400"/>
           </a:xfrm>
           <a:prstGeom prst="rect">
             <a:avLst/>
@@ -4945,7 +4856,7 @@
         <p:spPr>
           <a:xfrm>
             <a:off x="640080" y="640080"/>
-            <a:ext cx="7952760" cy="343800"/>
+            <a:ext cx="7948080" cy="339120"/>
           </a:xfrm>
           <a:prstGeom prst="rect">
             <a:avLst/>
@@ -4971,7 +4882,7 @@
         <p:spPr>
           <a:xfrm>
             <a:off x="311760" y="1152360"/>
-            <a:ext cx="8516160" cy="3412080"/>
+            <a:ext cx="8511480" cy="3407400"/>
           </a:xfrm>
           <a:prstGeom prst="rect">
             <a:avLst/>
@@ -5074,7 +4985,7 @@
         <p:spPr>
           <a:xfrm>
             <a:off x="311760" y="1152360"/>
-            <a:ext cx="8516160" cy="3412080"/>
+            <a:ext cx="8511480" cy="3407400"/>
           </a:xfrm>
           <a:prstGeom prst="rect">
             <a:avLst/>
@@ -5177,7 +5088,7 @@
         <p:spPr>
           <a:xfrm>
             <a:off x="311760" y="1152360"/>
-            <a:ext cx="8516160" cy="3412080"/>
+            <a:ext cx="8511480" cy="3407400"/>
           </a:xfrm>
           <a:prstGeom prst="rect">
             <a:avLst/>
@@ -5280,7 +5191,7 @@
         <p:spPr>
           <a:xfrm>
             <a:off x="311760" y="1152360"/>
-            <a:ext cx="8516160" cy="3412080"/>
+            <a:ext cx="8511480" cy="3407400"/>
           </a:xfrm>
           <a:prstGeom prst="rect">
             <a:avLst/>

--- a/input_2.pptx
+++ b/input_2.pptx
@@ -18,6 +18,7 @@
     <p:sldId id="265" r:id="rId13"/>
     <p:sldId id="266" r:id="rId14"/>
     <p:sldId id="267" r:id="rId15"/>
+    <p:sldId id="268" r:id="rId16"/>
   </p:sldIdLst>
   <p:sldSz cx="9144000" cy="5143500"/>
   <p:notesSz cx="7559675" cy="10691812"/>
@@ -3230,7 +3231,7 @@
         <p:spPr>
           <a:xfrm>
             <a:off x="311760" y="744480"/>
-            <a:ext cx="8511480" cy="2043720"/>
+            <a:ext cx="8507160" cy="2039400"/>
           </a:xfrm>
           <a:prstGeom prst="rect">
             <a:avLst/>
@@ -3303,7 +3304,7 @@
         <p:spPr>
           <a:xfrm>
             <a:off x="311760" y="2834280"/>
-            <a:ext cx="8511480" cy="783720"/>
+            <a:ext cx="8507160" cy="779400"/>
           </a:xfrm>
           <a:prstGeom prst="rect">
             <a:avLst/>
@@ -3378,7 +3379,7 @@
         <p:spPr>
           <a:xfrm>
             <a:off x="311760" y="1152360"/>
-            <a:ext cx="8511480" cy="3407400"/>
+            <a:ext cx="8507160" cy="3403080"/>
           </a:xfrm>
           <a:prstGeom prst="rect">
             <a:avLst/>
@@ -3481,7 +3482,7 @@
         <p:spPr>
           <a:xfrm>
             <a:off x="311760" y="1152360"/>
-            <a:ext cx="8511480" cy="3407400"/>
+            <a:ext cx="8507160" cy="3403080"/>
           </a:xfrm>
           <a:prstGeom prst="rect">
             <a:avLst/>
@@ -3584,7 +3585,7 @@
         <p:spPr>
           <a:xfrm>
             <a:off x="311760" y="1152360"/>
-            <a:ext cx="8511480" cy="3407400"/>
+            <a:ext cx="8507160" cy="3403080"/>
           </a:xfrm>
           <a:prstGeom prst="rect">
             <a:avLst/>
@@ -3638,6 +3639,109 @@
           <p:childTnLst>
             <p:seq>
               <p:cTn id="24" dur="indefinite" nodeType="mainSeq"/>
+              <p:prevCondLst>
+                <p:cond delay="0" evt="onPrev">
+                  <p:tgtEl>
+                    <p:sldTgt/>
+                  </p:tgtEl>
+                </p:cond>
+              </p:prevCondLst>
+              <p:nextCondLst>
+                <p:cond delay="0" evt="onNext">
+                  <p:tgtEl>
+                    <p:sldTgt/>
+                  </p:tgtEl>
+                </p:cond>
+              </p:nextCondLst>
+            </p:seq>
+          </p:childTnLst>
+        </p:cTn>
+      </p:par>
+    </p:tnLst>
+  </p:timing>
+</p:sld>
+</file>
+
+<file path=ppt/slides/slide13.xml><?xml version="1.0" encoding="utf-8"?>
+<p:sld xmlns:a="http://schemas.openxmlformats.org/drawingml/2006/main" xmlns:p="http://schemas.openxmlformats.org/presentationml/2006/main" xmlns:r="http://schemas.openxmlformats.org/officeDocument/2006/relationships" xmlns:p14="http://schemas.microsoft.com/office/powerpoint/2010/main" xmlns:p15="http://schemas.microsoft.com/office/powerpoint/2012/main" xmlns:mc="http://schemas.openxmlformats.org/markup-compatibility/2006">
+  <p:cSld>
+    <p:spTree>
+      <p:nvGrpSpPr>
+        <p:cNvPr id="1" name=""/>
+        <p:cNvGrpSpPr/>
+        <p:nvPr/>
+      </p:nvGrpSpPr>
+      <p:grpSpPr>
+        <a:xfrm>
+          <a:off x="0" y="0"/>
+          <a:ext cx="0" cy="0"/>
+          <a:chOff x="0" y="0"/>
+          <a:chExt cx="0" cy="0"/>
+        </a:xfrm>
+      </p:grpSpPr>
+      <p:sp>
+        <p:nvSpPr>
+          <p:cNvPr id="95" name="CustomShape 1"/>
+          <p:cNvSpPr/>
+          <p:nvPr/>
+        </p:nvSpPr>
+        <p:spPr>
+          <a:xfrm>
+            <a:off x="311760" y="1152360"/>
+            <a:ext cx="8507160" cy="3403080"/>
+          </a:xfrm>
+          <a:prstGeom prst="rect">
+            <a:avLst/>
+          </a:prstGeom>
+          <a:noFill/>
+          <a:ln>
+            <a:noFill/>
+          </a:ln>
+        </p:spPr>
+        <p:style>
+          <a:lnRef idx="0"/>
+          <a:fillRef idx="0"/>
+          <a:effectRef idx="0"/>
+          <a:fontRef idx="minor"/>
+        </p:style>
+        <p:txBody>
+          <a:bodyPr lIns="90000" rIns="90000" tIns="91440" bIns="91440">
+            <a:normAutofit/>
+          </a:bodyPr>
+          <a:p>
+            <a:pPr>
+              <a:lnSpc>
+                <a:spcPct val="115000"/>
+              </a:lnSpc>
+              <a:spcAft>
+                <a:spcPts val="1199"/>
+              </a:spcAft>
+            </a:pPr>
+            <a:r>
+              <a:rPr b="0" lang="en-US" sz="1800" spc="-1" strike="noStrike">
+                <a:solidFill>
+                  <a:srgbClr val="595959"/>
+                </a:solidFill>
+                <a:latin typeface="Arial"/>
+                <a:ea typeface="Arial"/>
+              </a:rPr>
+              <a:t>+++ EXTRA_SLIDE +++</a:t>
+            </a:r>
+            <a:endParaRPr b="0" lang="en-US" sz="1800" spc="-1" strike="noStrike">
+              <a:latin typeface="Arial"/>
+            </a:endParaRPr>
+          </a:p>
+        </p:txBody>
+      </p:sp>
+    </p:spTree>
+  </p:cSld>
+  <p:timing>
+    <p:tnLst>
+      <p:par>
+        <p:cTn id="25" dur="indefinite" restart="never" nodeType="tmRoot">
+          <p:childTnLst>
+            <p:seq>
+              <p:cTn id="26" dur="indefinite" nodeType="mainSeq"/>
               <p:prevCondLst>
                 <p:cond delay="0" evt="onPrev">
                   <p:tgtEl>
@@ -3687,7 +3791,7 @@
         <p:spPr>
           <a:xfrm>
             <a:off x="311760" y="444960"/>
-            <a:ext cx="8511480" cy="563760"/>
+            <a:ext cx="8507160" cy="559440"/>
           </a:xfrm>
           <a:prstGeom prst="rect">
             <a:avLst/>
@@ -3738,7 +3842,7 @@
         <p:spPr>
           <a:xfrm>
             <a:off x="311760" y="1152360"/>
-            <a:ext cx="8511480" cy="3407400"/>
+            <a:ext cx="8507160" cy="3403080"/>
           </a:xfrm>
           <a:prstGeom prst="rect">
             <a:avLst/>
@@ -3840,8 +3944,8 @@
         </p:nvSpPr>
         <p:spPr>
           <a:xfrm>
-            <a:off x="311760" y="444960"/>
-            <a:ext cx="8511480" cy="563760"/>
+            <a:off x="731520" y="2419920"/>
+            <a:ext cx="7586280" cy="599040"/>
           </a:xfrm>
           <a:prstGeom prst="rect">
             <a:avLst/>
@@ -3858,68 +3962,12 @@
           <a:fontRef idx="minor"/>
         </p:style>
         <p:txBody>
-          <a:bodyPr lIns="90000" rIns="90000" tIns="91440" bIns="91440">
-            <a:normAutofit/>
-          </a:bodyPr>
+          <a:bodyPr lIns="90000" rIns="90000" tIns="45000" bIns="45000"/>
           <a:p>
             <a:pPr>
               <a:lnSpc>
                 <a:spcPct val="100000"/>
               </a:lnSpc>
-            </a:pPr>
-            <a:r>
-              <a:rPr b="0" lang="en-US" sz="2800" spc="-1" strike="noStrike">
-                <a:solidFill>
-                  <a:srgbClr val="000000"/>
-                </a:solidFill>
-                <a:latin typeface="Arial"/>
-                <a:ea typeface="Arial"/>
-              </a:rPr>
-              <a:t>+++INS table_name +++</a:t>
-            </a:r>
-            <a:endParaRPr b="0" lang="en-US" sz="2800" spc="-1" strike="noStrike">
-              <a:latin typeface="Arial"/>
-            </a:endParaRPr>
-          </a:p>
-        </p:txBody>
-      </p:sp>
-      <p:sp>
-        <p:nvSpPr>
-          <p:cNvPr id="81" name="CustomShape 2"/>
-          <p:cNvSpPr/>
-          <p:nvPr/>
-        </p:nvSpPr>
-        <p:spPr>
-          <a:xfrm>
-            <a:off x="311760" y="1152360"/>
-            <a:ext cx="8511480" cy="3407400"/>
-          </a:xfrm>
-          <a:prstGeom prst="rect">
-            <a:avLst/>
-          </a:prstGeom>
-          <a:noFill/>
-          <a:ln>
-            <a:noFill/>
-          </a:ln>
-        </p:spPr>
-        <p:style>
-          <a:lnRef idx="0"/>
-          <a:fillRef idx="0"/>
-          <a:effectRef idx="0"/>
-          <a:fontRef idx="minor"/>
-        </p:style>
-        <p:txBody>
-          <a:bodyPr lIns="90000" rIns="90000" tIns="91440" bIns="91440">
-            <a:normAutofit/>
-          </a:bodyPr>
-          <a:p>
-            <a:pPr>
-              <a:lnSpc>
-                <a:spcPct val="115000"/>
-              </a:lnSpc>
-              <a:spcAft>
-                <a:spcPts val="1199"/>
-              </a:spcAft>
             </a:pPr>
             <a:r>
               <a:rPr b="0" lang="en-US" sz="1800" spc="-1" strike="noStrike">
@@ -3929,567 +3977,14 @@
                 <a:latin typeface="Arial"/>
                 <a:ea typeface="Arial"/>
               </a:rPr>
-              <a:t>+++IF TABLE_1_PRESENT +++ &lt;</a:t>
+              <a:t>+++IF (( chart_name ))&lt;&lt; +++INS chart_name +++ &gt;&gt;IF-END+++</a:t>
             </a:r>
-            <a:br/>
-            <a:br/>
-            <a:br/>
-            <a:br/>
-            <a:br/>
-            <a:br/>
-            <a:br/>
-            <a:br/>
-            <a:br/>
-            <a:r>
-              <a:rPr b="0" lang="en-US" sz="1800" spc="-1" strike="noStrike">
-                <a:solidFill>
-                  <a:srgbClr val="595959"/>
-                </a:solidFill>
-                <a:latin typeface="Arial"/>
-                <a:ea typeface="Arial"/>
-              </a:rPr>
-              <a:t>&gt;</a:t>
-            </a:r>
-            <a:br/>
             <a:endParaRPr b="0" lang="en-US" sz="1800" spc="-1" strike="noStrike">
               <a:latin typeface="Arial"/>
             </a:endParaRPr>
           </a:p>
         </p:txBody>
       </p:sp>
-      <p:graphicFrame>
-        <p:nvGraphicFramePr>
-          <p:cNvPr id="82" name="Table 3"/>
-          <p:cNvGraphicFramePr/>
-          <p:nvPr/>
-        </p:nvGraphicFramePr>
-        <p:xfrm>
-          <a:off x="952560" y="1809720"/>
-          <a:ext cx="7238160" cy="2077560"/>
-        </p:xfrm>
-        <a:graphic>
-          <a:graphicData uri="http://schemas.openxmlformats.org/drawingml/2006/table">
-            <a:tbl>
-              <a:tblPr/>
-              <a:tblGrid>
-                <a:gridCol w="1447560"/>
-                <a:gridCol w="1447560"/>
-                <a:gridCol w="1447560"/>
-                <a:gridCol w="1447560"/>
-                <a:gridCol w="1448280"/>
-              </a:tblGrid>
-              <a:tr h="519480">
-                <a:tc>
-                  <a:tcPr marL="91080" marR="91080">
-                    <a:lnL w="9360">
-                      <a:solidFill>
-                        <a:srgbClr val="9e9e9e"/>
-                      </a:solidFill>
-                    </a:lnL>
-                    <a:lnR w="9360">
-                      <a:solidFill>
-                        <a:srgbClr val="9e9e9e"/>
-                      </a:solidFill>
-                    </a:lnR>
-                    <a:lnT w="9360">
-                      <a:solidFill>
-                        <a:srgbClr val="9e9e9e"/>
-                      </a:solidFill>
-                    </a:lnT>
-                    <a:lnB w="9360">
-                      <a:solidFill>
-                        <a:srgbClr val="9e9e9e"/>
-                      </a:solidFill>
-                    </a:lnB>
-                    <a:noFill/>
-                  </a:tcPr>
-                </a:tc>
-                <a:tc>
-                  <a:tcPr marL="91080" marR="91080">
-                    <a:lnL w="9360">
-                      <a:solidFill>
-                        <a:srgbClr val="9e9e9e"/>
-                      </a:solidFill>
-                    </a:lnL>
-                    <a:lnR w="9360">
-                      <a:solidFill>
-                        <a:srgbClr val="9e9e9e"/>
-                      </a:solidFill>
-                    </a:lnR>
-                    <a:lnT w="9360">
-                      <a:solidFill>
-                        <a:srgbClr val="9e9e9e"/>
-                      </a:solidFill>
-                    </a:lnT>
-                    <a:lnB w="9360">
-                      <a:solidFill>
-                        <a:srgbClr val="9e9e9e"/>
-                      </a:solidFill>
-                    </a:lnB>
-                    <a:noFill/>
-                  </a:tcPr>
-                </a:tc>
-                <a:tc>
-                  <a:tcPr marL="91080" marR="91080">
-                    <a:lnL w="9360">
-                      <a:solidFill>
-                        <a:srgbClr val="9e9e9e"/>
-                      </a:solidFill>
-                    </a:lnL>
-                    <a:lnR w="9360">
-                      <a:solidFill>
-                        <a:srgbClr val="9e9e9e"/>
-                      </a:solidFill>
-                    </a:lnR>
-                    <a:lnT w="9360">
-                      <a:solidFill>
-                        <a:srgbClr val="9e9e9e"/>
-                      </a:solidFill>
-                    </a:lnT>
-                    <a:lnB w="9360">
-                      <a:solidFill>
-                        <a:srgbClr val="9e9e9e"/>
-                      </a:solidFill>
-                    </a:lnB>
-                    <a:noFill/>
-                  </a:tcPr>
-                </a:tc>
-                <a:tc>
-                  <a:tcPr marL="91080" marR="91080">
-                    <a:lnL w="9360">
-                      <a:solidFill>
-                        <a:srgbClr val="9e9e9e"/>
-                      </a:solidFill>
-                    </a:lnL>
-                    <a:lnR w="9360">
-                      <a:solidFill>
-                        <a:srgbClr val="9e9e9e"/>
-                      </a:solidFill>
-                    </a:lnR>
-                    <a:lnT w="9360">
-                      <a:solidFill>
-                        <a:srgbClr val="9e9e9e"/>
-                      </a:solidFill>
-                    </a:lnT>
-                    <a:lnB w="9360">
-                      <a:solidFill>
-                        <a:srgbClr val="9e9e9e"/>
-                      </a:solidFill>
-                    </a:lnB>
-                    <a:noFill/>
-                  </a:tcPr>
-                </a:tc>
-                <a:tc>
-                  <a:tcPr marL="91080" marR="91080">
-                    <a:lnL w="9360">
-                      <a:solidFill>
-                        <a:srgbClr val="9e9e9e"/>
-                      </a:solidFill>
-                    </a:lnL>
-                    <a:lnR w="9360">
-                      <a:solidFill>
-                        <a:srgbClr val="9e9e9e"/>
-                      </a:solidFill>
-                    </a:lnR>
-                    <a:lnT w="9360">
-                      <a:solidFill>
-                        <a:srgbClr val="9e9e9e"/>
-                      </a:solidFill>
-                    </a:lnT>
-                    <a:lnB w="9360">
-                      <a:solidFill>
-                        <a:srgbClr val="9e9e9e"/>
-                      </a:solidFill>
-                    </a:lnB>
-                    <a:noFill/>
-                  </a:tcPr>
-                </a:tc>
-              </a:tr>
-              <a:tr h="519480">
-                <a:tc>
-                  <a:tcPr marL="91080" marR="91080">
-                    <a:lnL w="9360">
-                      <a:solidFill>
-                        <a:srgbClr val="9e9e9e"/>
-                      </a:solidFill>
-                    </a:lnL>
-                    <a:lnR w="9360">
-                      <a:solidFill>
-                        <a:srgbClr val="9e9e9e"/>
-                      </a:solidFill>
-                    </a:lnR>
-                    <a:lnT w="9360">
-                      <a:solidFill>
-                        <a:srgbClr val="9e9e9e"/>
-                      </a:solidFill>
-                    </a:lnT>
-                    <a:lnB w="9360">
-                      <a:solidFill>
-                        <a:srgbClr val="9e9e9e"/>
-                      </a:solidFill>
-                    </a:lnB>
-                    <a:noFill/>
-                  </a:tcPr>
-                </a:tc>
-                <a:tc>
-                  <a:tcPr marL="91080" marR="91080">
-                    <a:lnL w="9360">
-                      <a:solidFill>
-                        <a:srgbClr val="9e9e9e"/>
-                      </a:solidFill>
-                    </a:lnL>
-                    <a:lnR w="9360">
-                      <a:solidFill>
-                        <a:srgbClr val="9e9e9e"/>
-                      </a:solidFill>
-                    </a:lnR>
-                    <a:lnT w="9360">
-                      <a:solidFill>
-                        <a:srgbClr val="9e9e9e"/>
-                      </a:solidFill>
-                    </a:lnT>
-                    <a:lnB w="9360">
-                      <a:solidFill>
-                        <a:srgbClr val="9e9e9e"/>
-                      </a:solidFill>
-                    </a:lnB>
-                    <a:noFill/>
-                  </a:tcPr>
-                </a:tc>
-                <a:tc>
-                  <a:tcPr marL="91080" marR="91080">
-                    <a:lnL w="9360">
-                      <a:solidFill>
-                        <a:srgbClr val="9e9e9e"/>
-                      </a:solidFill>
-                    </a:lnL>
-                    <a:lnR w="9360">
-                      <a:solidFill>
-                        <a:srgbClr val="9e9e9e"/>
-                      </a:solidFill>
-                    </a:lnR>
-                    <a:lnT w="9360">
-                      <a:solidFill>
-                        <a:srgbClr val="9e9e9e"/>
-                      </a:solidFill>
-                    </a:lnT>
-                    <a:lnB w="9360">
-                      <a:solidFill>
-                        <a:srgbClr val="9e9e9e"/>
-                      </a:solidFill>
-                    </a:lnB>
-                    <a:noFill/>
-                  </a:tcPr>
-                </a:tc>
-                <a:tc>
-                  <a:tcPr marL="91080" marR="91080">
-                    <a:lnL w="9360">
-                      <a:solidFill>
-                        <a:srgbClr val="9e9e9e"/>
-                      </a:solidFill>
-                    </a:lnL>
-                    <a:lnR w="9360">
-                      <a:solidFill>
-                        <a:srgbClr val="9e9e9e"/>
-                      </a:solidFill>
-                    </a:lnR>
-                    <a:lnT w="9360">
-                      <a:solidFill>
-                        <a:srgbClr val="9e9e9e"/>
-                      </a:solidFill>
-                    </a:lnT>
-                    <a:lnB w="9360">
-                      <a:solidFill>
-                        <a:srgbClr val="9e9e9e"/>
-                      </a:solidFill>
-                    </a:lnB>
-                    <a:noFill/>
-                  </a:tcPr>
-                </a:tc>
-                <a:tc>
-                  <a:tcPr marL="91080" marR="91080">
-                    <a:lnL w="9360">
-                      <a:solidFill>
-                        <a:srgbClr val="9e9e9e"/>
-                      </a:solidFill>
-                    </a:lnL>
-                    <a:lnR w="9360">
-                      <a:solidFill>
-                        <a:srgbClr val="9e9e9e"/>
-                      </a:solidFill>
-                    </a:lnR>
-                    <a:lnT w="9360">
-                      <a:solidFill>
-                        <a:srgbClr val="9e9e9e"/>
-                      </a:solidFill>
-                    </a:lnT>
-                    <a:lnB w="9360">
-                      <a:solidFill>
-                        <a:srgbClr val="9e9e9e"/>
-                      </a:solidFill>
-                    </a:lnB>
-                    <a:noFill/>
-                  </a:tcPr>
-                </a:tc>
-              </a:tr>
-              <a:tr h="519480">
-                <a:tc>
-                  <a:tcPr marL="91080" marR="91080">
-                    <a:lnL w="9360">
-                      <a:solidFill>
-                        <a:srgbClr val="9e9e9e"/>
-                      </a:solidFill>
-                    </a:lnL>
-                    <a:lnR w="9360">
-                      <a:solidFill>
-                        <a:srgbClr val="9e9e9e"/>
-                      </a:solidFill>
-                    </a:lnR>
-                    <a:lnT w="9360">
-                      <a:solidFill>
-                        <a:srgbClr val="9e9e9e"/>
-                      </a:solidFill>
-                    </a:lnT>
-                    <a:lnB w="9360">
-                      <a:solidFill>
-                        <a:srgbClr val="9e9e9e"/>
-                      </a:solidFill>
-                    </a:lnB>
-                    <a:noFill/>
-                  </a:tcPr>
-                </a:tc>
-                <a:tc>
-                  <a:tcPr marL="91080" marR="91080">
-                    <a:lnL w="9360">
-                      <a:solidFill>
-                        <a:srgbClr val="9e9e9e"/>
-                      </a:solidFill>
-                    </a:lnL>
-                    <a:lnR w="9360">
-                      <a:solidFill>
-                        <a:srgbClr val="9e9e9e"/>
-                      </a:solidFill>
-                    </a:lnR>
-                    <a:lnT w="9360">
-                      <a:solidFill>
-                        <a:srgbClr val="9e9e9e"/>
-                      </a:solidFill>
-                    </a:lnT>
-                    <a:lnB w="9360">
-                      <a:solidFill>
-                        <a:srgbClr val="9e9e9e"/>
-                      </a:solidFill>
-                    </a:lnB>
-                    <a:noFill/>
-                  </a:tcPr>
-                </a:tc>
-                <a:tc>
-                  <a:tcPr marL="91080" marR="91080">
-                    <a:lnL w="9360">
-                      <a:solidFill>
-                        <a:srgbClr val="9e9e9e"/>
-                      </a:solidFill>
-                    </a:lnL>
-                    <a:lnR w="9360">
-                      <a:solidFill>
-                        <a:srgbClr val="9e9e9e"/>
-                      </a:solidFill>
-                    </a:lnR>
-                    <a:lnT w="9360">
-                      <a:solidFill>
-                        <a:srgbClr val="9e9e9e"/>
-                      </a:solidFill>
-                    </a:lnT>
-                    <a:lnB w="9360">
-                      <a:solidFill>
-                        <a:srgbClr val="9e9e9e"/>
-                      </a:solidFill>
-                    </a:lnB>
-                    <a:noFill/>
-                  </a:tcPr>
-                </a:tc>
-                <a:tc>
-                  <a:tcPr marL="91080" marR="91080">
-                    <a:lnL w="9360">
-                      <a:solidFill>
-                        <a:srgbClr val="9e9e9e"/>
-                      </a:solidFill>
-                    </a:lnL>
-                    <a:lnR w="9360">
-                      <a:solidFill>
-                        <a:srgbClr val="9e9e9e"/>
-                      </a:solidFill>
-                    </a:lnR>
-                    <a:lnT w="9360">
-                      <a:solidFill>
-                        <a:srgbClr val="9e9e9e"/>
-                      </a:solidFill>
-                    </a:lnT>
-                    <a:lnB w="9360">
-                      <a:solidFill>
-                        <a:srgbClr val="9e9e9e"/>
-                      </a:solidFill>
-                    </a:lnB>
-                    <a:noFill/>
-                  </a:tcPr>
-                </a:tc>
-                <a:tc>
-                  <a:tcPr marL="91080" marR="91080">
-                    <a:lnL w="9360">
-                      <a:solidFill>
-                        <a:srgbClr val="9e9e9e"/>
-                      </a:solidFill>
-                    </a:lnL>
-                    <a:lnR w="9360">
-                      <a:solidFill>
-                        <a:srgbClr val="9e9e9e"/>
-                      </a:solidFill>
-                    </a:lnR>
-                    <a:lnT w="9360">
-                      <a:solidFill>
-                        <a:srgbClr val="9e9e9e"/>
-                      </a:solidFill>
-                    </a:lnT>
-                    <a:lnB w="9360">
-                      <a:solidFill>
-                        <a:srgbClr val="9e9e9e"/>
-                      </a:solidFill>
-                    </a:lnB>
-                    <a:noFill/>
-                  </a:tcPr>
-                </a:tc>
-              </a:tr>
-              <a:tr h="519480">
-                <a:tc>
-                  <a:tcPr marL="91080" marR="91080">
-                    <a:lnL w="9360">
-                      <a:solidFill>
-                        <a:srgbClr val="9e9e9e"/>
-                      </a:solidFill>
-                    </a:lnL>
-                    <a:lnR w="9360">
-                      <a:solidFill>
-                        <a:srgbClr val="9e9e9e"/>
-                      </a:solidFill>
-                    </a:lnR>
-                    <a:lnT w="9360">
-                      <a:solidFill>
-                        <a:srgbClr val="9e9e9e"/>
-                      </a:solidFill>
-                    </a:lnT>
-                    <a:lnB w="9360">
-                      <a:solidFill>
-                        <a:srgbClr val="9e9e9e"/>
-                      </a:solidFill>
-                    </a:lnB>
-                    <a:noFill/>
-                  </a:tcPr>
-                </a:tc>
-                <a:tc>
-                  <a:tcPr marL="91080" marR="91080">
-                    <a:lnL w="9360">
-                      <a:solidFill>
-                        <a:srgbClr val="9e9e9e"/>
-                      </a:solidFill>
-                    </a:lnL>
-                    <a:lnR w="9360">
-                      <a:solidFill>
-                        <a:srgbClr val="9e9e9e"/>
-                      </a:solidFill>
-                    </a:lnR>
-                    <a:lnT w="9360">
-                      <a:solidFill>
-                        <a:srgbClr val="9e9e9e"/>
-                      </a:solidFill>
-                    </a:lnT>
-                    <a:lnB w="9360">
-                      <a:solidFill>
-                        <a:srgbClr val="9e9e9e"/>
-                      </a:solidFill>
-                    </a:lnB>
-                    <a:noFill/>
-                  </a:tcPr>
-                </a:tc>
-                <a:tc>
-                  <a:tcPr marL="91080" marR="91080">
-                    <a:lnL w="9360">
-                      <a:solidFill>
-                        <a:srgbClr val="9e9e9e"/>
-                      </a:solidFill>
-                    </a:lnL>
-                    <a:lnR w="9360">
-                      <a:solidFill>
-                        <a:srgbClr val="9e9e9e"/>
-                      </a:solidFill>
-                    </a:lnR>
-                    <a:lnT w="9360">
-                      <a:solidFill>
-                        <a:srgbClr val="9e9e9e"/>
-                      </a:solidFill>
-                    </a:lnT>
-                    <a:lnB w="9360">
-                      <a:solidFill>
-                        <a:srgbClr val="9e9e9e"/>
-                      </a:solidFill>
-                    </a:lnB>
-                    <a:noFill/>
-                  </a:tcPr>
-                </a:tc>
-                <a:tc>
-                  <a:tcPr marL="91080" marR="91080">
-                    <a:lnL w="9360">
-                      <a:solidFill>
-                        <a:srgbClr val="9e9e9e"/>
-                      </a:solidFill>
-                    </a:lnL>
-                    <a:lnR w="9360">
-                      <a:solidFill>
-                        <a:srgbClr val="9e9e9e"/>
-                      </a:solidFill>
-                    </a:lnR>
-                    <a:lnT w="9360">
-                      <a:solidFill>
-                        <a:srgbClr val="9e9e9e"/>
-                      </a:solidFill>
-                    </a:lnT>
-                    <a:lnB w="9360">
-                      <a:solidFill>
-                        <a:srgbClr val="9e9e9e"/>
-                      </a:solidFill>
-                    </a:lnB>
-                    <a:noFill/>
-                  </a:tcPr>
-                </a:tc>
-                <a:tc>
-                  <a:tcPr marL="91080" marR="91080">
-                    <a:lnL w="9360">
-                      <a:solidFill>
-                        <a:srgbClr val="9e9e9e"/>
-                      </a:solidFill>
-                    </a:lnL>
-                    <a:lnR w="9360">
-                      <a:solidFill>
-                        <a:srgbClr val="9e9e9e"/>
-                      </a:solidFill>
-                    </a:lnR>
-                    <a:lnT w="9360">
-                      <a:solidFill>
-                        <a:srgbClr val="9e9e9e"/>
-                      </a:solidFill>
-                    </a:lnT>
-                    <a:lnB w="9360">
-                      <a:solidFill>
-                        <a:srgbClr val="9e9e9e"/>
-                      </a:solidFill>
-                    </a:lnB>
-                    <a:noFill/>
-                  </a:tcPr>
-                </a:tc>
-              </a:tr>
-            </a:tbl>
-          </a:graphicData>
-        </a:graphic>
-      </p:graphicFrame>
     </p:spTree>
   </p:cSld>
   <p:timing>
@@ -4541,14 +4036,14 @@
       </p:grpSpPr>
       <p:sp>
         <p:nvSpPr>
-          <p:cNvPr id="83" name="CustomShape 1"/>
+          <p:cNvPr id="81" name="CustomShape 1"/>
           <p:cNvSpPr/>
           <p:nvPr/>
         </p:nvSpPr>
         <p:spPr>
           <a:xfrm>
             <a:off x="311760" y="444960"/>
-            <a:ext cx="8511480" cy="563760"/>
+            <a:ext cx="8507160" cy="559440"/>
           </a:xfrm>
           <a:prstGeom prst="rect">
             <a:avLst/>
@@ -4582,7 +4077,7 @@
                 <a:latin typeface="Arial"/>
                 <a:ea typeface="Arial"/>
               </a:rPr>
-              <a:t>+++INS sample_name +++</a:t>
+              <a:t>+++INS table_name +++</a:t>
             </a:r>
             <a:endParaRPr b="0" lang="en-US" sz="2800" spc="-1" strike="noStrike">
               <a:latin typeface="Arial"/>
@@ -4592,14 +4087,14 @@
       </p:sp>
       <p:sp>
         <p:nvSpPr>
-          <p:cNvPr id="84" name="CustomShape 2"/>
+          <p:cNvPr id="82" name="CustomShape 2"/>
           <p:cNvSpPr/>
           <p:nvPr/>
         </p:nvSpPr>
         <p:spPr>
           <a:xfrm>
             <a:off x="311760" y="1152360"/>
-            <a:ext cx="8511480" cy="3407400"/>
+            <a:ext cx="8507160" cy="3403080"/>
           </a:xfrm>
           <a:prstGeom prst="rect">
             <a:avLst/>
@@ -4624,9 +4119,6 @@
               <a:lnSpc>
                 <a:spcPct val="115000"/>
               </a:lnSpc>
-              <a:spcBef>
-                <a:spcPts val="1199"/>
-              </a:spcBef>
               <a:spcAft>
                 <a:spcPts val="1199"/>
               </a:spcAft>
@@ -4639,36 +4131,566 @@
                 <a:latin typeface="Arial"/>
                 <a:ea typeface="Arial"/>
               </a:rPr>
-              <a:t>+++FOR ((SAMPLE_DATA_1))&lt;&lt; +++INS NAME +++  +++INS AGE +++&gt;&gt; FOR-END+++</a:t>
+              <a:t>+++IF ((TABLE_1_PRESENT))&lt;&lt; +++TABLE_REMOVE TABLE_ID_1 +++ &gt;&gt;IF-END+++</a:t>
             </a:r>
             <a:br/>
-            <a:r>
-              <a:rPr b="0" lang="en-US" sz="1800" spc="-1" strike="noStrike">
-                <a:solidFill>
-                  <a:srgbClr val="595959"/>
-                </a:solidFill>
-                <a:latin typeface="Arial"/>
-                <a:ea typeface="Arial"/>
-              </a:rPr>
-              <a:t>+++FOR ((SAMPLE_DATA_2))&lt;&lt; +++INS NAME +++   +++INS AGE +++ &gt;&gt; FOR-END+++</a:t>
-            </a:r>
-            <a:br/>
-            <a:r>
-              <a:rPr b="0" lang="en-US" sz="1800" spc="-1" strike="noStrike">
-                <a:solidFill>
-                  <a:srgbClr val="595959"/>
-                </a:solidFill>
-                <a:latin typeface="Arial"/>
-                <a:ea typeface="Arial"/>
-              </a:rPr>
-              <a:t>+++FOR ((SAMPLE_DATA_3))&lt;&lt; +++INS NAME +++    +++INS AGE +++ &gt;&gt; FOR-END+++</a:t>
-            </a:r>
             <a:endParaRPr b="0" lang="en-US" sz="1800" spc="-1" strike="noStrike">
               <a:latin typeface="Arial"/>
             </a:endParaRPr>
           </a:p>
         </p:txBody>
       </p:sp>
+      <p:graphicFrame>
+        <p:nvGraphicFramePr>
+          <p:cNvPr id="83" name="Table 3"/>
+          <p:cNvGraphicFramePr/>
+          <p:nvPr/>
+        </p:nvGraphicFramePr>
+        <p:xfrm>
+          <a:off x="952560" y="1809720"/>
+          <a:ext cx="7238160" cy="2077560"/>
+        </p:xfrm>
+        <a:graphic>
+          <a:graphicData uri="http://schemas.openxmlformats.org/drawingml/2006/table">
+            <a:tbl>
+              <a:tblPr/>
+              <a:tblGrid>
+                <a:gridCol w="1447560"/>
+                <a:gridCol w="1447560"/>
+                <a:gridCol w="1447560"/>
+                <a:gridCol w="1447560"/>
+                <a:gridCol w="1448280"/>
+              </a:tblGrid>
+              <a:tr h="519480">
+                <a:tc>
+                  <a:txBody>
+                    <a:bodyPr lIns="91080" rIns="91080"/>
+                    <a:p>
+                      <a:r>
+                        <a:rPr b="0" lang="en-US" sz="1800" spc="-1" strike="noStrike">
+                          <a:solidFill>
+                            <a:srgbClr val="595959"/>
+                          </a:solidFill>
+                          <a:latin typeface="Arial"/>
+                          <a:ea typeface="Arial"/>
+                        </a:rPr>
+                        <a:t>TABLE_ID_1</a:t>
+                      </a:r>
+                      <a:endParaRPr b="0" lang="en-US" sz="1800" spc="-1" strike="noStrike">
+                        <a:latin typeface="Arial"/>
+                      </a:endParaRPr>
+                    </a:p>
+                  </a:txBody>
+                  <a:tcPr marL="91080" marR="91080">
+                    <a:lnL w="9360">
+                      <a:solidFill>
+                        <a:srgbClr val="9e9e9e"/>
+                      </a:solidFill>
+                    </a:lnL>
+                    <a:lnR w="9360">
+                      <a:solidFill>
+                        <a:srgbClr val="9e9e9e"/>
+                      </a:solidFill>
+                    </a:lnR>
+                    <a:lnT w="9360">
+                      <a:solidFill>
+                        <a:srgbClr val="9e9e9e"/>
+                      </a:solidFill>
+                    </a:lnT>
+                    <a:lnB w="9360">
+                      <a:solidFill>
+                        <a:srgbClr val="9e9e9e"/>
+                      </a:solidFill>
+                    </a:lnB>
+                    <a:noFill/>
+                  </a:tcPr>
+                </a:tc>
+                <a:tc>
+                  <a:tcPr marL="91080" marR="91080">
+                    <a:lnL w="9360">
+                      <a:solidFill>
+                        <a:srgbClr val="9e9e9e"/>
+                      </a:solidFill>
+                    </a:lnL>
+                    <a:lnR w="9360">
+                      <a:solidFill>
+                        <a:srgbClr val="9e9e9e"/>
+                      </a:solidFill>
+                    </a:lnR>
+                    <a:lnT w="9360">
+                      <a:solidFill>
+                        <a:srgbClr val="9e9e9e"/>
+                      </a:solidFill>
+                    </a:lnT>
+                    <a:lnB w="9360">
+                      <a:solidFill>
+                        <a:srgbClr val="9e9e9e"/>
+                      </a:solidFill>
+                    </a:lnB>
+                    <a:noFill/>
+                  </a:tcPr>
+                </a:tc>
+                <a:tc>
+                  <a:tcPr marL="91080" marR="91080">
+                    <a:lnL w="9360">
+                      <a:solidFill>
+                        <a:srgbClr val="9e9e9e"/>
+                      </a:solidFill>
+                    </a:lnL>
+                    <a:lnR w="9360">
+                      <a:solidFill>
+                        <a:srgbClr val="9e9e9e"/>
+                      </a:solidFill>
+                    </a:lnR>
+                    <a:lnT w="9360">
+                      <a:solidFill>
+                        <a:srgbClr val="9e9e9e"/>
+                      </a:solidFill>
+                    </a:lnT>
+                    <a:lnB w="9360">
+                      <a:solidFill>
+                        <a:srgbClr val="9e9e9e"/>
+                      </a:solidFill>
+                    </a:lnB>
+                    <a:noFill/>
+                  </a:tcPr>
+                </a:tc>
+                <a:tc>
+                  <a:tcPr marL="91080" marR="91080">
+                    <a:lnL w="9360">
+                      <a:solidFill>
+                        <a:srgbClr val="9e9e9e"/>
+                      </a:solidFill>
+                    </a:lnL>
+                    <a:lnR w="9360">
+                      <a:solidFill>
+                        <a:srgbClr val="9e9e9e"/>
+                      </a:solidFill>
+                    </a:lnR>
+                    <a:lnT w="9360">
+                      <a:solidFill>
+                        <a:srgbClr val="9e9e9e"/>
+                      </a:solidFill>
+                    </a:lnT>
+                    <a:lnB w="9360">
+                      <a:solidFill>
+                        <a:srgbClr val="9e9e9e"/>
+                      </a:solidFill>
+                    </a:lnB>
+                    <a:noFill/>
+                  </a:tcPr>
+                </a:tc>
+                <a:tc>
+                  <a:tcPr marL="91080" marR="91080">
+                    <a:lnL w="9360">
+                      <a:solidFill>
+                        <a:srgbClr val="9e9e9e"/>
+                      </a:solidFill>
+                    </a:lnL>
+                    <a:lnR w="9360">
+                      <a:solidFill>
+                        <a:srgbClr val="9e9e9e"/>
+                      </a:solidFill>
+                    </a:lnR>
+                    <a:lnT w="9360">
+                      <a:solidFill>
+                        <a:srgbClr val="9e9e9e"/>
+                      </a:solidFill>
+                    </a:lnT>
+                    <a:lnB w="9360">
+                      <a:solidFill>
+                        <a:srgbClr val="9e9e9e"/>
+                      </a:solidFill>
+                    </a:lnB>
+                    <a:noFill/>
+                  </a:tcPr>
+                </a:tc>
+              </a:tr>
+              <a:tr h="519480">
+                <a:tc>
+                  <a:tcPr marL="91080" marR="91080">
+                    <a:lnL w="9360">
+                      <a:solidFill>
+                        <a:srgbClr val="9e9e9e"/>
+                      </a:solidFill>
+                    </a:lnL>
+                    <a:lnR w="9360">
+                      <a:solidFill>
+                        <a:srgbClr val="9e9e9e"/>
+                      </a:solidFill>
+                    </a:lnR>
+                    <a:lnT w="9360">
+                      <a:solidFill>
+                        <a:srgbClr val="9e9e9e"/>
+                      </a:solidFill>
+                    </a:lnT>
+                    <a:lnB w="9360">
+                      <a:solidFill>
+                        <a:srgbClr val="9e9e9e"/>
+                      </a:solidFill>
+                    </a:lnB>
+                    <a:noFill/>
+                  </a:tcPr>
+                </a:tc>
+                <a:tc>
+                  <a:tcPr marL="91080" marR="91080">
+                    <a:lnL w="9360">
+                      <a:solidFill>
+                        <a:srgbClr val="9e9e9e"/>
+                      </a:solidFill>
+                    </a:lnL>
+                    <a:lnR w="9360">
+                      <a:solidFill>
+                        <a:srgbClr val="9e9e9e"/>
+                      </a:solidFill>
+                    </a:lnR>
+                    <a:lnT w="9360">
+                      <a:solidFill>
+                        <a:srgbClr val="9e9e9e"/>
+                      </a:solidFill>
+                    </a:lnT>
+                    <a:lnB w="9360">
+                      <a:solidFill>
+                        <a:srgbClr val="9e9e9e"/>
+                      </a:solidFill>
+                    </a:lnB>
+                    <a:noFill/>
+                  </a:tcPr>
+                </a:tc>
+                <a:tc>
+                  <a:tcPr marL="91080" marR="91080">
+                    <a:lnL w="9360">
+                      <a:solidFill>
+                        <a:srgbClr val="9e9e9e"/>
+                      </a:solidFill>
+                    </a:lnL>
+                    <a:lnR w="9360">
+                      <a:solidFill>
+                        <a:srgbClr val="9e9e9e"/>
+                      </a:solidFill>
+                    </a:lnR>
+                    <a:lnT w="9360">
+                      <a:solidFill>
+                        <a:srgbClr val="9e9e9e"/>
+                      </a:solidFill>
+                    </a:lnT>
+                    <a:lnB w="9360">
+                      <a:solidFill>
+                        <a:srgbClr val="9e9e9e"/>
+                      </a:solidFill>
+                    </a:lnB>
+                    <a:noFill/>
+                  </a:tcPr>
+                </a:tc>
+                <a:tc>
+                  <a:tcPr marL="91080" marR="91080">
+                    <a:lnL w="9360">
+                      <a:solidFill>
+                        <a:srgbClr val="9e9e9e"/>
+                      </a:solidFill>
+                    </a:lnL>
+                    <a:lnR w="9360">
+                      <a:solidFill>
+                        <a:srgbClr val="9e9e9e"/>
+                      </a:solidFill>
+                    </a:lnR>
+                    <a:lnT w="9360">
+                      <a:solidFill>
+                        <a:srgbClr val="9e9e9e"/>
+                      </a:solidFill>
+                    </a:lnT>
+                    <a:lnB w="9360">
+                      <a:solidFill>
+                        <a:srgbClr val="9e9e9e"/>
+                      </a:solidFill>
+                    </a:lnB>
+                    <a:noFill/>
+                  </a:tcPr>
+                </a:tc>
+                <a:tc>
+                  <a:tcPr marL="91080" marR="91080">
+                    <a:lnL w="9360">
+                      <a:solidFill>
+                        <a:srgbClr val="9e9e9e"/>
+                      </a:solidFill>
+                    </a:lnL>
+                    <a:lnR w="9360">
+                      <a:solidFill>
+                        <a:srgbClr val="9e9e9e"/>
+                      </a:solidFill>
+                    </a:lnR>
+                    <a:lnT w="9360">
+                      <a:solidFill>
+                        <a:srgbClr val="9e9e9e"/>
+                      </a:solidFill>
+                    </a:lnT>
+                    <a:lnB w="9360">
+                      <a:solidFill>
+                        <a:srgbClr val="9e9e9e"/>
+                      </a:solidFill>
+                    </a:lnB>
+                    <a:noFill/>
+                  </a:tcPr>
+                </a:tc>
+              </a:tr>
+              <a:tr h="519480">
+                <a:tc>
+                  <a:tcPr marL="91080" marR="91080">
+                    <a:lnL w="9360">
+                      <a:solidFill>
+                        <a:srgbClr val="9e9e9e"/>
+                      </a:solidFill>
+                    </a:lnL>
+                    <a:lnR w="9360">
+                      <a:solidFill>
+                        <a:srgbClr val="9e9e9e"/>
+                      </a:solidFill>
+                    </a:lnR>
+                    <a:lnT w="9360">
+                      <a:solidFill>
+                        <a:srgbClr val="9e9e9e"/>
+                      </a:solidFill>
+                    </a:lnT>
+                    <a:lnB w="9360">
+                      <a:solidFill>
+                        <a:srgbClr val="9e9e9e"/>
+                      </a:solidFill>
+                    </a:lnB>
+                    <a:noFill/>
+                  </a:tcPr>
+                </a:tc>
+                <a:tc>
+                  <a:tcPr marL="91080" marR="91080">
+                    <a:lnL w="9360">
+                      <a:solidFill>
+                        <a:srgbClr val="9e9e9e"/>
+                      </a:solidFill>
+                    </a:lnL>
+                    <a:lnR w="9360">
+                      <a:solidFill>
+                        <a:srgbClr val="9e9e9e"/>
+                      </a:solidFill>
+                    </a:lnR>
+                    <a:lnT w="9360">
+                      <a:solidFill>
+                        <a:srgbClr val="9e9e9e"/>
+                      </a:solidFill>
+                    </a:lnT>
+                    <a:lnB w="9360">
+                      <a:solidFill>
+                        <a:srgbClr val="9e9e9e"/>
+                      </a:solidFill>
+                    </a:lnB>
+                    <a:noFill/>
+                  </a:tcPr>
+                </a:tc>
+                <a:tc>
+                  <a:tcPr marL="91080" marR="91080">
+                    <a:lnL w="9360">
+                      <a:solidFill>
+                        <a:srgbClr val="9e9e9e"/>
+                      </a:solidFill>
+                    </a:lnL>
+                    <a:lnR w="9360">
+                      <a:solidFill>
+                        <a:srgbClr val="9e9e9e"/>
+                      </a:solidFill>
+                    </a:lnR>
+                    <a:lnT w="9360">
+                      <a:solidFill>
+                        <a:srgbClr val="9e9e9e"/>
+                      </a:solidFill>
+                    </a:lnT>
+                    <a:lnB w="9360">
+                      <a:solidFill>
+                        <a:srgbClr val="9e9e9e"/>
+                      </a:solidFill>
+                    </a:lnB>
+                    <a:noFill/>
+                  </a:tcPr>
+                </a:tc>
+                <a:tc>
+                  <a:tcPr marL="91080" marR="91080">
+                    <a:lnL w="9360">
+                      <a:solidFill>
+                        <a:srgbClr val="9e9e9e"/>
+                      </a:solidFill>
+                    </a:lnL>
+                    <a:lnR w="9360">
+                      <a:solidFill>
+                        <a:srgbClr val="9e9e9e"/>
+                      </a:solidFill>
+                    </a:lnR>
+                    <a:lnT w="9360">
+                      <a:solidFill>
+                        <a:srgbClr val="9e9e9e"/>
+                      </a:solidFill>
+                    </a:lnT>
+                    <a:lnB w="9360">
+                      <a:solidFill>
+                        <a:srgbClr val="9e9e9e"/>
+                      </a:solidFill>
+                    </a:lnB>
+                    <a:noFill/>
+                  </a:tcPr>
+                </a:tc>
+                <a:tc>
+                  <a:tcPr marL="91080" marR="91080">
+                    <a:lnL w="9360">
+                      <a:solidFill>
+                        <a:srgbClr val="9e9e9e"/>
+                      </a:solidFill>
+                    </a:lnL>
+                    <a:lnR w="9360">
+                      <a:solidFill>
+                        <a:srgbClr val="9e9e9e"/>
+                      </a:solidFill>
+                    </a:lnR>
+                    <a:lnT w="9360">
+                      <a:solidFill>
+                        <a:srgbClr val="9e9e9e"/>
+                      </a:solidFill>
+                    </a:lnT>
+                    <a:lnB w="9360">
+                      <a:solidFill>
+                        <a:srgbClr val="9e9e9e"/>
+                      </a:solidFill>
+                    </a:lnB>
+                    <a:noFill/>
+                  </a:tcPr>
+                </a:tc>
+              </a:tr>
+              <a:tr h="519480">
+                <a:tc>
+                  <a:tcPr marL="91080" marR="91080">
+                    <a:lnL w="9360">
+                      <a:solidFill>
+                        <a:srgbClr val="9e9e9e"/>
+                      </a:solidFill>
+                    </a:lnL>
+                    <a:lnR w="9360">
+                      <a:solidFill>
+                        <a:srgbClr val="9e9e9e"/>
+                      </a:solidFill>
+                    </a:lnR>
+                    <a:lnT w="9360">
+                      <a:solidFill>
+                        <a:srgbClr val="9e9e9e"/>
+                      </a:solidFill>
+                    </a:lnT>
+                    <a:lnB w="9360">
+                      <a:solidFill>
+                        <a:srgbClr val="9e9e9e"/>
+                      </a:solidFill>
+                    </a:lnB>
+                    <a:noFill/>
+                  </a:tcPr>
+                </a:tc>
+                <a:tc>
+                  <a:tcPr marL="91080" marR="91080">
+                    <a:lnL w="9360">
+                      <a:solidFill>
+                        <a:srgbClr val="9e9e9e"/>
+                      </a:solidFill>
+                    </a:lnL>
+                    <a:lnR w="9360">
+                      <a:solidFill>
+                        <a:srgbClr val="9e9e9e"/>
+                      </a:solidFill>
+                    </a:lnR>
+                    <a:lnT w="9360">
+                      <a:solidFill>
+                        <a:srgbClr val="9e9e9e"/>
+                      </a:solidFill>
+                    </a:lnT>
+                    <a:lnB w="9360">
+                      <a:solidFill>
+                        <a:srgbClr val="9e9e9e"/>
+                      </a:solidFill>
+                    </a:lnB>
+                    <a:noFill/>
+                  </a:tcPr>
+                </a:tc>
+                <a:tc>
+                  <a:tcPr marL="91080" marR="91080">
+                    <a:lnL w="9360">
+                      <a:solidFill>
+                        <a:srgbClr val="9e9e9e"/>
+                      </a:solidFill>
+                    </a:lnL>
+                    <a:lnR w="9360">
+                      <a:solidFill>
+                        <a:srgbClr val="9e9e9e"/>
+                      </a:solidFill>
+                    </a:lnR>
+                    <a:lnT w="9360">
+                      <a:solidFill>
+                        <a:srgbClr val="9e9e9e"/>
+                      </a:solidFill>
+                    </a:lnT>
+                    <a:lnB w="9360">
+                      <a:solidFill>
+                        <a:srgbClr val="9e9e9e"/>
+                      </a:solidFill>
+                    </a:lnB>
+                    <a:noFill/>
+                  </a:tcPr>
+                </a:tc>
+                <a:tc>
+                  <a:tcPr marL="91080" marR="91080">
+                    <a:lnL w="9360">
+                      <a:solidFill>
+                        <a:srgbClr val="9e9e9e"/>
+                      </a:solidFill>
+                    </a:lnL>
+                    <a:lnR w="9360">
+                      <a:solidFill>
+                        <a:srgbClr val="9e9e9e"/>
+                      </a:solidFill>
+                    </a:lnR>
+                    <a:lnT w="9360">
+                      <a:solidFill>
+                        <a:srgbClr val="9e9e9e"/>
+                      </a:solidFill>
+                    </a:lnT>
+                    <a:lnB w="9360">
+                      <a:solidFill>
+                        <a:srgbClr val="9e9e9e"/>
+                      </a:solidFill>
+                    </a:lnB>
+                    <a:noFill/>
+                  </a:tcPr>
+                </a:tc>
+                <a:tc>
+                  <a:tcPr marL="91080" marR="91080">
+                    <a:lnL w="9360">
+                      <a:solidFill>
+                        <a:srgbClr val="9e9e9e"/>
+                      </a:solidFill>
+                    </a:lnL>
+                    <a:lnR w="9360">
+                      <a:solidFill>
+                        <a:srgbClr val="9e9e9e"/>
+                      </a:solidFill>
+                    </a:lnR>
+                    <a:lnT w="9360">
+                      <a:solidFill>
+                        <a:srgbClr val="9e9e9e"/>
+                      </a:solidFill>
+                    </a:lnT>
+                    <a:lnB w="9360">
+                      <a:solidFill>
+                        <a:srgbClr val="9e9e9e"/>
+                      </a:solidFill>
+                    </a:lnB>
+                    <a:noFill/>
+                  </a:tcPr>
+                </a:tc>
+              </a:tr>
+            </a:tbl>
+          </a:graphicData>
+        </a:graphic>
+      </p:graphicFrame>
     </p:spTree>
   </p:cSld>
   <p:timing>
@@ -4720,14 +4742,14 @@
       </p:grpSpPr>
       <p:sp>
         <p:nvSpPr>
-          <p:cNvPr id="85" name="CustomShape 1"/>
+          <p:cNvPr id="84" name="CustomShape 1"/>
           <p:cNvSpPr/>
           <p:nvPr/>
         </p:nvSpPr>
         <p:spPr>
           <a:xfrm>
             <a:off x="311760" y="444960"/>
-            <a:ext cx="8511480" cy="563760"/>
+            <a:ext cx="8507160" cy="559440"/>
           </a:xfrm>
           <a:prstGeom prst="rect">
             <a:avLst/>
@@ -4743,17 +4765,42 @@
           <a:effectRef idx="0"/>
           <a:fontRef idx="minor"/>
         </p:style>
-      </p:sp>
-      <p:sp>
-        <p:nvSpPr>
-          <p:cNvPr id="86" name="CustomShape 2"/>
+        <p:txBody>
+          <a:bodyPr lIns="90000" rIns="90000" tIns="91440" bIns="91440">
+            <a:normAutofit/>
+          </a:bodyPr>
+          <a:p>
+            <a:pPr>
+              <a:lnSpc>
+                <a:spcPct val="100000"/>
+              </a:lnSpc>
+            </a:pPr>
+            <a:r>
+              <a:rPr b="0" lang="en-US" sz="2800" spc="-1" strike="noStrike">
+                <a:solidFill>
+                  <a:srgbClr val="000000"/>
+                </a:solidFill>
+                <a:latin typeface="Arial"/>
+                <a:ea typeface="Arial"/>
+              </a:rPr>
+              <a:t>+++INS sample_name +++</a:t>
+            </a:r>
+            <a:endParaRPr b="0" lang="en-US" sz="2800" spc="-1" strike="noStrike">
+              <a:latin typeface="Arial"/>
+            </a:endParaRPr>
+          </a:p>
+        </p:txBody>
+      </p:sp>
+      <p:sp>
+        <p:nvSpPr>
+          <p:cNvPr id="85" name="CustomShape 2"/>
           <p:cNvSpPr/>
           <p:nvPr/>
         </p:nvSpPr>
         <p:spPr>
           <a:xfrm>
             <a:off x="311760" y="1152360"/>
-            <a:ext cx="8511480" cy="3407400"/>
+            <a:ext cx="8507160" cy="3403080"/>
           </a:xfrm>
           <a:prstGeom prst="rect">
             <a:avLst/>
@@ -4778,6 +4825,9 @@
               <a:lnSpc>
                 <a:spcPct val="115000"/>
               </a:lnSpc>
+              <a:spcBef>
+                <a:spcPts val="1199"/>
+              </a:spcBef>
               <a:spcAft>
                 <a:spcPts val="1199"/>
               </a:spcAft>
@@ -4790,7 +4840,29 @@
                 <a:latin typeface="Arial"/>
                 <a:ea typeface="Arial"/>
               </a:rPr>
-              <a:t>+++TABLE_ADD cashFlows +++</a:t>
+              <a:t>+++FOR ((SAMPLE_DATA_1))&lt;&lt; +++INS NAME +++  +++INS AGE +++&gt;&gt; FOR-END+++</a:t>
+            </a:r>
+            <a:br/>
+            <a:r>
+              <a:rPr b="0" lang="en-US" sz="1800" spc="-1" strike="noStrike">
+                <a:solidFill>
+                  <a:srgbClr val="595959"/>
+                </a:solidFill>
+                <a:latin typeface="Arial"/>
+                <a:ea typeface="Arial"/>
+              </a:rPr>
+              <a:t>+++FOR ((SAMPLE_DATA_2))&lt;&lt; +++INS NAME +++   +++INS AGE +++ &gt;&gt; FOR-END+++</a:t>
+            </a:r>
+            <a:br/>
+            <a:r>
+              <a:rPr b="0" lang="en-US" sz="1800" spc="-1" strike="noStrike">
+                <a:solidFill>
+                  <a:srgbClr val="595959"/>
+                </a:solidFill>
+                <a:latin typeface="Arial"/>
+                <a:ea typeface="Arial"/>
+              </a:rPr>
+              <a:t>+++FOR ((SAMPLE_DATA_3))&lt;&lt; +++INS NAME +++    +++INS AGE +++ &gt;&gt; FOR-END+++</a:t>
             </a:r>
             <a:endParaRPr b="0" lang="en-US" sz="1800" spc="-1" strike="noStrike">
               <a:latin typeface="Arial"/>
@@ -4849,14 +4921,14 @@
       </p:grpSpPr>
       <p:sp>
         <p:nvSpPr>
-          <p:cNvPr id="87" name="CustomShape 1"/>
+          <p:cNvPr id="86" name="CustomShape 1"/>
           <p:cNvSpPr/>
           <p:nvPr/>
         </p:nvSpPr>
         <p:spPr>
           <a:xfrm>
-            <a:off x="640080" y="640080"/>
-            <a:ext cx="7948080" cy="339120"/>
+            <a:off x="311760" y="444960"/>
+            <a:ext cx="8507160" cy="559440"/>
           </a:xfrm>
           <a:prstGeom prst="rect">
             <a:avLst/>
@@ -4875,14 +4947,14 @@
       </p:sp>
       <p:sp>
         <p:nvSpPr>
-          <p:cNvPr id="88" name="CustomShape 2"/>
+          <p:cNvPr id="87" name="CustomShape 2"/>
           <p:cNvSpPr/>
           <p:nvPr/>
         </p:nvSpPr>
         <p:spPr>
           <a:xfrm>
             <a:off x="311760" y="1152360"/>
-            <a:ext cx="8511480" cy="3407400"/>
+            <a:ext cx="8507160" cy="3403080"/>
           </a:xfrm>
           <a:prstGeom prst="rect">
             <a:avLst/>
@@ -4919,7 +4991,7 @@
                 <a:latin typeface="Arial"/>
                 <a:ea typeface="Arial"/>
               </a:rPr>
-              <a:t>+++ EXTRA_SLIDE +++</a:t>
+              <a:t>+++TABLE_ADD cashFlows +++</a:t>
             </a:r>
             <a:endParaRPr b="0" lang="en-US" sz="1800" spc="-1" strike="noStrike">
               <a:latin typeface="Arial"/>
@@ -4978,14 +5050,40 @@
       </p:grpSpPr>
       <p:sp>
         <p:nvSpPr>
-          <p:cNvPr id="89" name="CustomShape 1"/>
+          <p:cNvPr id="88" name="CustomShape 1"/>
           <p:cNvSpPr/>
           <p:nvPr/>
         </p:nvSpPr>
         <p:spPr>
           <a:xfrm>
+            <a:off x="640080" y="640080"/>
+            <a:ext cx="7943760" cy="334800"/>
+          </a:xfrm>
+          <a:prstGeom prst="rect">
+            <a:avLst/>
+          </a:prstGeom>
+          <a:noFill/>
+          <a:ln>
+            <a:noFill/>
+          </a:ln>
+        </p:spPr>
+        <p:style>
+          <a:lnRef idx="0"/>
+          <a:fillRef idx="0"/>
+          <a:effectRef idx="0"/>
+          <a:fontRef idx="minor"/>
+        </p:style>
+      </p:sp>
+      <p:sp>
+        <p:nvSpPr>
+          <p:cNvPr id="89" name="CustomShape 2"/>
+          <p:cNvSpPr/>
+          <p:nvPr/>
+        </p:nvSpPr>
+        <p:spPr>
+          <a:xfrm>
             <a:off x="311760" y="1152360"/>
-            <a:ext cx="8511480" cy="3407400"/>
+            <a:ext cx="8507160" cy="3403080"/>
           </a:xfrm>
           <a:prstGeom prst="rect">
             <a:avLst/>
@@ -5088,7 +5186,7 @@
         <p:spPr>
           <a:xfrm>
             <a:off x="311760" y="1152360"/>
-            <a:ext cx="8511480" cy="3407400"/>
+            <a:ext cx="8507160" cy="3403080"/>
           </a:xfrm>
           <a:prstGeom prst="rect">
             <a:avLst/>
@@ -5191,7 +5289,7 @@
         <p:spPr>
           <a:xfrm>
             <a:off x="311760" y="1152360"/>
-            <a:ext cx="8511480" cy="3407400"/>
+            <a:ext cx="8507160" cy="3403080"/>
           </a:xfrm>
           <a:prstGeom prst="rect">
             <a:avLst/>

--- a/input_2.pptx
+++ b/input_2.pptx
@@ -19,6 +19,8 @@
     <p:sldId id="266" r:id="rId14"/>
     <p:sldId id="267" r:id="rId15"/>
     <p:sldId id="268" r:id="rId16"/>
+    <p:sldId id="269" r:id="rId17"/>
+    <p:sldId id="270" r:id="rId18"/>
   </p:sldIdLst>
   <p:sldSz cx="9144000" cy="5143500"/>
   <p:notesSz cx="7559675" cy="10691812"/>
@@ -3231,7 +3233,7 @@
         <p:spPr>
           <a:xfrm>
             <a:off x="311760" y="744480"/>
-            <a:ext cx="8507160" cy="2039400"/>
+            <a:ext cx="8505720" cy="2037960"/>
           </a:xfrm>
           <a:prstGeom prst="rect">
             <a:avLst/>
@@ -3304,7 +3306,7 @@
         <p:spPr>
           <a:xfrm>
             <a:off x="311760" y="2834280"/>
-            <a:ext cx="8507160" cy="779400"/>
+            <a:ext cx="8505720" cy="777960"/>
           </a:xfrm>
           <a:prstGeom prst="rect">
             <a:avLst/>
@@ -3372,14 +3374,14 @@
       </p:grpSpPr>
       <p:sp>
         <p:nvSpPr>
-          <p:cNvPr id="92" name="CustomShape 1"/>
+          <p:cNvPr id="96" name="CustomShape 1"/>
           <p:cNvSpPr/>
           <p:nvPr/>
         </p:nvSpPr>
         <p:spPr>
           <a:xfrm>
             <a:off x="311760" y="1152360"/>
-            <a:ext cx="8507160" cy="3403080"/>
+            <a:ext cx="8505720" cy="3401640"/>
           </a:xfrm>
           <a:prstGeom prst="rect">
             <a:avLst/>
@@ -3475,14 +3477,14 @@
       </p:grpSpPr>
       <p:sp>
         <p:nvSpPr>
-          <p:cNvPr id="93" name="CustomShape 1"/>
+          <p:cNvPr id="97" name="CustomShape 1"/>
           <p:cNvSpPr/>
           <p:nvPr/>
         </p:nvSpPr>
         <p:spPr>
           <a:xfrm>
             <a:off x="311760" y="1152360"/>
-            <a:ext cx="8507160" cy="3403080"/>
+            <a:ext cx="8505720" cy="3401640"/>
           </a:xfrm>
           <a:prstGeom prst="rect">
             <a:avLst/>
@@ -3578,14 +3580,14 @@
       </p:grpSpPr>
       <p:sp>
         <p:nvSpPr>
-          <p:cNvPr id="94" name="CustomShape 1"/>
+          <p:cNvPr id="98" name="CustomShape 1"/>
           <p:cNvSpPr/>
           <p:nvPr/>
         </p:nvSpPr>
         <p:spPr>
           <a:xfrm>
             <a:off x="311760" y="1152360"/>
-            <a:ext cx="8507160" cy="3403080"/>
+            <a:ext cx="8505720" cy="3401640"/>
           </a:xfrm>
           <a:prstGeom prst="rect">
             <a:avLst/>
@@ -3681,14 +3683,14 @@
       </p:grpSpPr>
       <p:sp>
         <p:nvSpPr>
-          <p:cNvPr id="95" name="CustomShape 1"/>
+          <p:cNvPr id="99" name="CustomShape 1"/>
           <p:cNvSpPr/>
           <p:nvPr/>
         </p:nvSpPr>
         <p:spPr>
           <a:xfrm>
             <a:off x="311760" y="1152360"/>
-            <a:ext cx="8507160" cy="3403080"/>
+            <a:ext cx="8505720" cy="3401640"/>
           </a:xfrm>
           <a:prstGeom prst="rect">
             <a:avLst/>
@@ -3742,6 +3744,212 @@
           <p:childTnLst>
             <p:seq>
               <p:cTn id="26" dur="indefinite" nodeType="mainSeq"/>
+              <p:prevCondLst>
+                <p:cond delay="0" evt="onPrev">
+                  <p:tgtEl>
+                    <p:sldTgt/>
+                  </p:tgtEl>
+                </p:cond>
+              </p:prevCondLst>
+              <p:nextCondLst>
+                <p:cond delay="0" evt="onNext">
+                  <p:tgtEl>
+                    <p:sldTgt/>
+                  </p:tgtEl>
+                </p:cond>
+              </p:nextCondLst>
+            </p:seq>
+          </p:childTnLst>
+        </p:cTn>
+      </p:par>
+    </p:tnLst>
+  </p:timing>
+</p:sld>
+</file>
+
+<file path=ppt/slides/slide14.xml><?xml version="1.0" encoding="utf-8"?>
+<p:sld xmlns:a="http://schemas.openxmlformats.org/drawingml/2006/main" xmlns:p="http://schemas.openxmlformats.org/presentationml/2006/main" xmlns:r="http://schemas.openxmlformats.org/officeDocument/2006/relationships" xmlns:p14="http://schemas.microsoft.com/office/powerpoint/2010/main" xmlns:p15="http://schemas.microsoft.com/office/powerpoint/2012/main" xmlns:mc="http://schemas.openxmlformats.org/markup-compatibility/2006">
+  <p:cSld>
+    <p:spTree>
+      <p:nvGrpSpPr>
+        <p:cNvPr id="1" name=""/>
+        <p:cNvGrpSpPr/>
+        <p:nvPr/>
+      </p:nvGrpSpPr>
+      <p:grpSpPr>
+        <a:xfrm>
+          <a:off x="0" y="0"/>
+          <a:ext cx="0" cy="0"/>
+          <a:chOff x="0" y="0"/>
+          <a:chExt cx="0" cy="0"/>
+        </a:xfrm>
+      </p:grpSpPr>
+      <p:sp>
+        <p:nvSpPr>
+          <p:cNvPr id="100" name="CustomShape 1"/>
+          <p:cNvSpPr/>
+          <p:nvPr/>
+        </p:nvSpPr>
+        <p:spPr>
+          <a:xfrm>
+            <a:off x="311760" y="1152360"/>
+            <a:ext cx="8505720" cy="3401640"/>
+          </a:xfrm>
+          <a:prstGeom prst="rect">
+            <a:avLst/>
+          </a:prstGeom>
+          <a:noFill/>
+          <a:ln>
+            <a:noFill/>
+          </a:ln>
+        </p:spPr>
+        <p:style>
+          <a:lnRef idx="0"/>
+          <a:fillRef idx="0"/>
+          <a:effectRef idx="0"/>
+          <a:fontRef idx="minor"/>
+        </p:style>
+        <p:txBody>
+          <a:bodyPr lIns="90000" rIns="90000" tIns="91440" bIns="91440">
+            <a:normAutofit/>
+          </a:bodyPr>
+          <a:p>
+            <a:pPr>
+              <a:lnSpc>
+                <a:spcPct val="115000"/>
+              </a:lnSpc>
+              <a:spcAft>
+                <a:spcPts val="1199"/>
+              </a:spcAft>
+            </a:pPr>
+            <a:r>
+              <a:rPr b="0" lang="en-US" sz="1800" spc="-1" strike="noStrike">
+                <a:solidFill>
+                  <a:srgbClr val="595959"/>
+                </a:solidFill>
+                <a:latin typeface="Arial"/>
+                <a:ea typeface="Arial"/>
+              </a:rPr>
+              <a:t>+++ EXTRA_SLIDE +++</a:t>
+            </a:r>
+            <a:endParaRPr b="0" lang="en-US" sz="1800" spc="-1" strike="noStrike">
+              <a:latin typeface="Arial"/>
+            </a:endParaRPr>
+          </a:p>
+        </p:txBody>
+      </p:sp>
+    </p:spTree>
+  </p:cSld>
+  <p:timing>
+    <p:tnLst>
+      <p:par>
+        <p:cTn id="27" dur="indefinite" restart="never" nodeType="tmRoot">
+          <p:childTnLst>
+            <p:seq>
+              <p:cTn id="28" dur="indefinite" nodeType="mainSeq"/>
+              <p:prevCondLst>
+                <p:cond delay="0" evt="onPrev">
+                  <p:tgtEl>
+                    <p:sldTgt/>
+                  </p:tgtEl>
+                </p:cond>
+              </p:prevCondLst>
+              <p:nextCondLst>
+                <p:cond delay="0" evt="onNext">
+                  <p:tgtEl>
+                    <p:sldTgt/>
+                  </p:tgtEl>
+                </p:cond>
+              </p:nextCondLst>
+            </p:seq>
+          </p:childTnLst>
+        </p:cTn>
+      </p:par>
+    </p:tnLst>
+  </p:timing>
+</p:sld>
+</file>
+
+<file path=ppt/slides/slide15.xml><?xml version="1.0" encoding="utf-8"?>
+<p:sld xmlns:a="http://schemas.openxmlformats.org/drawingml/2006/main" xmlns:p="http://schemas.openxmlformats.org/presentationml/2006/main" xmlns:r="http://schemas.openxmlformats.org/officeDocument/2006/relationships" xmlns:p14="http://schemas.microsoft.com/office/powerpoint/2010/main" xmlns:p15="http://schemas.microsoft.com/office/powerpoint/2012/main" xmlns:mc="http://schemas.openxmlformats.org/markup-compatibility/2006">
+  <p:cSld>
+    <p:spTree>
+      <p:nvGrpSpPr>
+        <p:cNvPr id="1" name=""/>
+        <p:cNvGrpSpPr/>
+        <p:nvPr/>
+      </p:nvGrpSpPr>
+      <p:grpSpPr>
+        <a:xfrm>
+          <a:off x="0" y="0"/>
+          <a:ext cx="0" cy="0"/>
+          <a:chOff x="0" y="0"/>
+          <a:chExt cx="0" cy="0"/>
+        </a:xfrm>
+      </p:grpSpPr>
+      <p:sp>
+        <p:nvSpPr>
+          <p:cNvPr id="101" name="CustomShape 1"/>
+          <p:cNvSpPr/>
+          <p:nvPr/>
+        </p:nvSpPr>
+        <p:spPr>
+          <a:xfrm>
+            <a:off x="311760" y="1152360"/>
+            <a:ext cx="8505720" cy="3401640"/>
+          </a:xfrm>
+          <a:prstGeom prst="rect">
+            <a:avLst/>
+          </a:prstGeom>
+          <a:noFill/>
+          <a:ln>
+            <a:noFill/>
+          </a:ln>
+        </p:spPr>
+        <p:style>
+          <a:lnRef idx="0"/>
+          <a:fillRef idx="0"/>
+          <a:effectRef idx="0"/>
+          <a:fontRef idx="minor"/>
+        </p:style>
+        <p:txBody>
+          <a:bodyPr lIns="90000" rIns="90000" tIns="91440" bIns="91440">
+            <a:normAutofit/>
+          </a:bodyPr>
+          <a:p>
+            <a:pPr>
+              <a:lnSpc>
+                <a:spcPct val="115000"/>
+              </a:lnSpc>
+              <a:spcAft>
+                <a:spcPts val="1199"/>
+              </a:spcAft>
+            </a:pPr>
+            <a:r>
+              <a:rPr b="0" lang="en-US" sz="1800" spc="-1" strike="noStrike">
+                <a:solidFill>
+                  <a:srgbClr val="595959"/>
+                </a:solidFill>
+                <a:latin typeface="Arial"/>
+                <a:ea typeface="Arial"/>
+              </a:rPr>
+              <a:t>+++ EXTRA_SLIDE +++</a:t>
+            </a:r>
+            <a:endParaRPr b="0" lang="en-US" sz="1800" spc="-1" strike="noStrike">
+              <a:latin typeface="Arial"/>
+            </a:endParaRPr>
+          </a:p>
+        </p:txBody>
+      </p:sp>
+    </p:spTree>
+  </p:cSld>
+  <p:timing>
+    <p:tnLst>
+      <p:par>
+        <p:cTn id="29" dur="indefinite" restart="never" nodeType="tmRoot">
+          <p:childTnLst>
+            <p:seq>
+              <p:cTn id="30" dur="indefinite" nodeType="mainSeq"/>
               <p:prevCondLst>
                 <p:cond delay="0" evt="onPrev">
                   <p:tgtEl>
@@ -3791,7 +3999,7 @@
         <p:spPr>
           <a:xfrm>
             <a:off x="311760" y="444960"/>
-            <a:ext cx="8507160" cy="559440"/>
+            <a:ext cx="8505720" cy="558000"/>
           </a:xfrm>
           <a:prstGeom prst="rect">
             <a:avLst/>
@@ -3842,7 +4050,7 @@
         <p:spPr>
           <a:xfrm>
             <a:off x="311760" y="1152360"/>
-            <a:ext cx="8507160" cy="3403080"/>
+            <a:ext cx="8505720" cy="3401640"/>
           </a:xfrm>
           <a:prstGeom prst="rect">
             <a:avLst/>
@@ -3945,7 +4153,7 @@
         <p:spPr>
           <a:xfrm>
             <a:off x="731520" y="2419920"/>
-            <a:ext cx="7586280" cy="599040"/>
+            <a:ext cx="7584840" cy="597600"/>
           </a:xfrm>
           <a:prstGeom prst="rect">
             <a:avLst/>
@@ -4043,7 +4251,7 @@
         <p:spPr>
           <a:xfrm>
             <a:off x="311760" y="444960"/>
-            <a:ext cx="8507160" cy="559440"/>
+            <a:ext cx="8505720" cy="558000"/>
           </a:xfrm>
           <a:prstGeom prst="rect">
             <a:avLst/>
@@ -4094,7 +4302,7 @@
         <p:spPr>
           <a:xfrm>
             <a:off x="311760" y="1152360"/>
-            <a:ext cx="8507160" cy="3403080"/>
+            <a:ext cx="8505720" cy="3401640"/>
           </a:xfrm>
           <a:prstGeom prst="rect">
             <a:avLst/>
@@ -4166,6 +4374,11 @@
                   <a:txBody>
                     <a:bodyPr lIns="91080" rIns="91080"/>
                     <a:p>
+                      <a:pPr>
+                        <a:lnSpc>
+                          <a:spcPct val="100000"/>
+                        </a:lnSpc>
+                      </a:pPr>
                       <a:r>
                         <a:rPr b="0" lang="en-US" sz="1800" spc="-1" strike="noStrike">
                           <a:solidFill>
@@ -4749,7 +4962,7 @@
         <p:spPr>
           <a:xfrm>
             <a:off x="311760" y="444960"/>
-            <a:ext cx="8507160" cy="559440"/>
+            <a:ext cx="8505720" cy="558000"/>
           </a:xfrm>
           <a:prstGeom prst="rect">
             <a:avLst/>
@@ -4783,7 +4996,7 @@
                 <a:latin typeface="Arial"/>
                 <a:ea typeface="Arial"/>
               </a:rPr>
-              <a:t>+++INS sample_name +++</a:t>
+              <a:t>+++INS table_name +++</a:t>
             </a:r>
             <a:endParaRPr b="0" lang="en-US" sz="2800" spc="-1" strike="noStrike">
               <a:latin typeface="Arial"/>
@@ -4800,7 +5013,7 @@
         <p:spPr>
           <a:xfrm>
             <a:off x="311760" y="1152360"/>
-            <a:ext cx="8507160" cy="3403080"/>
+            <a:ext cx="8505720" cy="3401640"/>
           </a:xfrm>
           <a:prstGeom prst="rect">
             <a:avLst/>
@@ -4825,9 +5038,6 @@
               <a:lnSpc>
                 <a:spcPct val="115000"/>
               </a:lnSpc>
-              <a:spcBef>
-                <a:spcPts val="1199"/>
-              </a:spcBef>
               <a:spcAft>
                 <a:spcPts val="1199"/>
               </a:spcAft>
@@ -4840,36 +5050,936 @@
                 <a:latin typeface="Arial"/>
                 <a:ea typeface="Arial"/>
               </a:rPr>
-              <a:t>+++FOR ((SAMPLE_DATA_1))&lt;&lt; +++INS NAME +++  +++INS AGE +++&gt;&gt; FOR-END+++</a:t>
+              <a:t>+++IF ((not TABLE_1_ROW_3_PRESENT))&lt;&lt; +++TABLE_ROW_REMOVE ROW_ID_3 +++ &gt;&gt;IF-END+++</a:t>
             </a:r>
             <a:br/>
-            <a:r>
-              <a:rPr b="0" lang="en-US" sz="1800" spc="-1" strike="noStrike">
-                <a:solidFill>
-                  <a:srgbClr val="595959"/>
-                </a:solidFill>
-                <a:latin typeface="Arial"/>
-                <a:ea typeface="Arial"/>
-              </a:rPr>
-              <a:t>+++FOR ((SAMPLE_DATA_2))&lt;&lt; +++INS NAME +++   +++INS AGE +++ &gt;&gt; FOR-END+++</a:t>
-            </a:r>
-            <a:br/>
-            <a:r>
-              <a:rPr b="0" lang="en-US" sz="1800" spc="-1" strike="noStrike">
-                <a:solidFill>
-                  <a:srgbClr val="595959"/>
-                </a:solidFill>
-                <a:latin typeface="Arial"/>
-                <a:ea typeface="Arial"/>
-              </a:rPr>
-              <a:t>+++FOR ((SAMPLE_DATA_3))&lt;&lt; +++INS NAME +++    +++INS AGE +++ &gt;&gt; FOR-END+++</a:t>
-            </a:r>
             <a:endParaRPr b="0" lang="en-US" sz="1800" spc="-1" strike="noStrike">
               <a:latin typeface="Arial"/>
             </a:endParaRPr>
           </a:p>
         </p:txBody>
       </p:sp>
+      <p:graphicFrame>
+        <p:nvGraphicFramePr>
+          <p:cNvPr id="86" name="Table 3"/>
+          <p:cNvGraphicFramePr/>
+          <p:nvPr/>
+        </p:nvGraphicFramePr>
+        <p:xfrm>
+          <a:off x="952560" y="1809720"/>
+          <a:ext cx="7238160" cy="2077560"/>
+        </p:xfrm>
+        <a:graphic>
+          <a:graphicData uri="http://schemas.openxmlformats.org/drawingml/2006/table">
+            <a:tbl>
+              <a:tblPr/>
+              <a:tblGrid>
+                <a:gridCol w="1447560"/>
+                <a:gridCol w="1447560"/>
+                <a:gridCol w="1447560"/>
+                <a:gridCol w="1447560"/>
+                <a:gridCol w="1448280"/>
+              </a:tblGrid>
+              <a:tr h="519480">
+                <a:tc>
+                  <a:txBody>
+                    <a:bodyPr lIns="91080" rIns="91080"/>
+                    <a:p>
+                      <a:pPr>
+                        <a:lnSpc>
+                          <a:spcPct val="100000"/>
+                        </a:lnSpc>
+                      </a:pPr>
+                      <a:r>
+                        <a:rPr b="0" lang="en-US" sz="1800" spc="-1" strike="noStrike">
+                          <a:solidFill>
+                            <a:srgbClr val="595959"/>
+                          </a:solidFill>
+                          <a:latin typeface="Arial"/>
+                          <a:ea typeface="Arial"/>
+                        </a:rPr>
+                        <a:t>11</a:t>
+                      </a:r>
+                      <a:endParaRPr b="0" lang="en-US" sz="1800" spc="-1" strike="noStrike">
+                        <a:latin typeface="Arial"/>
+                      </a:endParaRPr>
+                    </a:p>
+                  </a:txBody>
+                  <a:tcPr marL="91080" marR="91080">
+                    <a:lnL w="9360">
+                      <a:solidFill>
+                        <a:srgbClr val="9e9e9e"/>
+                      </a:solidFill>
+                    </a:lnL>
+                    <a:lnR w="9360">
+                      <a:solidFill>
+                        <a:srgbClr val="9e9e9e"/>
+                      </a:solidFill>
+                    </a:lnR>
+                    <a:lnT w="9360">
+                      <a:solidFill>
+                        <a:srgbClr val="9e9e9e"/>
+                      </a:solidFill>
+                    </a:lnT>
+                    <a:lnB w="9360">
+                      <a:solidFill>
+                        <a:srgbClr val="9e9e9e"/>
+                      </a:solidFill>
+                    </a:lnB>
+                    <a:noFill/>
+                  </a:tcPr>
+                </a:tc>
+                <a:tc>
+                  <a:txBody>
+                    <a:bodyPr lIns="91080" rIns="91080"/>
+                    <a:p>
+                      <a:pPr>
+                        <a:lnSpc>
+                          <a:spcPct val="100000"/>
+                        </a:lnSpc>
+                      </a:pPr>
+                      <a:r>
+                        <a:rPr b="0" lang="en-US" sz="2400" spc="-1" strike="noStrike">
+                          <a:latin typeface="Times New Roman"/>
+                        </a:rPr>
+                        <a:t>2</a:t>
+                      </a:r>
+                      <a:endParaRPr b="0" lang="en-US" sz="2400" spc="-1" strike="noStrike">
+                        <a:latin typeface="Arial"/>
+                      </a:endParaRPr>
+                    </a:p>
+                  </a:txBody>
+                  <a:tcPr marL="91080" marR="91080">
+                    <a:lnL w="9360">
+                      <a:solidFill>
+                        <a:srgbClr val="9e9e9e"/>
+                      </a:solidFill>
+                    </a:lnL>
+                    <a:lnR w="9360">
+                      <a:solidFill>
+                        <a:srgbClr val="9e9e9e"/>
+                      </a:solidFill>
+                    </a:lnR>
+                    <a:lnT w="9360">
+                      <a:solidFill>
+                        <a:srgbClr val="9e9e9e"/>
+                      </a:solidFill>
+                    </a:lnT>
+                    <a:lnB w="9360">
+                      <a:solidFill>
+                        <a:srgbClr val="9e9e9e"/>
+                      </a:solidFill>
+                    </a:lnB>
+                    <a:noFill/>
+                  </a:tcPr>
+                </a:tc>
+                <a:tc>
+                  <a:txBody>
+                    <a:bodyPr lIns="91080" rIns="91080"/>
+                    <a:p>
+                      <a:pPr>
+                        <a:lnSpc>
+                          <a:spcPct val="100000"/>
+                        </a:lnSpc>
+                      </a:pPr>
+                      <a:r>
+                        <a:rPr b="0" lang="en-US" sz="2400" spc="-1" strike="noStrike">
+                          <a:latin typeface="Times New Roman"/>
+                        </a:rPr>
+                        <a:t>3</a:t>
+                      </a:r>
+                      <a:endParaRPr b="0" lang="en-US" sz="2400" spc="-1" strike="noStrike">
+                        <a:latin typeface="Arial"/>
+                      </a:endParaRPr>
+                    </a:p>
+                  </a:txBody>
+                  <a:tcPr marL="91080" marR="91080">
+                    <a:lnL w="9360">
+                      <a:solidFill>
+                        <a:srgbClr val="9e9e9e"/>
+                      </a:solidFill>
+                    </a:lnL>
+                    <a:lnR w="9360">
+                      <a:solidFill>
+                        <a:srgbClr val="9e9e9e"/>
+                      </a:solidFill>
+                    </a:lnR>
+                    <a:lnT w="9360">
+                      <a:solidFill>
+                        <a:srgbClr val="9e9e9e"/>
+                      </a:solidFill>
+                    </a:lnT>
+                    <a:lnB w="9360">
+                      <a:solidFill>
+                        <a:srgbClr val="9e9e9e"/>
+                      </a:solidFill>
+                    </a:lnB>
+                    <a:noFill/>
+                  </a:tcPr>
+                </a:tc>
+                <a:tc>
+                  <a:txBody>
+                    <a:bodyPr lIns="91080" rIns="91080"/>
+                    <a:p>
+                      <a:pPr>
+                        <a:lnSpc>
+                          <a:spcPct val="100000"/>
+                        </a:lnSpc>
+                      </a:pPr>
+                      <a:r>
+                        <a:rPr b="0" lang="en-US" sz="2400" spc="-1" strike="noStrike">
+                          <a:latin typeface="Times New Roman"/>
+                        </a:rPr>
+                        <a:t>4</a:t>
+                      </a:r>
+                      <a:endParaRPr b="0" lang="en-US" sz="2400" spc="-1" strike="noStrike">
+                        <a:latin typeface="Arial"/>
+                      </a:endParaRPr>
+                    </a:p>
+                  </a:txBody>
+                  <a:tcPr marL="91080" marR="91080">
+                    <a:lnL w="9360">
+                      <a:solidFill>
+                        <a:srgbClr val="9e9e9e"/>
+                      </a:solidFill>
+                    </a:lnL>
+                    <a:lnR w="9360">
+                      <a:solidFill>
+                        <a:srgbClr val="9e9e9e"/>
+                      </a:solidFill>
+                    </a:lnR>
+                    <a:lnT w="9360">
+                      <a:solidFill>
+                        <a:srgbClr val="9e9e9e"/>
+                      </a:solidFill>
+                    </a:lnT>
+                    <a:lnB w="9360">
+                      <a:solidFill>
+                        <a:srgbClr val="9e9e9e"/>
+                      </a:solidFill>
+                    </a:lnB>
+                    <a:noFill/>
+                  </a:tcPr>
+                </a:tc>
+                <a:tc>
+                  <a:txBody>
+                    <a:bodyPr lIns="91080" rIns="91080"/>
+                    <a:p>
+                      <a:pPr>
+                        <a:lnSpc>
+                          <a:spcPct val="100000"/>
+                        </a:lnSpc>
+                      </a:pPr>
+                      <a:r>
+                        <a:rPr b="0" lang="en-US" sz="2400" spc="-1" strike="noStrike">
+                          <a:latin typeface="Times New Roman"/>
+                        </a:rPr>
+                        <a:t>5</a:t>
+                      </a:r>
+                      <a:endParaRPr b="0" lang="en-US" sz="2400" spc="-1" strike="noStrike">
+                        <a:latin typeface="Arial"/>
+                      </a:endParaRPr>
+                    </a:p>
+                  </a:txBody>
+                  <a:tcPr marL="91080" marR="91080">
+                    <a:lnL w="9360">
+                      <a:solidFill>
+                        <a:srgbClr val="9e9e9e"/>
+                      </a:solidFill>
+                    </a:lnL>
+                    <a:lnR w="9360">
+                      <a:solidFill>
+                        <a:srgbClr val="9e9e9e"/>
+                      </a:solidFill>
+                    </a:lnR>
+                    <a:lnT w="9360">
+                      <a:solidFill>
+                        <a:srgbClr val="9e9e9e"/>
+                      </a:solidFill>
+                    </a:lnT>
+                    <a:lnB w="9360">
+                      <a:solidFill>
+                        <a:srgbClr val="9e9e9e"/>
+                      </a:solidFill>
+                    </a:lnB>
+                    <a:noFill/>
+                  </a:tcPr>
+                </a:tc>
+              </a:tr>
+              <a:tr h="519480">
+                <a:tc>
+                  <a:txBody>
+                    <a:bodyPr lIns="91080" rIns="91080"/>
+                    <a:p>
+                      <a:pPr>
+                        <a:lnSpc>
+                          <a:spcPct val="100000"/>
+                        </a:lnSpc>
+                      </a:pPr>
+                      <a:r>
+                        <a:rPr b="0" lang="en-US" sz="2400" spc="-1" strike="noStrike">
+                          <a:latin typeface="Times New Roman"/>
+                        </a:rPr>
+                        <a:t>11</a:t>
+                      </a:r>
+                      <a:endParaRPr b="0" lang="en-US" sz="2400" spc="-1" strike="noStrike">
+                        <a:latin typeface="Arial"/>
+                      </a:endParaRPr>
+                    </a:p>
+                  </a:txBody>
+                  <a:tcPr marL="91080" marR="91080">
+                    <a:lnL w="9360">
+                      <a:solidFill>
+                        <a:srgbClr val="9e9e9e"/>
+                      </a:solidFill>
+                    </a:lnL>
+                    <a:lnR w="9360">
+                      <a:solidFill>
+                        <a:srgbClr val="9e9e9e"/>
+                      </a:solidFill>
+                    </a:lnR>
+                    <a:lnT w="9360">
+                      <a:solidFill>
+                        <a:srgbClr val="9e9e9e"/>
+                      </a:solidFill>
+                    </a:lnT>
+                    <a:lnB w="9360">
+                      <a:solidFill>
+                        <a:srgbClr val="9e9e9e"/>
+                      </a:solidFill>
+                    </a:lnB>
+                    <a:noFill/>
+                  </a:tcPr>
+                </a:tc>
+                <a:tc>
+                  <a:txBody>
+                    <a:bodyPr lIns="91080" rIns="91080"/>
+                    <a:p>
+                      <a:pPr>
+                        <a:lnSpc>
+                          <a:spcPct val="100000"/>
+                        </a:lnSpc>
+                      </a:pPr>
+                      <a:r>
+                        <a:rPr b="0" lang="en-US" sz="2400" spc="-1" strike="noStrike">
+                          <a:latin typeface="Times New Roman"/>
+                        </a:rPr>
+                        <a:t>12</a:t>
+                      </a:r>
+                      <a:endParaRPr b="0" lang="en-US" sz="2400" spc="-1" strike="noStrike">
+                        <a:latin typeface="Arial"/>
+                      </a:endParaRPr>
+                    </a:p>
+                  </a:txBody>
+                  <a:tcPr marL="91080" marR="91080">
+                    <a:lnL w="9360">
+                      <a:solidFill>
+                        <a:srgbClr val="9e9e9e"/>
+                      </a:solidFill>
+                    </a:lnL>
+                    <a:lnR w="9360">
+                      <a:solidFill>
+                        <a:srgbClr val="9e9e9e"/>
+                      </a:solidFill>
+                    </a:lnR>
+                    <a:lnT w="9360">
+                      <a:solidFill>
+                        <a:srgbClr val="9e9e9e"/>
+                      </a:solidFill>
+                    </a:lnT>
+                    <a:lnB w="9360">
+                      <a:solidFill>
+                        <a:srgbClr val="9e9e9e"/>
+                      </a:solidFill>
+                    </a:lnB>
+                    <a:noFill/>
+                  </a:tcPr>
+                </a:tc>
+                <a:tc>
+                  <a:txBody>
+                    <a:bodyPr lIns="91080" rIns="91080"/>
+                    <a:p>
+                      <a:pPr>
+                        <a:lnSpc>
+                          <a:spcPct val="100000"/>
+                        </a:lnSpc>
+                      </a:pPr>
+                      <a:r>
+                        <a:rPr b="0" lang="en-US" sz="2400" spc="-1" strike="noStrike">
+                          <a:latin typeface="Times New Roman"/>
+                        </a:rPr>
+                        <a:t>13</a:t>
+                      </a:r>
+                      <a:endParaRPr b="0" lang="en-US" sz="2400" spc="-1" strike="noStrike">
+                        <a:latin typeface="Arial"/>
+                      </a:endParaRPr>
+                    </a:p>
+                  </a:txBody>
+                  <a:tcPr marL="91080" marR="91080">
+                    <a:lnL w="9360">
+                      <a:solidFill>
+                        <a:srgbClr val="9e9e9e"/>
+                      </a:solidFill>
+                    </a:lnL>
+                    <a:lnR w="9360">
+                      <a:solidFill>
+                        <a:srgbClr val="9e9e9e"/>
+                      </a:solidFill>
+                    </a:lnR>
+                    <a:lnT w="9360">
+                      <a:solidFill>
+                        <a:srgbClr val="9e9e9e"/>
+                      </a:solidFill>
+                    </a:lnT>
+                    <a:lnB w="9360">
+                      <a:solidFill>
+                        <a:srgbClr val="9e9e9e"/>
+                      </a:solidFill>
+                    </a:lnB>
+                    <a:noFill/>
+                  </a:tcPr>
+                </a:tc>
+                <a:tc>
+                  <a:txBody>
+                    <a:bodyPr lIns="91080" rIns="91080"/>
+                    <a:p>
+                      <a:pPr>
+                        <a:lnSpc>
+                          <a:spcPct val="100000"/>
+                        </a:lnSpc>
+                      </a:pPr>
+                      <a:r>
+                        <a:rPr b="0" lang="en-US" sz="2400" spc="-1" strike="noStrike">
+                          <a:latin typeface="Times New Roman"/>
+                        </a:rPr>
+                        <a:t>14</a:t>
+                      </a:r>
+                      <a:endParaRPr b="0" lang="en-US" sz="2400" spc="-1" strike="noStrike">
+                        <a:latin typeface="Arial"/>
+                      </a:endParaRPr>
+                    </a:p>
+                  </a:txBody>
+                  <a:tcPr marL="91080" marR="91080">
+                    <a:lnL w="9360">
+                      <a:solidFill>
+                        <a:srgbClr val="9e9e9e"/>
+                      </a:solidFill>
+                    </a:lnL>
+                    <a:lnR w="9360">
+                      <a:solidFill>
+                        <a:srgbClr val="9e9e9e"/>
+                      </a:solidFill>
+                    </a:lnR>
+                    <a:lnT w="9360">
+                      <a:solidFill>
+                        <a:srgbClr val="9e9e9e"/>
+                      </a:solidFill>
+                    </a:lnT>
+                    <a:lnB w="9360">
+                      <a:solidFill>
+                        <a:srgbClr val="9e9e9e"/>
+                      </a:solidFill>
+                    </a:lnB>
+                    <a:noFill/>
+                  </a:tcPr>
+                </a:tc>
+                <a:tc>
+                  <a:txBody>
+                    <a:bodyPr lIns="91080" rIns="91080"/>
+                    <a:p>
+                      <a:pPr>
+                        <a:lnSpc>
+                          <a:spcPct val="100000"/>
+                        </a:lnSpc>
+                      </a:pPr>
+                      <a:r>
+                        <a:rPr b="0" lang="en-US" sz="2400" spc="-1" strike="noStrike">
+                          <a:latin typeface="Times New Roman"/>
+                        </a:rPr>
+                        <a:t>15</a:t>
+                      </a:r>
+                      <a:endParaRPr b="0" lang="en-US" sz="2400" spc="-1" strike="noStrike">
+                        <a:latin typeface="Arial"/>
+                      </a:endParaRPr>
+                    </a:p>
+                  </a:txBody>
+                  <a:tcPr marL="91080" marR="91080">
+                    <a:lnL w="9360">
+                      <a:solidFill>
+                        <a:srgbClr val="9e9e9e"/>
+                      </a:solidFill>
+                    </a:lnL>
+                    <a:lnR w="9360">
+                      <a:solidFill>
+                        <a:srgbClr val="9e9e9e"/>
+                      </a:solidFill>
+                    </a:lnR>
+                    <a:lnT w="9360">
+                      <a:solidFill>
+                        <a:srgbClr val="9e9e9e"/>
+                      </a:solidFill>
+                    </a:lnT>
+                    <a:lnB w="9360">
+                      <a:solidFill>
+                        <a:srgbClr val="9e9e9e"/>
+                      </a:solidFill>
+                    </a:lnB>
+                    <a:noFill/>
+                  </a:tcPr>
+                </a:tc>
+              </a:tr>
+              <a:tr h="519480">
+                <a:tc>
+                  <a:txBody>
+                    <a:bodyPr lIns="91080" rIns="91080"/>
+                    <a:p>
+                      <a:pPr>
+                        <a:lnSpc>
+                          <a:spcPct val="100000"/>
+                        </a:lnSpc>
+                      </a:pPr>
+                      <a:r>
+                        <a:rPr b="0" lang="en-US" sz="1800" spc="-1" strike="noStrike">
+                          <a:solidFill>
+                            <a:srgbClr val="595959"/>
+                          </a:solidFill>
+                          <a:latin typeface="Arial"/>
+                          <a:ea typeface="Arial"/>
+                        </a:rPr>
+                        <a:t>ROW_ID_3 21 </a:t>
+                      </a:r>
+                      <a:endParaRPr b="0" lang="en-US" sz="1800" spc="-1" strike="noStrike">
+                        <a:latin typeface="Arial"/>
+                      </a:endParaRPr>
+                    </a:p>
+                  </a:txBody>
+                  <a:tcPr marL="91080" marR="91080">
+                    <a:lnL w="9360">
+                      <a:solidFill>
+                        <a:srgbClr val="9e9e9e"/>
+                      </a:solidFill>
+                    </a:lnL>
+                    <a:lnR w="9360">
+                      <a:solidFill>
+                        <a:srgbClr val="9e9e9e"/>
+                      </a:solidFill>
+                    </a:lnR>
+                    <a:lnT w="9360">
+                      <a:solidFill>
+                        <a:srgbClr val="9e9e9e"/>
+                      </a:solidFill>
+                    </a:lnT>
+                    <a:lnB w="9360">
+                      <a:solidFill>
+                        <a:srgbClr val="9e9e9e"/>
+                      </a:solidFill>
+                    </a:lnB>
+                    <a:noFill/>
+                  </a:tcPr>
+                </a:tc>
+                <a:tc>
+                  <a:txBody>
+                    <a:bodyPr lIns="91080" rIns="91080"/>
+                    <a:p>
+                      <a:pPr>
+                        <a:lnSpc>
+                          <a:spcPct val="100000"/>
+                        </a:lnSpc>
+                      </a:pPr>
+                      <a:r>
+                        <a:rPr b="0" lang="en-US" sz="2400" spc="-1" strike="noStrike">
+                          <a:latin typeface="Times New Roman"/>
+                        </a:rPr>
+                        <a:t>22</a:t>
+                      </a:r>
+                      <a:endParaRPr b="0" lang="en-US" sz="2400" spc="-1" strike="noStrike">
+                        <a:latin typeface="Arial"/>
+                      </a:endParaRPr>
+                    </a:p>
+                  </a:txBody>
+                  <a:tcPr marL="91080" marR="91080">
+                    <a:lnL w="9360">
+                      <a:solidFill>
+                        <a:srgbClr val="9e9e9e"/>
+                      </a:solidFill>
+                    </a:lnL>
+                    <a:lnR w="9360">
+                      <a:solidFill>
+                        <a:srgbClr val="9e9e9e"/>
+                      </a:solidFill>
+                    </a:lnR>
+                    <a:lnT w="9360">
+                      <a:solidFill>
+                        <a:srgbClr val="9e9e9e"/>
+                      </a:solidFill>
+                    </a:lnT>
+                    <a:lnB w="9360">
+                      <a:solidFill>
+                        <a:srgbClr val="9e9e9e"/>
+                      </a:solidFill>
+                    </a:lnB>
+                    <a:noFill/>
+                  </a:tcPr>
+                </a:tc>
+                <a:tc>
+                  <a:txBody>
+                    <a:bodyPr lIns="91080" rIns="91080"/>
+                    <a:p>
+                      <a:pPr>
+                        <a:lnSpc>
+                          <a:spcPct val="100000"/>
+                        </a:lnSpc>
+                      </a:pPr>
+                      <a:r>
+                        <a:rPr b="0" lang="en-US" sz="2400" spc="-1" strike="noStrike">
+                          <a:latin typeface="Times New Roman"/>
+                        </a:rPr>
+                        <a:t>23</a:t>
+                      </a:r>
+                      <a:endParaRPr b="0" lang="en-US" sz="2400" spc="-1" strike="noStrike">
+                        <a:latin typeface="Arial"/>
+                      </a:endParaRPr>
+                    </a:p>
+                  </a:txBody>
+                  <a:tcPr marL="91080" marR="91080">
+                    <a:lnL w="9360">
+                      <a:solidFill>
+                        <a:srgbClr val="9e9e9e"/>
+                      </a:solidFill>
+                    </a:lnL>
+                    <a:lnR w="9360">
+                      <a:solidFill>
+                        <a:srgbClr val="9e9e9e"/>
+                      </a:solidFill>
+                    </a:lnR>
+                    <a:lnT w="9360">
+                      <a:solidFill>
+                        <a:srgbClr val="9e9e9e"/>
+                      </a:solidFill>
+                    </a:lnT>
+                    <a:lnB w="9360">
+                      <a:solidFill>
+                        <a:srgbClr val="9e9e9e"/>
+                      </a:solidFill>
+                    </a:lnB>
+                    <a:noFill/>
+                  </a:tcPr>
+                </a:tc>
+                <a:tc>
+                  <a:txBody>
+                    <a:bodyPr lIns="91080" rIns="91080"/>
+                    <a:p>
+                      <a:pPr>
+                        <a:lnSpc>
+                          <a:spcPct val="100000"/>
+                        </a:lnSpc>
+                      </a:pPr>
+                      <a:r>
+                        <a:rPr b="0" lang="en-US" sz="2400" spc="-1" strike="noStrike">
+                          <a:latin typeface="Times New Roman"/>
+                        </a:rPr>
+                        <a:t>24</a:t>
+                      </a:r>
+                      <a:endParaRPr b="0" lang="en-US" sz="2400" spc="-1" strike="noStrike">
+                        <a:latin typeface="Arial"/>
+                      </a:endParaRPr>
+                    </a:p>
+                  </a:txBody>
+                  <a:tcPr marL="91080" marR="91080">
+                    <a:lnL w="9360">
+                      <a:solidFill>
+                        <a:srgbClr val="9e9e9e"/>
+                      </a:solidFill>
+                    </a:lnL>
+                    <a:lnR w="9360">
+                      <a:solidFill>
+                        <a:srgbClr val="9e9e9e"/>
+                      </a:solidFill>
+                    </a:lnR>
+                    <a:lnT w="9360">
+                      <a:solidFill>
+                        <a:srgbClr val="9e9e9e"/>
+                      </a:solidFill>
+                    </a:lnT>
+                    <a:lnB w="9360">
+                      <a:solidFill>
+                        <a:srgbClr val="9e9e9e"/>
+                      </a:solidFill>
+                    </a:lnB>
+                    <a:noFill/>
+                  </a:tcPr>
+                </a:tc>
+                <a:tc>
+                  <a:txBody>
+                    <a:bodyPr lIns="91080" rIns="91080"/>
+                    <a:p>
+                      <a:pPr>
+                        <a:lnSpc>
+                          <a:spcPct val="100000"/>
+                        </a:lnSpc>
+                      </a:pPr>
+                      <a:r>
+                        <a:rPr b="0" lang="en-US" sz="2400" spc="-1" strike="noStrike">
+                          <a:latin typeface="Times New Roman"/>
+                        </a:rPr>
+                        <a:t>25</a:t>
+                      </a:r>
+                      <a:endParaRPr b="0" lang="en-US" sz="2400" spc="-1" strike="noStrike">
+                        <a:latin typeface="Arial"/>
+                      </a:endParaRPr>
+                    </a:p>
+                  </a:txBody>
+                  <a:tcPr marL="91080" marR="91080">
+                    <a:lnL w="9360">
+                      <a:solidFill>
+                        <a:srgbClr val="9e9e9e"/>
+                      </a:solidFill>
+                    </a:lnL>
+                    <a:lnR w="9360">
+                      <a:solidFill>
+                        <a:srgbClr val="9e9e9e"/>
+                      </a:solidFill>
+                    </a:lnR>
+                    <a:lnT w="9360">
+                      <a:solidFill>
+                        <a:srgbClr val="9e9e9e"/>
+                      </a:solidFill>
+                    </a:lnT>
+                    <a:lnB w="9360">
+                      <a:solidFill>
+                        <a:srgbClr val="9e9e9e"/>
+                      </a:solidFill>
+                    </a:lnB>
+                    <a:noFill/>
+                  </a:tcPr>
+                </a:tc>
+              </a:tr>
+              <a:tr h="519480">
+                <a:tc>
+                  <a:txBody>
+                    <a:bodyPr lIns="91080" rIns="91080"/>
+                    <a:p>
+                      <a:pPr>
+                        <a:lnSpc>
+                          <a:spcPct val="100000"/>
+                        </a:lnSpc>
+                      </a:pPr>
+                      <a:r>
+                        <a:rPr b="0" lang="en-US" sz="2400" spc="-1" strike="noStrike">
+                          <a:latin typeface="Times New Roman"/>
+                        </a:rPr>
+                        <a:t>31</a:t>
+                      </a:r>
+                      <a:endParaRPr b="0" lang="en-US" sz="2400" spc="-1" strike="noStrike">
+                        <a:latin typeface="Arial"/>
+                      </a:endParaRPr>
+                    </a:p>
+                  </a:txBody>
+                  <a:tcPr marL="91080" marR="91080">
+                    <a:lnL w="9360">
+                      <a:solidFill>
+                        <a:srgbClr val="9e9e9e"/>
+                      </a:solidFill>
+                    </a:lnL>
+                    <a:lnR w="9360">
+                      <a:solidFill>
+                        <a:srgbClr val="9e9e9e"/>
+                      </a:solidFill>
+                    </a:lnR>
+                    <a:lnT w="9360">
+                      <a:solidFill>
+                        <a:srgbClr val="9e9e9e"/>
+                      </a:solidFill>
+                    </a:lnT>
+                    <a:lnB w="9360">
+                      <a:solidFill>
+                        <a:srgbClr val="9e9e9e"/>
+                      </a:solidFill>
+                    </a:lnB>
+                    <a:noFill/>
+                  </a:tcPr>
+                </a:tc>
+                <a:tc>
+                  <a:txBody>
+                    <a:bodyPr lIns="91080" rIns="91080"/>
+                    <a:p>
+                      <a:pPr>
+                        <a:lnSpc>
+                          <a:spcPct val="100000"/>
+                        </a:lnSpc>
+                      </a:pPr>
+                      <a:r>
+                        <a:rPr b="0" lang="en-US" sz="2400" spc="-1" strike="noStrike">
+                          <a:latin typeface="Times New Roman"/>
+                        </a:rPr>
+                        <a:t>32</a:t>
+                      </a:r>
+                      <a:endParaRPr b="0" lang="en-US" sz="2400" spc="-1" strike="noStrike">
+                        <a:latin typeface="Arial"/>
+                      </a:endParaRPr>
+                    </a:p>
+                  </a:txBody>
+                  <a:tcPr marL="91080" marR="91080">
+                    <a:lnL w="9360">
+                      <a:solidFill>
+                        <a:srgbClr val="9e9e9e"/>
+                      </a:solidFill>
+                    </a:lnL>
+                    <a:lnR w="9360">
+                      <a:solidFill>
+                        <a:srgbClr val="9e9e9e"/>
+                      </a:solidFill>
+                    </a:lnR>
+                    <a:lnT w="9360">
+                      <a:solidFill>
+                        <a:srgbClr val="9e9e9e"/>
+                      </a:solidFill>
+                    </a:lnT>
+                    <a:lnB w="9360">
+                      <a:solidFill>
+                        <a:srgbClr val="9e9e9e"/>
+                      </a:solidFill>
+                    </a:lnB>
+                    <a:noFill/>
+                  </a:tcPr>
+                </a:tc>
+                <a:tc>
+                  <a:txBody>
+                    <a:bodyPr lIns="91080" rIns="91080"/>
+                    <a:p>
+                      <a:pPr>
+                        <a:lnSpc>
+                          <a:spcPct val="100000"/>
+                        </a:lnSpc>
+                      </a:pPr>
+                      <a:r>
+                        <a:rPr b="0" lang="en-US" sz="2400" spc="-1" strike="noStrike">
+                          <a:latin typeface="Times New Roman"/>
+                        </a:rPr>
+                        <a:t>33</a:t>
+                      </a:r>
+                      <a:endParaRPr b="0" lang="en-US" sz="2400" spc="-1" strike="noStrike">
+                        <a:latin typeface="Arial"/>
+                      </a:endParaRPr>
+                    </a:p>
+                  </a:txBody>
+                  <a:tcPr marL="91080" marR="91080">
+                    <a:lnL w="9360">
+                      <a:solidFill>
+                        <a:srgbClr val="9e9e9e"/>
+                      </a:solidFill>
+                    </a:lnL>
+                    <a:lnR w="9360">
+                      <a:solidFill>
+                        <a:srgbClr val="9e9e9e"/>
+                      </a:solidFill>
+                    </a:lnR>
+                    <a:lnT w="9360">
+                      <a:solidFill>
+                        <a:srgbClr val="9e9e9e"/>
+                      </a:solidFill>
+                    </a:lnT>
+                    <a:lnB w="9360">
+                      <a:solidFill>
+                        <a:srgbClr val="9e9e9e"/>
+                      </a:solidFill>
+                    </a:lnB>
+                    <a:noFill/>
+                  </a:tcPr>
+                </a:tc>
+                <a:tc>
+                  <a:txBody>
+                    <a:bodyPr lIns="91080" rIns="91080"/>
+                    <a:p>
+                      <a:pPr>
+                        <a:lnSpc>
+                          <a:spcPct val="100000"/>
+                        </a:lnSpc>
+                      </a:pPr>
+                      <a:r>
+                        <a:rPr b="0" lang="en-US" sz="2400" spc="-1" strike="noStrike">
+                          <a:latin typeface="Times New Roman"/>
+                        </a:rPr>
+                        <a:t>34</a:t>
+                      </a:r>
+                      <a:endParaRPr b="0" lang="en-US" sz="2400" spc="-1" strike="noStrike">
+                        <a:latin typeface="Arial"/>
+                      </a:endParaRPr>
+                    </a:p>
+                  </a:txBody>
+                  <a:tcPr marL="91080" marR="91080">
+                    <a:lnL w="9360">
+                      <a:solidFill>
+                        <a:srgbClr val="9e9e9e"/>
+                      </a:solidFill>
+                    </a:lnL>
+                    <a:lnR w="9360">
+                      <a:solidFill>
+                        <a:srgbClr val="9e9e9e"/>
+                      </a:solidFill>
+                    </a:lnR>
+                    <a:lnT w="9360">
+                      <a:solidFill>
+                        <a:srgbClr val="9e9e9e"/>
+                      </a:solidFill>
+                    </a:lnT>
+                    <a:lnB w="9360">
+                      <a:solidFill>
+                        <a:srgbClr val="9e9e9e"/>
+                      </a:solidFill>
+                    </a:lnB>
+                    <a:noFill/>
+                  </a:tcPr>
+                </a:tc>
+                <a:tc>
+                  <a:txBody>
+                    <a:bodyPr lIns="91080" rIns="91080"/>
+                    <a:p>
+                      <a:pPr>
+                        <a:lnSpc>
+                          <a:spcPct val="100000"/>
+                        </a:lnSpc>
+                      </a:pPr>
+                      <a:r>
+                        <a:rPr b="0" lang="en-US" sz="1800" spc="-1" strike="noStrike">
+                          <a:latin typeface="Arial"/>
+                        </a:rPr>
+                        <a:t>35</a:t>
+                      </a:r>
+                      <a:endParaRPr b="0" lang="en-US" sz="1800" spc="-1" strike="noStrike">
+                        <a:latin typeface="Arial"/>
+                      </a:endParaRPr>
+                    </a:p>
+                  </a:txBody>
+                  <a:tcPr marL="91080" marR="91080">
+                    <a:lnL w="9360">
+                      <a:solidFill>
+                        <a:srgbClr val="9e9e9e"/>
+                      </a:solidFill>
+                    </a:lnL>
+                    <a:lnR w="9360">
+                      <a:solidFill>
+                        <a:srgbClr val="9e9e9e"/>
+                      </a:solidFill>
+                    </a:lnR>
+                    <a:lnT w="9360">
+                      <a:solidFill>
+                        <a:srgbClr val="9e9e9e"/>
+                      </a:solidFill>
+                    </a:lnT>
+                    <a:lnB w="9360">
+                      <a:solidFill>
+                        <a:srgbClr val="9e9e9e"/>
+                      </a:solidFill>
+                    </a:lnB>
+                    <a:noFill/>
+                  </a:tcPr>
+                </a:tc>
+              </a:tr>
+            </a:tbl>
+          </a:graphicData>
+        </a:graphic>
+      </p:graphicFrame>
     </p:spTree>
   </p:cSld>
   <p:timing>
@@ -4921,14 +6031,14 @@
       </p:grpSpPr>
       <p:sp>
         <p:nvSpPr>
-          <p:cNvPr id="86" name="CustomShape 1"/>
+          <p:cNvPr id="87" name="CustomShape 1"/>
           <p:cNvSpPr/>
           <p:nvPr/>
         </p:nvSpPr>
         <p:spPr>
           <a:xfrm>
             <a:off x="311760" y="444960"/>
-            <a:ext cx="8507160" cy="559440"/>
+            <a:ext cx="8505720" cy="558000"/>
           </a:xfrm>
           <a:prstGeom prst="rect">
             <a:avLst/>
@@ -4944,17 +6054,42 @@
           <a:effectRef idx="0"/>
           <a:fontRef idx="minor"/>
         </p:style>
-      </p:sp>
-      <p:sp>
-        <p:nvSpPr>
-          <p:cNvPr id="87" name="CustomShape 2"/>
+        <p:txBody>
+          <a:bodyPr lIns="90000" rIns="90000" tIns="91440" bIns="91440">
+            <a:normAutofit/>
+          </a:bodyPr>
+          <a:p>
+            <a:pPr>
+              <a:lnSpc>
+                <a:spcPct val="100000"/>
+              </a:lnSpc>
+            </a:pPr>
+            <a:r>
+              <a:rPr b="0" lang="en-US" sz="2800" spc="-1" strike="noStrike">
+                <a:solidFill>
+                  <a:srgbClr val="000000"/>
+                </a:solidFill>
+                <a:latin typeface="Arial"/>
+                <a:ea typeface="Arial"/>
+              </a:rPr>
+              <a:t>+++INS table_name +++</a:t>
+            </a:r>
+            <a:endParaRPr b="0" lang="en-US" sz="2800" spc="-1" strike="noStrike">
+              <a:latin typeface="Arial"/>
+            </a:endParaRPr>
+          </a:p>
+        </p:txBody>
+      </p:sp>
+      <p:sp>
+        <p:nvSpPr>
+          <p:cNvPr id="88" name="CustomShape 2"/>
           <p:cNvSpPr/>
           <p:nvPr/>
         </p:nvSpPr>
         <p:spPr>
           <a:xfrm>
             <a:off x="311760" y="1152360"/>
-            <a:ext cx="8507160" cy="3403080"/>
+            <a:ext cx="8505720" cy="3401640"/>
           </a:xfrm>
           <a:prstGeom prst="rect">
             <a:avLst/>
@@ -4991,14 +6126,950 @@
                 <a:latin typeface="Arial"/>
                 <a:ea typeface="Arial"/>
               </a:rPr>
-              <a:t>+++TABLE_ADD cashFlows +++</a:t>
+              <a:t>+++IF ((not TABLE_1_COLUMN_4_PRESENT))&lt;&lt; +++TABLE_COLUMN_REMOVE COLUMN_ID_4 +++ &gt;&gt;IF-END+++</a:t>
             </a:r>
+            <a:br/>
             <a:endParaRPr b="0" lang="en-US" sz="1800" spc="-1" strike="noStrike">
               <a:latin typeface="Arial"/>
             </a:endParaRPr>
           </a:p>
         </p:txBody>
       </p:sp>
+      <p:graphicFrame>
+        <p:nvGraphicFramePr>
+          <p:cNvPr id="89" name="Table 3"/>
+          <p:cNvGraphicFramePr/>
+          <p:nvPr/>
+        </p:nvGraphicFramePr>
+        <p:xfrm>
+          <a:off x="952560" y="1809720"/>
+          <a:ext cx="7238160" cy="2077560"/>
+        </p:xfrm>
+        <a:graphic>
+          <a:graphicData uri="http://schemas.openxmlformats.org/drawingml/2006/table">
+            <a:tbl>
+              <a:tblPr/>
+              <a:tblGrid>
+                <a:gridCol w="1447560"/>
+                <a:gridCol w="1447560"/>
+                <a:gridCol w="1447560"/>
+                <a:gridCol w="1447560"/>
+                <a:gridCol w="1448280"/>
+              </a:tblGrid>
+              <a:tr h="519480">
+                <a:tc>
+                  <a:txBody>
+                    <a:bodyPr lIns="91080" rIns="91080"/>
+                    <a:p>
+                      <a:pPr>
+                        <a:lnSpc>
+                          <a:spcPct val="100000"/>
+                        </a:lnSpc>
+                      </a:pPr>
+                      <a:r>
+                        <a:rPr b="0" lang="en-US" sz="1800" spc="-1" strike="noStrike">
+                          <a:solidFill>
+                            <a:srgbClr val="595959"/>
+                          </a:solidFill>
+                          <a:latin typeface="Arial"/>
+                          <a:ea typeface="Arial"/>
+                        </a:rPr>
+                        <a:t>11</a:t>
+                      </a:r>
+                      <a:endParaRPr b="0" lang="en-US" sz="1800" spc="-1" strike="noStrike">
+                        <a:latin typeface="Arial"/>
+                      </a:endParaRPr>
+                    </a:p>
+                  </a:txBody>
+                  <a:tcPr marL="91080" marR="91080">
+                    <a:lnL w="9360">
+                      <a:solidFill>
+                        <a:srgbClr val="9e9e9e"/>
+                      </a:solidFill>
+                    </a:lnL>
+                    <a:lnR w="9360">
+                      <a:solidFill>
+                        <a:srgbClr val="9e9e9e"/>
+                      </a:solidFill>
+                    </a:lnR>
+                    <a:lnT w="9360">
+                      <a:solidFill>
+                        <a:srgbClr val="9e9e9e"/>
+                      </a:solidFill>
+                    </a:lnT>
+                    <a:lnB w="9360">
+                      <a:solidFill>
+                        <a:srgbClr val="9e9e9e"/>
+                      </a:solidFill>
+                    </a:lnB>
+                    <a:noFill/>
+                  </a:tcPr>
+                </a:tc>
+                <a:tc>
+                  <a:txBody>
+                    <a:bodyPr lIns="91080" rIns="91080"/>
+                    <a:p>
+                      <a:pPr>
+                        <a:lnSpc>
+                          <a:spcPct val="100000"/>
+                        </a:lnSpc>
+                      </a:pPr>
+                      <a:r>
+                        <a:rPr b="0" lang="en-US" sz="2400" spc="-1" strike="noStrike">
+                          <a:latin typeface="Times New Roman"/>
+                        </a:rPr>
+                        <a:t>2</a:t>
+                      </a:r>
+                      <a:endParaRPr b="0" lang="en-US" sz="2400" spc="-1" strike="noStrike">
+                        <a:latin typeface="Arial"/>
+                      </a:endParaRPr>
+                    </a:p>
+                  </a:txBody>
+                  <a:tcPr marL="91080" marR="91080">
+                    <a:lnL w="9360">
+                      <a:solidFill>
+                        <a:srgbClr val="9e9e9e"/>
+                      </a:solidFill>
+                    </a:lnL>
+                    <a:lnR w="9360">
+                      <a:solidFill>
+                        <a:srgbClr val="9e9e9e"/>
+                      </a:solidFill>
+                    </a:lnR>
+                    <a:lnT w="9360">
+                      <a:solidFill>
+                        <a:srgbClr val="9e9e9e"/>
+                      </a:solidFill>
+                    </a:lnT>
+                    <a:lnB w="9360">
+                      <a:solidFill>
+                        <a:srgbClr val="9e9e9e"/>
+                      </a:solidFill>
+                    </a:lnB>
+                    <a:noFill/>
+                  </a:tcPr>
+                </a:tc>
+                <a:tc>
+                  <a:txBody>
+                    <a:bodyPr lIns="91080" rIns="91080"/>
+                    <a:p>
+                      <a:pPr>
+                        <a:lnSpc>
+                          <a:spcPct val="100000"/>
+                        </a:lnSpc>
+                      </a:pPr>
+                      <a:r>
+                        <a:rPr b="0" lang="en-US" sz="2400" spc="-1" strike="noStrike">
+                          <a:latin typeface="Times New Roman"/>
+                        </a:rPr>
+                        <a:t>3</a:t>
+                      </a:r>
+                      <a:endParaRPr b="0" lang="en-US" sz="2400" spc="-1" strike="noStrike">
+                        <a:latin typeface="Arial"/>
+                      </a:endParaRPr>
+                    </a:p>
+                  </a:txBody>
+                  <a:tcPr marL="91080" marR="91080">
+                    <a:lnL w="9360">
+                      <a:solidFill>
+                        <a:srgbClr val="9e9e9e"/>
+                      </a:solidFill>
+                    </a:lnL>
+                    <a:lnR w="9360">
+                      <a:solidFill>
+                        <a:srgbClr val="9e9e9e"/>
+                      </a:solidFill>
+                    </a:lnR>
+                    <a:lnT w="9360">
+                      <a:solidFill>
+                        <a:srgbClr val="9e9e9e"/>
+                      </a:solidFill>
+                    </a:lnT>
+                    <a:lnB w="9360">
+                      <a:solidFill>
+                        <a:srgbClr val="9e9e9e"/>
+                      </a:solidFill>
+                    </a:lnB>
+                    <a:noFill/>
+                  </a:tcPr>
+                </a:tc>
+                <a:tc>
+                  <a:txBody>
+                    <a:bodyPr lIns="91080" rIns="91080"/>
+                    <a:p>
+                      <a:pPr>
+                        <a:lnSpc>
+                          <a:spcPct val="100000"/>
+                        </a:lnSpc>
+                      </a:pPr>
+                      <a:r>
+                        <a:rPr b="0" lang="en-US" sz="1800" spc="-1" strike="noStrike">
+                          <a:solidFill>
+                            <a:srgbClr val="595959"/>
+                          </a:solidFill>
+                          <a:latin typeface="Arial"/>
+                          <a:ea typeface="Arial"/>
+                        </a:rPr>
+                        <a:t>COLUMN_ID_4 </a:t>
+                      </a:r>
+                      <a:r>
+                        <a:rPr b="0" lang="en-US" sz="2400" spc="-1" strike="noStrike">
+                          <a:solidFill>
+                            <a:srgbClr val="595959"/>
+                          </a:solidFill>
+                          <a:latin typeface="Times New Roman"/>
+                          <a:ea typeface="Arial"/>
+                        </a:rPr>
+                        <a:t>4</a:t>
+                      </a:r>
+                      <a:endParaRPr b="0" lang="en-US" sz="2400" spc="-1" strike="noStrike">
+                        <a:latin typeface="Arial"/>
+                      </a:endParaRPr>
+                    </a:p>
+                  </a:txBody>
+                  <a:tcPr marL="91080" marR="91080">
+                    <a:lnL w="9360">
+                      <a:solidFill>
+                        <a:srgbClr val="9e9e9e"/>
+                      </a:solidFill>
+                    </a:lnL>
+                    <a:lnR w="9360">
+                      <a:solidFill>
+                        <a:srgbClr val="9e9e9e"/>
+                      </a:solidFill>
+                    </a:lnR>
+                    <a:lnT w="9360">
+                      <a:solidFill>
+                        <a:srgbClr val="9e9e9e"/>
+                      </a:solidFill>
+                    </a:lnT>
+                    <a:lnB w="9360">
+                      <a:solidFill>
+                        <a:srgbClr val="9e9e9e"/>
+                      </a:solidFill>
+                    </a:lnB>
+                    <a:noFill/>
+                  </a:tcPr>
+                </a:tc>
+                <a:tc>
+                  <a:txBody>
+                    <a:bodyPr lIns="91080" rIns="91080"/>
+                    <a:p>
+                      <a:pPr>
+                        <a:lnSpc>
+                          <a:spcPct val="100000"/>
+                        </a:lnSpc>
+                      </a:pPr>
+                      <a:r>
+                        <a:rPr b="0" lang="en-US" sz="2400" spc="-1" strike="noStrike">
+                          <a:latin typeface="Times New Roman"/>
+                        </a:rPr>
+                        <a:t>5</a:t>
+                      </a:r>
+                      <a:endParaRPr b="0" lang="en-US" sz="2400" spc="-1" strike="noStrike">
+                        <a:latin typeface="Arial"/>
+                      </a:endParaRPr>
+                    </a:p>
+                  </a:txBody>
+                  <a:tcPr marL="91080" marR="91080">
+                    <a:lnL w="9360">
+                      <a:solidFill>
+                        <a:srgbClr val="9e9e9e"/>
+                      </a:solidFill>
+                    </a:lnL>
+                    <a:lnR w="9360">
+                      <a:solidFill>
+                        <a:srgbClr val="9e9e9e"/>
+                      </a:solidFill>
+                    </a:lnR>
+                    <a:lnT w="9360">
+                      <a:solidFill>
+                        <a:srgbClr val="9e9e9e"/>
+                      </a:solidFill>
+                    </a:lnT>
+                    <a:lnB w="9360">
+                      <a:solidFill>
+                        <a:srgbClr val="9e9e9e"/>
+                      </a:solidFill>
+                    </a:lnB>
+                    <a:noFill/>
+                  </a:tcPr>
+                </a:tc>
+              </a:tr>
+              <a:tr h="519480">
+                <a:tc>
+                  <a:txBody>
+                    <a:bodyPr lIns="91080" rIns="91080"/>
+                    <a:p>
+                      <a:pPr>
+                        <a:lnSpc>
+                          <a:spcPct val="100000"/>
+                        </a:lnSpc>
+                      </a:pPr>
+                      <a:r>
+                        <a:rPr b="0" lang="en-US" sz="2400" spc="-1" strike="noStrike">
+                          <a:latin typeface="Times New Roman"/>
+                        </a:rPr>
+                        <a:t>11</a:t>
+                      </a:r>
+                      <a:endParaRPr b="0" lang="en-US" sz="2400" spc="-1" strike="noStrike">
+                        <a:latin typeface="Arial"/>
+                      </a:endParaRPr>
+                    </a:p>
+                  </a:txBody>
+                  <a:tcPr marL="91080" marR="91080">
+                    <a:lnL w="9360">
+                      <a:solidFill>
+                        <a:srgbClr val="9e9e9e"/>
+                      </a:solidFill>
+                    </a:lnL>
+                    <a:lnR w="9360">
+                      <a:solidFill>
+                        <a:srgbClr val="9e9e9e"/>
+                      </a:solidFill>
+                    </a:lnR>
+                    <a:lnT w="9360">
+                      <a:solidFill>
+                        <a:srgbClr val="9e9e9e"/>
+                      </a:solidFill>
+                    </a:lnT>
+                    <a:lnB w="9360">
+                      <a:solidFill>
+                        <a:srgbClr val="9e9e9e"/>
+                      </a:solidFill>
+                    </a:lnB>
+                    <a:noFill/>
+                  </a:tcPr>
+                </a:tc>
+                <a:tc>
+                  <a:txBody>
+                    <a:bodyPr lIns="91080" rIns="91080"/>
+                    <a:p>
+                      <a:pPr>
+                        <a:lnSpc>
+                          <a:spcPct val="100000"/>
+                        </a:lnSpc>
+                      </a:pPr>
+                      <a:r>
+                        <a:rPr b="0" lang="en-US" sz="2400" spc="-1" strike="noStrike">
+                          <a:latin typeface="Times New Roman"/>
+                        </a:rPr>
+                        <a:t>12</a:t>
+                      </a:r>
+                      <a:endParaRPr b="0" lang="en-US" sz="2400" spc="-1" strike="noStrike">
+                        <a:latin typeface="Arial"/>
+                      </a:endParaRPr>
+                    </a:p>
+                  </a:txBody>
+                  <a:tcPr marL="91080" marR="91080">
+                    <a:lnL w="9360">
+                      <a:solidFill>
+                        <a:srgbClr val="9e9e9e"/>
+                      </a:solidFill>
+                    </a:lnL>
+                    <a:lnR w="9360">
+                      <a:solidFill>
+                        <a:srgbClr val="9e9e9e"/>
+                      </a:solidFill>
+                    </a:lnR>
+                    <a:lnT w="9360">
+                      <a:solidFill>
+                        <a:srgbClr val="9e9e9e"/>
+                      </a:solidFill>
+                    </a:lnT>
+                    <a:lnB w="9360">
+                      <a:solidFill>
+                        <a:srgbClr val="9e9e9e"/>
+                      </a:solidFill>
+                    </a:lnB>
+                    <a:noFill/>
+                  </a:tcPr>
+                </a:tc>
+                <a:tc>
+                  <a:txBody>
+                    <a:bodyPr lIns="91080" rIns="91080"/>
+                    <a:p>
+                      <a:pPr>
+                        <a:lnSpc>
+                          <a:spcPct val="100000"/>
+                        </a:lnSpc>
+                      </a:pPr>
+                      <a:r>
+                        <a:rPr b="0" lang="en-US" sz="2400" spc="-1" strike="noStrike">
+                          <a:latin typeface="Times New Roman"/>
+                        </a:rPr>
+                        <a:t>13</a:t>
+                      </a:r>
+                      <a:endParaRPr b="0" lang="en-US" sz="2400" spc="-1" strike="noStrike">
+                        <a:latin typeface="Arial"/>
+                      </a:endParaRPr>
+                    </a:p>
+                  </a:txBody>
+                  <a:tcPr marL="91080" marR="91080">
+                    <a:lnL w="9360">
+                      <a:solidFill>
+                        <a:srgbClr val="9e9e9e"/>
+                      </a:solidFill>
+                    </a:lnL>
+                    <a:lnR w="9360">
+                      <a:solidFill>
+                        <a:srgbClr val="9e9e9e"/>
+                      </a:solidFill>
+                    </a:lnR>
+                    <a:lnT w="9360">
+                      <a:solidFill>
+                        <a:srgbClr val="9e9e9e"/>
+                      </a:solidFill>
+                    </a:lnT>
+                    <a:lnB w="9360">
+                      <a:solidFill>
+                        <a:srgbClr val="9e9e9e"/>
+                      </a:solidFill>
+                    </a:lnB>
+                    <a:noFill/>
+                  </a:tcPr>
+                </a:tc>
+                <a:tc>
+                  <a:txBody>
+                    <a:bodyPr lIns="91080" rIns="91080"/>
+                    <a:p>
+                      <a:pPr>
+                        <a:lnSpc>
+                          <a:spcPct val="100000"/>
+                        </a:lnSpc>
+                      </a:pPr>
+                      <a:r>
+                        <a:rPr b="0" lang="en-US" sz="2400" spc="-1" strike="noStrike">
+                          <a:latin typeface="Times New Roman"/>
+                        </a:rPr>
+                        <a:t>14</a:t>
+                      </a:r>
+                      <a:endParaRPr b="0" lang="en-US" sz="2400" spc="-1" strike="noStrike">
+                        <a:latin typeface="Arial"/>
+                      </a:endParaRPr>
+                    </a:p>
+                  </a:txBody>
+                  <a:tcPr marL="91080" marR="91080">
+                    <a:lnL w="9360">
+                      <a:solidFill>
+                        <a:srgbClr val="9e9e9e"/>
+                      </a:solidFill>
+                    </a:lnL>
+                    <a:lnR w="9360">
+                      <a:solidFill>
+                        <a:srgbClr val="9e9e9e"/>
+                      </a:solidFill>
+                    </a:lnR>
+                    <a:lnT w="9360">
+                      <a:solidFill>
+                        <a:srgbClr val="9e9e9e"/>
+                      </a:solidFill>
+                    </a:lnT>
+                    <a:lnB w="9360">
+                      <a:solidFill>
+                        <a:srgbClr val="9e9e9e"/>
+                      </a:solidFill>
+                    </a:lnB>
+                    <a:noFill/>
+                  </a:tcPr>
+                </a:tc>
+                <a:tc>
+                  <a:txBody>
+                    <a:bodyPr lIns="91080" rIns="91080"/>
+                    <a:p>
+                      <a:pPr>
+                        <a:lnSpc>
+                          <a:spcPct val="100000"/>
+                        </a:lnSpc>
+                      </a:pPr>
+                      <a:r>
+                        <a:rPr b="0" lang="en-US" sz="2400" spc="-1" strike="noStrike">
+                          <a:latin typeface="Times New Roman"/>
+                        </a:rPr>
+                        <a:t>15</a:t>
+                      </a:r>
+                      <a:endParaRPr b="0" lang="en-US" sz="2400" spc="-1" strike="noStrike">
+                        <a:latin typeface="Arial"/>
+                      </a:endParaRPr>
+                    </a:p>
+                  </a:txBody>
+                  <a:tcPr marL="91080" marR="91080">
+                    <a:lnL w="9360">
+                      <a:solidFill>
+                        <a:srgbClr val="9e9e9e"/>
+                      </a:solidFill>
+                    </a:lnL>
+                    <a:lnR w="9360">
+                      <a:solidFill>
+                        <a:srgbClr val="9e9e9e"/>
+                      </a:solidFill>
+                    </a:lnR>
+                    <a:lnT w="9360">
+                      <a:solidFill>
+                        <a:srgbClr val="9e9e9e"/>
+                      </a:solidFill>
+                    </a:lnT>
+                    <a:lnB w="9360">
+                      <a:solidFill>
+                        <a:srgbClr val="9e9e9e"/>
+                      </a:solidFill>
+                    </a:lnB>
+                    <a:noFill/>
+                  </a:tcPr>
+                </a:tc>
+              </a:tr>
+              <a:tr h="519480">
+                <a:tc>
+                  <a:txBody>
+                    <a:bodyPr lIns="91080" rIns="91080"/>
+                    <a:p>
+                      <a:pPr>
+                        <a:lnSpc>
+                          <a:spcPct val="100000"/>
+                        </a:lnSpc>
+                      </a:pPr>
+                      <a:r>
+                        <a:rPr b="0" lang="en-US" sz="1800" spc="-1" strike="noStrike">
+                          <a:solidFill>
+                            <a:srgbClr val="595959"/>
+                          </a:solidFill>
+                          <a:latin typeface="Arial"/>
+                          <a:ea typeface="Arial"/>
+                        </a:rPr>
+                        <a:t>21 </a:t>
+                      </a:r>
+                      <a:endParaRPr b="0" lang="en-US" sz="1800" spc="-1" strike="noStrike">
+                        <a:latin typeface="Arial"/>
+                      </a:endParaRPr>
+                    </a:p>
+                  </a:txBody>
+                  <a:tcPr marL="91080" marR="91080">
+                    <a:lnL w="9360">
+                      <a:solidFill>
+                        <a:srgbClr val="9e9e9e"/>
+                      </a:solidFill>
+                    </a:lnL>
+                    <a:lnR w="9360">
+                      <a:solidFill>
+                        <a:srgbClr val="9e9e9e"/>
+                      </a:solidFill>
+                    </a:lnR>
+                    <a:lnT w="9360">
+                      <a:solidFill>
+                        <a:srgbClr val="9e9e9e"/>
+                      </a:solidFill>
+                    </a:lnT>
+                    <a:lnB w="9360">
+                      <a:solidFill>
+                        <a:srgbClr val="9e9e9e"/>
+                      </a:solidFill>
+                    </a:lnB>
+                    <a:noFill/>
+                  </a:tcPr>
+                </a:tc>
+                <a:tc>
+                  <a:txBody>
+                    <a:bodyPr lIns="91080" rIns="91080"/>
+                    <a:p>
+                      <a:pPr>
+                        <a:lnSpc>
+                          <a:spcPct val="100000"/>
+                        </a:lnSpc>
+                      </a:pPr>
+                      <a:r>
+                        <a:rPr b="0" lang="en-US" sz="2400" spc="-1" strike="noStrike">
+                          <a:latin typeface="Times New Roman"/>
+                        </a:rPr>
+                        <a:t>22</a:t>
+                      </a:r>
+                      <a:endParaRPr b="0" lang="en-US" sz="2400" spc="-1" strike="noStrike">
+                        <a:latin typeface="Arial"/>
+                      </a:endParaRPr>
+                    </a:p>
+                  </a:txBody>
+                  <a:tcPr marL="91080" marR="91080">
+                    <a:lnL w="9360">
+                      <a:solidFill>
+                        <a:srgbClr val="9e9e9e"/>
+                      </a:solidFill>
+                    </a:lnL>
+                    <a:lnR w="9360">
+                      <a:solidFill>
+                        <a:srgbClr val="9e9e9e"/>
+                      </a:solidFill>
+                    </a:lnR>
+                    <a:lnT w="9360">
+                      <a:solidFill>
+                        <a:srgbClr val="9e9e9e"/>
+                      </a:solidFill>
+                    </a:lnT>
+                    <a:lnB w="9360">
+                      <a:solidFill>
+                        <a:srgbClr val="9e9e9e"/>
+                      </a:solidFill>
+                    </a:lnB>
+                    <a:noFill/>
+                  </a:tcPr>
+                </a:tc>
+                <a:tc>
+                  <a:txBody>
+                    <a:bodyPr lIns="91080" rIns="91080"/>
+                    <a:p>
+                      <a:pPr>
+                        <a:lnSpc>
+                          <a:spcPct val="100000"/>
+                        </a:lnSpc>
+                      </a:pPr>
+                      <a:r>
+                        <a:rPr b="0" lang="en-US" sz="2400" spc="-1" strike="noStrike">
+                          <a:latin typeface="Times New Roman"/>
+                        </a:rPr>
+                        <a:t>23</a:t>
+                      </a:r>
+                      <a:endParaRPr b="0" lang="en-US" sz="2400" spc="-1" strike="noStrike">
+                        <a:latin typeface="Arial"/>
+                      </a:endParaRPr>
+                    </a:p>
+                  </a:txBody>
+                  <a:tcPr marL="91080" marR="91080">
+                    <a:lnL w="9360">
+                      <a:solidFill>
+                        <a:srgbClr val="9e9e9e"/>
+                      </a:solidFill>
+                    </a:lnL>
+                    <a:lnR w="9360">
+                      <a:solidFill>
+                        <a:srgbClr val="9e9e9e"/>
+                      </a:solidFill>
+                    </a:lnR>
+                    <a:lnT w="9360">
+                      <a:solidFill>
+                        <a:srgbClr val="9e9e9e"/>
+                      </a:solidFill>
+                    </a:lnT>
+                    <a:lnB w="9360">
+                      <a:solidFill>
+                        <a:srgbClr val="9e9e9e"/>
+                      </a:solidFill>
+                    </a:lnB>
+                    <a:noFill/>
+                  </a:tcPr>
+                </a:tc>
+                <a:tc>
+                  <a:txBody>
+                    <a:bodyPr lIns="91080" rIns="91080"/>
+                    <a:p>
+                      <a:pPr>
+                        <a:lnSpc>
+                          <a:spcPct val="100000"/>
+                        </a:lnSpc>
+                      </a:pPr>
+                      <a:r>
+                        <a:rPr b="0" lang="en-US" sz="2400" spc="-1" strike="noStrike">
+                          <a:latin typeface="Times New Roman"/>
+                        </a:rPr>
+                        <a:t>24</a:t>
+                      </a:r>
+                      <a:endParaRPr b="0" lang="en-US" sz="2400" spc="-1" strike="noStrike">
+                        <a:latin typeface="Arial"/>
+                      </a:endParaRPr>
+                    </a:p>
+                  </a:txBody>
+                  <a:tcPr marL="91080" marR="91080">
+                    <a:lnL w="9360">
+                      <a:solidFill>
+                        <a:srgbClr val="9e9e9e"/>
+                      </a:solidFill>
+                    </a:lnL>
+                    <a:lnR w="9360">
+                      <a:solidFill>
+                        <a:srgbClr val="9e9e9e"/>
+                      </a:solidFill>
+                    </a:lnR>
+                    <a:lnT w="9360">
+                      <a:solidFill>
+                        <a:srgbClr val="9e9e9e"/>
+                      </a:solidFill>
+                    </a:lnT>
+                    <a:lnB w="9360">
+                      <a:solidFill>
+                        <a:srgbClr val="9e9e9e"/>
+                      </a:solidFill>
+                    </a:lnB>
+                    <a:noFill/>
+                  </a:tcPr>
+                </a:tc>
+                <a:tc>
+                  <a:txBody>
+                    <a:bodyPr lIns="91080" rIns="91080"/>
+                    <a:p>
+                      <a:pPr>
+                        <a:lnSpc>
+                          <a:spcPct val="100000"/>
+                        </a:lnSpc>
+                      </a:pPr>
+                      <a:r>
+                        <a:rPr b="0" lang="en-US" sz="2400" spc="-1" strike="noStrike">
+                          <a:latin typeface="Times New Roman"/>
+                        </a:rPr>
+                        <a:t>25</a:t>
+                      </a:r>
+                      <a:endParaRPr b="0" lang="en-US" sz="2400" spc="-1" strike="noStrike">
+                        <a:latin typeface="Arial"/>
+                      </a:endParaRPr>
+                    </a:p>
+                  </a:txBody>
+                  <a:tcPr marL="91080" marR="91080">
+                    <a:lnL w="9360">
+                      <a:solidFill>
+                        <a:srgbClr val="9e9e9e"/>
+                      </a:solidFill>
+                    </a:lnL>
+                    <a:lnR w="9360">
+                      <a:solidFill>
+                        <a:srgbClr val="9e9e9e"/>
+                      </a:solidFill>
+                    </a:lnR>
+                    <a:lnT w="9360">
+                      <a:solidFill>
+                        <a:srgbClr val="9e9e9e"/>
+                      </a:solidFill>
+                    </a:lnT>
+                    <a:lnB w="9360">
+                      <a:solidFill>
+                        <a:srgbClr val="9e9e9e"/>
+                      </a:solidFill>
+                    </a:lnB>
+                    <a:noFill/>
+                  </a:tcPr>
+                </a:tc>
+              </a:tr>
+              <a:tr h="519480">
+                <a:tc>
+                  <a:txBody>
+                    <a:bodyPr lIns="91080" rIns="91080"/>
+                    <a:p>
+                      <a:pPr>
+                        <a:lnSpc>
+                          <a:spcPct val="100000"/>
+                        </a:lnSpc>
+                      </a:pPr>
+                      <a:r>
+                        <a:rPr b="0" lang="en-US" sz="2400" spc="-1" strike="noStrike">
+                          <a:latin typeface="Times New Roman"/>
+                        </a:rPr>
+                        <a:t>31</a:t>
+                      </a:r>
+                      <a:endParaRPr b="0" lang="en-US" sz="2400" spc="-1" strike="noStrike">
+                        <a:latin typeface="Arial"/>
+                      </a:endParaRPr>
+                    </a:p>
+                  </a:txBody>
+                  <a:tcPr marL="91080" marR="91080">
+                    <a:lnL w="9360">
+                      <a:solidFill>
+                        <a:srgbClr val="9e9e9e"/>
+                      </a:solidFill>
+                    </a:lnL>
+                    <a:lnR w="9360">
+                      <a:solidFill>
+                        <a:srgbClr val="9e9e9e"/>
+                      </a:solidFill>
+                    </a:lnR>
+                    <a:lnT w="9360">
+                      <a:solidFill>
+                        <a:srgbClr val="9e9e9e"/>
+                      </a:solidFill>
+                    </a:lnT>
+                    <a:lnB w="9360">
+                      <a:solidFill>
+                        <a:srgbClr val="9e9e9e"/>
+                      </a:solidFill>
+                    </a:lnB>
+                    <a:noFill/>
+                  </a:tcPr>
+                </a:tc>
+                <a:tc>
+                  <a:txBody>
+                    <a:bodyPr lIns="91080" rIns="91080"/>
+                    <a:p>
+                      <a:pPr>
+                        <a:lnSpc>
+                          <a:spcPct val="100000"/>
+                        </a:lnSpc>
+                      </a:pPr>
+                      <a:r>
+                        <a:rPr b="0" lang="en-US" sz="2400" spc="-1" strike="noStrike">
+                          <a:latin typeface="Times New Roman"/>
+                        </a:rPr>
+                        <a:t>32</a:t>
+                      </a:r>
+                      <a:endParaRPr b="0" lang="en-US" sz="2400" spc="-1" strike="noStrike">
+                        <a:latin typeface="Arial"/>
+                      </a:endParaRPr>
+                    </a:p>
+                  </a:txBody>
+                  <a:tcPr marL="91080" marR="91080">
+                    <a:lnL w="9360">
+                      <a:solidFill>
+                        <a:srgbClr val="9e9e9e"/>
+                      </a:solidFill>
+                    </a:lnL>
+                    <a:lnR w="9360">
+                      <a:solidFill>
+                        <a:srgbClr val="9e9e9e"/>
+                      </a:solidFill>
+                    </a:lnR>
+                    <a:lnT w="9360">
+                      <a:solidFill>
+                        <a:srgbClr val="9e9e9e"/>
+                      </a:solidFill>
+                    </a:lnT>
+                    <a:lnB w="9360">
+                      <a:solidFill>
+                        <a:srgbClr val="9e9e9e"/>
+                      </a:solidFill>
+                    </a:lnB>
+                    <a:noFill/>
+                  </a:tcPr>
+                </a:tc>
+                <a:tc>
+                  <a:txBody>
+                    <a:bodyPr lIns="91080" rIns="91080"/>
+                    <a:p>
+                      <a:pPr>
+                        <a:lnSpc>
+                          <a:spcPct val="100000"/>
+                        </a:lnSpc>
+                      </a:pPr>
+                      <a:r>
+                        <a:rPr b="0" lang="en-US" sz="2400" spc="-1" strike="noStrike">
+                          <a:latin typeface="Times New Roman"/>
+                        </a:rPr>
+                        <a:t>33</a:t>
+                      </a:r>
+                      <a:endParaRPr b="0" lang="en-US" sz="2400" spc="-1" strike="noStrike">
+                        <a:latin typeface="Arial"/>
+                      </a:endParaRPr>
+                    </a:p>
+                  </a:txBody>
+                  <a:tcPr marL="91080" marR="91080">
+                    <a:lnL w="9360">
+                      <a:solidFill>
+                        <a:srgbClr val="9e9e9e"/>
+                      </a:solidFill>
+                    </a:lnL>
+                    <a:lnR w="9360">
+                      <a:solidFill>
+                        <a:srgbClr val="9e9e9e"/>
+                      </a:solidFill>
+                    </a:lnR>
+                    <a:lnT w="9360">
+                      <a:solidFill>
+                        <a:srgbClr val="9e9e9e"/>
+                      </a:solidFill>
+                    </a:lnT>
+                    <a:lnB w="9360">
+                      <a:solidFill>
+                        <a:srgbClr val="9e9e9e"/>
+                      </a:solidFill>
+                    </a:lnB>
+                    <a:noFill/>
+                  </a:tcPr>
+                </a:tc>
+                <a:tc>
+                  <a:txBody>
+                    <a:bodyPr lIns="91080" rIns="91080"/>
+                    <a:p>
+                      <a:pPr>
+                        <a:lnSpc>
+                          <a:spcPct val="100000"/>
+                        </a:lnSpc>
+                      </a:pPr>
+                      <a:r>
+                        <a:rPr b="0" lang="en-US" sz="2400" spc="-1" strike="noStrike">
+                          <a:latin typeface="Times New Roman"/>
+                        </a:rPr>
+                        <a:t>34</a:t>
+                      </a:r>
+                      <a:endParaRPr b="0" lang="en-US" sz="2400" spc="-1" strike="noStrike">
+                        <a:latin typeface="Arial"/>
+                      </a:endParaRPr>
+                    </a:p>
+                  </a:txBody>
+                  <a:tcPr marL="91080" marR="91080">
+                    <a:lnL w="9360">
+                      <a:solidFill>
+                        <a:srgbClr val="9e9e9e"/>
+                      </a:solidFill>
+                    </a:lnL>
+                    <a:lnR w="9360">
+                      <a:solidFill>
+                        <a:srgbClr val="9e9e9e"/>
+                      </a:solidFill>
+                    </a:lnR>
+                    <a:lnT w="9360">
+                      <a:solidFill>
+                        <a:srgbClr val="9e9e9e"/>
+                      </a:solidFill>
+                    </a:lnT>
+                    <a:lnB w="9360">
+                      <a:solidFill>
+                        <a:srgbClr val="9e9e9e"/>
+                      </a:solidFill>
+                    </a:lnB>
+                    <a:noFill/>
+                  </a:tcPr>
+                </a:tc>
+                <a:tc>
+                  <a:txBody>
+                    <a:bodyPr lIns="91080" rIns="91080"/>
+                    <a:p>
+                      <a:pPr>
+                        <a:lnSpc>
+                          <a:spcPct val="100000"/>
+                        </a:lnSpc>
+                      </a:pPr>
+                      <a:r>
+                        <a:rPr b="0" lang="en-US" sz="1800" spc="-1" strike="noStrike">
+                          <a:latin typeface="Arial"/>
+                        </a:rPr>
+                        <a:t>35</a:t>
+                      </a:r>
+                      <a:endParaRPr b="0" lang="en-US" sz="1800" spc="-1" strike="noStrike">
+                        <a:latin typeface="Arial"/>
+                      </a:endParaRPr>
+                    </a:p>
+                  </a:txBody>
+                  <a:tcPr marL="91080" marR="91080">
+                    <a:lnL w="9360">
+                      <a:solidFill>
+                        <a:srgbClr val="9e9e9e"/>
+                      </a:solidFill>
+                    </a:lnL>
+                    <a:lnR w="9360">
+                      <a:solidFill>
+                        <a:srgbClr val="9e9e9e"/>
+                      </a:solidFill>
+                    </a:lnR>
+                    <a:lnT w="9360">
+                      <a:solidFill>
+                        <a:srgbClr val="9e9e9e"/>
+                      </a:solidFill>
+                    </a:lnT>
+                    <a:lnB w="9360">
+                      <a:solidFill>
+                        <a:srgbClr val="9e9e9e"/>
+                      </a:solidFill>
+                    </a:lnB>
+                    <a:noFill/>
+                  </a:tcPr>
+                </a:tc>
+              </a:tr>
+            </a:tbl>
+          </a:graphicData>
+        </a:graphic>
+      </p:graphicFrame>
     </p:spTree>
   </p:cSld>
   <p:timing>
@@ -5050,14 +7121,14 @@
       </p:grpSpPr>
       <p:sp>
         <p:nvSpPr>
-          <p:cNvPr id="88" name="CustomShape 1"/>
+          <p:cNvPr id="90" name="CustomShape 1"/>
           <p:cNvSpPr/>
           <p:nvPr/>
         </p:nvSpPr>
         <p:spPr>
           <a:xfrm>
-            <a:off x="640080" y="640080"/>
-            <a:ext cx="7943760" cy="334800"/>
+            <a:off x="311760" y="444960"/>
+            <a:ext cx="8505720" cy="558000"/>
           </a:xfrm>
           <a:prstGeom prst="rect">
             <a:avLst/>
@@ -5073,17 +7144,42 @@
           <a:effectRef idx="0"/>
           <a:fontRef idx="minor"/>
         </p:style>
-      </p:sp>
-      <p:sp>
-        <p:nvSpPr>
-          <p:cNvPr id="89" name="CustomShape 2"/>
+        <p:txBody>
+          <a:bodyPr lIns="90000" rIns="90000" tIns="91440" bIns="91440">
+            <a:normAutofit/>
+          </a:bodyPr>
+          <a:p>
+            <a:pPr>
+              <a:lnSpc>
+                <a:spcPct val="100000"/>
+              </a:lnSpc>
+            </a:pPr>
+            <a:r>
+              <a:rPr b="0" lang="en-US" sz="2800" spc="-1" strike="noStrike">
+                <a:solidFill>
+                  <a:srgbClr val="000000"/>
+                </a:solidFill>
+                <a:latin typeface="Arial"/>
+                <a:ea typeface="Arial"/>
+              </a:rPr>
+              <a:t>+++INS sample_name +++</a:t>
+            </a:r>
+            <a:endParaRPr b="0" lang="en-US" sz="2800" spc="-1" strike="noStrike">
+              <a:latin typeface="Arial"/>
+            </a:endParaRPr>
+          </a:p>
+        </p:txBody>
+      </p:sp>
+      <p:sp>
+        <p:nvSpPr>
+          <p:cNvPr id="91" name="CustomShape 2"/>
           <p:cNvSpPr/>
           <p:nvPr/>
         </p:nvSpPr>
         <p:spPr>
           <a:xfrm>
             <a:off x="311760" y="1152360"/>
-            <a:ext cx="8507160" cy="3403080"/>
+            <a:ext cx="8505720" cy="3401640"/>
           </a:xfrm>
           <a:prstGeom prst="rect">
             <a:avLst/>
@@ -5108,6 +7204,9 @@
               <a:lnSpc>
                 <a:spcPct val="115000"/>
               </a:lnSpc>
+              <a:spcBef>
+                <a:spcPts val="1199"/>
+              </a:spcBef>
               <a:spcAft>
                 <a:spcPts val="1199"/>
               </a:spcAft>
@@ -5120,7 +7219,29 @@
                 <a:latin typeface="Arial"/>
                 <a:ea typeface="Arial"/>
               </a:rPr>
-              <a:t>+++ EXTRA_SLIDE +++</a:t>
+              <a:t>+++FOR ((SAMPLE_DATA_1))&lt;&lt; +++INS NAME +++  +++INS AGE +++&gt;&gt; FOR-END+++</a:t>
+            </a:r>
+            <a:br/>
+            <a:r>
+              <a:rPr b="0" lang="en-US" sz="1800" spc="-1" strike="noStrike">
+                <a:solidFill>
+                  <a:srgbClr val="595959"/>
+                </a:solidFill>
+                <a:latin typeface="Arial"/>
+                <a:ea typeface="Arial"/>
+              </a:rPr>
+              <a:t>+++FOR ((SAMPLE_DATA_2))&lt;&lt; +++INS NAME +++   +++INS AGE +++ &gt;&gt; FOR-END+++</a:t>
+            </a:r>
+            <a:br/>
+            <a:r>
+              <a:rPr b="0" lang="en-US" sz="1800" spc="-1" strike="noStrike">
+                <a:solidFill>
+                  <a:srgbClr val="595959"/>
+                </a:solidFill>
+                <a:latin typeface="Arial"/>
+                <a:ea typeface="Arial"/>
+              </a:rPr>
+              <a:t>+++FOR ((SAMPLE_DATA_3))&lt;&lt; +++INS NAME +++    +++INS AGE +++ &gt;&gt; FOR-END+++</a:t>
             </a:r>
             <a:endParaRPr b="0" lang="en-US" sz="1800" spc="-1" strike="noStrike">
               <a:latin typeface="Arial"/>
@@ -5179,14 +7300,40 @@
       </p:grpSpPr>
       <p:sp>
         <p:nvSpPr>
-          <p:cNvPr id="90" name="CustomShape 1"/>
+          <p:cNvPr id="92" name="CustomShape 1"/>
           <p:cNvSpPr/>
           <p:nvPr/>
         </p:nvSpPr>
         <p:spPr>
           <a:xfrm>
+            <a:off x="311760" y="444960"/>
+            <a:ext cx="8505720" cy="558000"/>
+          </a:xfrm>
+          <a:prstGeom prst="rect">
+            <a:avLst/>
+          </a:prstGeom>
+          <a:noFill/>
+          <a:ln>
+            <a:noFill/>
+          </a:ln>
+        </p:spPr>
+        <p:style>
+          <a:lnRef idx="0"/>
+          <a:fillRef idx="0"/>
+          <a:effectRef idx="0"/>
+          <a:fontRef idx="minor"/>
+        </p:style>
+      </p:sp>
+      <p:sp>
+        <p:nvSpPr>
+          <p:cNvPr id="93" name="CustomShape 2"/>
+          <p:cNvSpPr/>
+          <p:nvPr/>
+        </p:nvSpPr>
+        <p:spPr>
+          <a:xfrm>
             <a:off x="311760" y="1152360"/>
-            <a:ext cx="8507160" cy="3403080"/>
+            <a:ext cx="8505720" cy="3401640"/>
           </a:xfrm>
           <a:prstGeom prst="rect">
             <a:avLst/>
@@ -5223,7 +7370,7 @@
                 <a:latin typeface="Arial"/>
                 <a:ea typeface="Arial"/>
               </a:rPr>
-              <a:t>+++ EXTRA_SLIDE +++</a:t>
+              <a:t>+++TABLE_ADD cashFlows +++</a:t>
             </a:r>
             <a:endParaRPr b="0" lang="en-US" sz="1800" spc="-1" strike="noStrike">
               <a:latin typeface="Arial"/>
@@ -5282,14 +7429,40 @@
       </p:grpSpPr>
       <p:sp>
         <p:nvSpPr>
-          <p:cNvPr id="91" name="CustomShape 1"/>
+          <p:cNvPr id="94" name="CustomShape 1"/>
           <p:cNvSpPr/>
           <p:nvPr/>
         </p:nvSpPr>
         <p:spPr>
           <a:xfrm>
+            <a:off x="640080" y="640080"/>
+            <a:ext cx="7942320" cy="333360"/>
+          </a:xfrm>
+          <a:prstGeom prst="rect">
+            <a:avLst/>
+          </a:prstGeom>
+          <a:noFill/>
+          <a:ln>
+            <a:noFill/>
+          </a:ln>
+        </p:spPr>
+        <p:style>
+          <a:lnRef idx="0"/>
+          <a:fillRef idx="0"/>
+          <a:effectRef idx="0"/>
+          <a:fontRef idx="minor"/>
+        </p:style>
+      </p:sp>
+      <p:sp>
+        <p:nvSpPr>
+          <p:cNvPr id="95" name="CustomShape 2"/>
+          <p:cNvSpPr/>
+          <p:nvPr/>
+        </p:nvSpPr>
+        <p:spPr>
+          <a:xfrm>
             <a:off x="311760" y="1152360"/>
-            <a:ext cx="8507160" cy="3403080"/>
+            <a:ext cx="8505720" cy="3401640"/>
           </a:xfrm>
           <a:prstGeom prst="rect">
             <a:avLst/>

--- a/input_2.pptx
+++ b/input_2.pptx
@@ -3233,7 +3233,7 @@
         <p:spPr>
           <a:xfrm>
             <a:off x="311760" y="744480"/>
-            <a:ext cx="8505720" cy="2037960"/>
+            <a:ext cx="8504640" cy="2036880"/>
           </a:xfrm>
           <a:prstGeom prst="rect">
             <a:avLst/>
@@ -3267,31 +3267,31 @@
                 <a:latin typeface="Arial"/>
                 <a:ea typeface="Arial"/>
               </a:rPr>
-              <a:t>+++INS scheme_name +++</a:t>
+              <a:t>+++INS name +++</a:t>
             </a:r>
             <a:br/>
             <a:r>
-              <a:rPr b="0" lang="en-US" sz="5200" spc="-1" strike="noStrike">
+              <a:rPr b="0" lang="en-US" sz="2000" spc="-1" strike="noStrike">
                 <a:solidFill>
                   <a:srgbClr val="000000"/>
                 </a:solidFill>
-                <a:latin typeface="Arial"/>
+                <a:latin typeface="Purisa"/>
                 <a:ea typeface="Arial"/>
               </a:rPr>
-              <a:t>+++INS scheme_name +++</a:t>
+              <a:t>+++INS position +++</a:t>
             </a:r>
             <a:br/>
             <a:r>
-              <a:rPr b="0" lang="en-US" sz="5200" spc="-1" strike="noStrike">
+              <a:rPr b="0" lang="en-US" sz="2000" spc="-1" strike="noStrike">
                 <a:solidFill>
                   <a:srgbClr val="000000"/>
                 </a:solidFill>
-                <a:latin typeface="Arial"/>
+                <a:latin typeface="Keraleeyam"/>
                 <a:ea typeface="Arial"/>
               </a:rPr>
-              <a:t>+++INS scheme_name +++</a:t>
+              <a:t>+++INS city +++</a:t>
             </a:r>
-            <a:endParaRPr b="0" lang="en-US" sz="5200" spc="-1" strike="noStrike">
+            <a:endParaRPr b="0" lang="en-US" sz="2000" spc="-1" strike="noStrike">
               <a:latin typeface="Arial"/>
             </a:endParaRPr>
           </a:p>
@@ -3306,7 +3306,7 @@
         <p:spPr>
           <a:xfrm>
             <a:off x="311760" y="2834280"/>
-            <a:ext cx="8505720" cy="777960"/>
+            <a:ext cx="8504640" cy="776880"/>
           </a:xfrm>
           <a:prstGeom prst="rect">
             <a:avLst/>
@@ -3381,7 +3381,7 @@
         <p:spPr>
           <a:xfrm>
             <a:off x="311760" y="1152360"/>
-            <a:ext cx="8505720" cy="3401640"/>
+            <a:ext cx="8504640" cy="3400560"/>
           </a:xfrm>
           <a:prstGeom prst="rect">
             <a:avLst/>
@@ -3484,7 +3484,7 @@
         <p:spPr>
           <a:xfrm>
             <a:off x="311760" y="1152360"/>
-            <a:ext cx="8505720" cy="3401640"/>
+            <a:ext cx="8504640" cy="3400560"/>
           </a:xfrm>
           <a:prstGeom prst="rect">
             <a:avLst/>
@@ -3587,7 +3587,7 @@
         <p:spPr>
           <a:xfrm>
             <a:off x="311760" y="1152360"/>
-            <a:ext cx="8505720" cy="3401640"/>
+            <a:ext cx="8504640" cy="3400560"/>
           </a:xfrm>
           <a:prstGeom prst="rect">
             <a:avLst/>
@@ -3690,7 +3690,7 @@
         <p:spPr>
           <a:xfrm>
             <a:off x="311760" y="1152360"/>
-            <a:ext cx="8505720" cy="3401640"/>
+            <a:ext cx="8504640" cy="3400560"/>
           </a:xfrm>
           <a:prstGeom prst="rect">
             <a:avLst/>
@@ -3793,7 +3793,7 @@
         <p:spPr>
           <a:xfrm>
             <a:off x="311760" y="1152360"/>
-            <a:ext cx="8505720" cy="3401640"/>
+            <a:ext cx="8504640" cy="3400560"/>
           </a:xfrm>
           <a:prstGeom prst="rect">
             <a:avLst/>
@@ -3896,7 +3896,7 @@
         <p:spPr>
           <a:xfrm>
             <a:off x="311760" y="1152360"/>
-            <a:ext cx="8505720" cy="3401640"/>
+            <a:ext cx="8504640" cy="3400560"/>
           </a:xfrm>
           <a:prstGeom prst="rect">
             <a:avLst/>
@@ -3999,7 +3999,7 @@
         <p:spPr>
           <a:xfrm>
             <a:off x="311760" y="444960"/>
-            <a:ext cx="8505720" cy="558000"/>
+            <a:ext cx="8504640" cy="556920"/>
           </a:xfrm>
           <a:prstGeom prst="rect">
             <a:avLst/>
@@ -4033,7 +4033,7 @@
                 <a:latin typeface="Arial"/>
                 <a:ea typeface="Arial"/>
               </a:rPr>
-              <a:t>+++INS chart_name +++</a:t>
+              <a:t>+++INS excubed_image_title +++</a:t>
             </a:r>
             <a:endParaRPr b="0" lang="en-US" sz="2800" spc="-1" strike="noStrike">
               <a:latin typeface="Arial"/>
@@ -4050,7 +4050,7 @@
         <p:spPr>
           <a:xfrm>
             <a:off x="311760" y="1152360"/>
-            <a:ext cx="8505720" cy="3401640"/>
+            <a:ext cx="8504640" cy="3400560"/>
           </a:xfrm>
           <a:prstGeom prst="rect">
             <a:avLst/>
@@ -4087,7 +4087,7 @@
                 <a:latin typeface="Arial"/>
                 <a:ea typeface="Arial"/>
               </a:rPr>
-              <a:t>+++CHART chart_1 +++</a:t>
+              <a:t>+++CHART landing_image +++</a:t>
             </a:r>
             <a:endParaRPr b="0" lang="en-US" sz="1800" spc="-1" strike="noStrike">
               <a:latin typeface="Arial"/>
@@ -4153,7 +4153,7 @@
         <p:spPr>
           <a:xfrm>
             <a:off x="731520" y="2419920"/>
-            <a:ext cx="7584840" cy="597600"/>
+            <a:ext cx="7583760" cy="596520"/>
           </a:xfrm>
           <a:prstGeom prst="rect">
             <a:avLst/>
@@ -4185,7 +4185,7 @@
                 <a:latin typeface="Arial"/>
                 <a:ea typeface="Arial"/>
               </a:rPr>
-              <a:t>+++IF (( chart_name ))&lt;&lt; +++INS chart_name +++ &gt;&gt;IF-END+++</a:t>
+              <a:t>+++IF (( project_description ))&lt;&lt; +++INS project_description +++ &gt;&gt;IF-END+++</a:t>
             </a:r>
             <a:endParaRPr b="0" lang="en-US" sz="1800" spc="-1" strike="noStrike">
               <a:latin typeface="Arial"/>
@@ -4251,7 +4251,7 @@
         <p:spPr>
           <a:xfrm>
             <a:off x="311760" y="444960"/>
-            <a:ext cx="8505720" cy="558000"/>
+            <a:ext cx="8504640" cy="556920"/>
           </a:xfrm>
           <a:prstGeom prst="rect">
             <a:avLst/>
@@ -4302,7 +4302,7 @@
         <p:spPr>
           <a:xfrm>
             <a:off x="311760" y="1152360"/>
-            <a:ext cx="8505720" cy="3401640"/>
+            <a:ext cx="8504640" cy="3400560"/>
           </a:xfrm>
           <a:prstGeom prst="rect">
             <a:avLst/>
@@ -4339,7 +4339,7 @@
                 <a:latin typeface="Arial"/>
                 <a:ea typeface="Arial"/>
               </a:rPr>
-              <a:t>+++IF ((TABLE_1_PRESENT))&lt;&lt; +++TABLE_REMOVE TABLE_ID_1 +++ &gt;&gt;IF-END+++</a:t>
+              <a:t>+++IF ((remove_table_1))&lt;&lt; +++TABLE_REMOVE TABLE_ID_1 +++ &gt;&gt;IF-END+++</a:t>
             </a:r>
             <a:br/>
             <a:endParaRPr b="0" lang="en-US" sz="1800" spc="-1" strike="noStrike">
@@ -4372,7 +4372,7 @@
               <a:tr h="519480">
                 <a:tc>
                   <a:txBody>
-                    <a:bodyPr lIns="91080" rIns="91080"/>
+                    <a:bodyPr lIns="90000" rIns="90000"/>
                     <a:p>
                       <a:pPr>
                         <a:lnSpc>
@@ -4380,523 +4380,655 @@
                         </a:lnSpc>
                       </a:pPr>
                       <a:r>
-                        <a:rPr b="0" lang="en-US" sz="1800" spc="-1" strike="noStrike">
+                        <a:rPr b="1" lang="en-US" sz="1800" spc="-1" strike="noStrike">
                           <a:solidFill>
                             <a:srgbClr val="595959"/>
                           </a:solidFill>
                           <a:latin typeface="Arial"/>
                           <a:ea typeface="Arial"/>
                         </a:rPr>
-                        <a:t>TABLE_ID_1</a:t>
+                        <a:t>TABLE_ID_1    header 1</a:t>
                       </a:r>
                       <a:endParaRPr b="0" lang="en-US" sz="1800" spc="-1" strike="noStrike">
                         <a:latin typeface="Arial"/>
                       </a:endParaRPr>
                     </a:p>
                   </a:txBody>
-                  <a:tcPr marL="91080" marR="91080">
-                    <a:lnL w="9360">
-                      <a:solidFill>
-                        <a:srgbClr val="9e9e9e"/>
+                  <a:tcPr marL="90000" marR="90000">
+                    <a:lnL w="720">
+                      <a:solidFill>
+                        <a:srgbClr val="ffffff"/>
                       </a:solidFill>
                     </a:lnL>
-                    <a:lnR w="9360">
-                      <a:solidFill>
-                        <a:srgbClr val="9e9e9e"/>
+                    <a:lnR w="720">
+                      <a:solidFill>
+                        <a:srgbClr val="ffffff"/>
                       </a:solidFill>
                     </a:lnR>
-                    <a:lnT w="9360">
-                      <a:solidFill>
-                        <a:srgbClr val="9e9e9e"/>
+                    <a:lnT w="720">
+                      <a:solidFill>
+                        <a:srgbClr val="ffffff"/>
                       </a:solidFill>
                     </a:lnT>
-                    <a:lnB w="9360">
-                      <a:solidFill>
-                        <a:srgbClr val="9e9e9e"/>
+                    <a:lnB w="720">
+                      <a:solidFill>
+                        <a:srgbClr val="ffffff"/>
                       </a:solidFill>
                     </a:lnB>
-                    <a:noFill/>
+                    <a:solidFill>
+                      <a:srgbClr val="ffcc99"/>
+                    </a:solidFill>
                   </a:tcPr>
                 </a:tc>
                 <a:tc>
-                  <a:tcPr marL="91080" marR="91080">
-                    <a:lnL w="9360">
-                      <a:solidFill>
-                        <a:srgbClr val="9e9e9e"/>
+                  <a:txBody>
+                    <a:bodyPr lIns="90000" rIns="90000"/>
+                    <a:p>
+                      <a:pPr>
+                        <a:lnSpc>
+                          <a:spcPct val="100000"/>
+                        </a:lnSpc>
+                      </a:pPr>
+                      <a:r>
+                        <a:rPr b="1" lang="en-US" sz="1800" spc="-1" strike="noStrike">
+                          <a:solidFill>
+                            <a:srgbClr val="595959"/>
+                          </a:solidFill>
+                          <a:latin typeface="Arial"/>
+                          <a:ea typeface="Arial"/>
+                        </a:rPr>
+                        <a:t>header 2</a:t>
+                      </a:r>
+                      <a:endParaRPr b="0" lang="en-US" sz="1800" spc="-1" strike="noStrike">
+                        <a:latin typeface="Arial"/>
+                      </a:endParaRPr>
+                    </a:p>
+                  </a:txBody>
+                  <a:tcPr marL="90000" marR="90000">
+                    <a:lnL w="720">
+                      <a:solidFill>
+                        <a:srgbClr val="ffffff"/>
                       </a:solidFill>
                     </a:lnL>
-                    <a:lnR w="9360">
-                      <a:solidFill>
-                        <a:srgbClr val="9e9e9e"/>
+                    <a:lnR w="720">
+                      <a:solidFill>
+                        <a:srgbClr val="ffffff"/>
                       </a:solidFill>
                     </a:lnR>
-                    <a:lnT w="9360">
-                      <a:solidFill>
-                        <a:srgbClr val="9e9e9e"/>
+                    <a:lnT w="720">
+                      <a:solidFill>
+                        <a:srgbClr val="ffffff"/>
                       </a:solidFill>
                     </a:lnT>
-                    <a:lnB w="9360">
-                      <a:solidFill>
-                        <a:srgbClr val="9e9e9e"/>
+                    <a:lnB w="720">
+                      <a:solidFill>
+                        <a:srgbClr val="ffffff"/>
                       </a:solidFill>
                     </a:lnB>
-                    <a:noFill/>
+                    <a:solidFill>
+                      <a:srgbClr val="ffcc99"/>
+                    </a:solidFill>
                   </a:tcPr>
                 </a:tc>
                 <a:tc>
-                  <a:tcPr marL="91080" marR="91080">
-                    <a:lnL w="9360">
-                      <a:solidFill>
-                        <a:srgbClr val="9e9e9e"/>
+                  <a:txBody>
+                    <a:bodyPr lIns="90000" rIns="90000"/>
+                    <a:p>
+                      <a:pPr>
+                        <a:lnSpc>
+                          <a:spcPct val="100000"/>
+                        </a:lnSpc>
+                      </a:pPr>
+                      <a:r>
+                        <a:rPr b="1" lang="en-US" sz="1800" spc="-1" strike="noStrike">
+                          <a:solidFill>
+                            <a:srgbClr val="595959"/>
+                          </a:solidFill>
+                          <a:latin typeface="Arial"/>
+                          <a:ea typeface="Arial"/>
+                        </a:rPr>
+                        <a:t>header 3</a:t>
+                      </a:r>
+                      <a:endParaRPr b="0" lang="en-US" sz="1800" spc="-1" strike="noStrike">
+                        <a:latin typeface="Arial"/>
+                      </a:endParaRPr>
+                    </a:p>
+                  </a:txBody>
+                  <a:tcPr marL="90000" marR="90000">
+                    <a:lnL w="720">
+                      <a:solidFill>
+                        <a:srgbClr val="ffffff"/>
                       </a:solidFill>
                     </a:lnL>
-                    <a:lnR w="9360">
-                      <a:solidFill>
-                        <a:srgbClr val="9e9e9e"/>
+                    <a:lnR w="720">
+                      <a:solidFill>
+                        <a:srgbClr val="ffffff"/>
                       </a:solidFill>
                     </a:lnR>
-                    <a:lnT w="9360">
-                      <a:solidFill>
-                        <a:srgbClr val="9e9e9e"/>
+                    <a:lnT w="720">
+                      <a:solidFill>
+                        <a:srgbClr val="ffffff"/>
                       </a:solidFill>
                     </a:lnT>
-                    <a:lnB w="9360">
-                      <a:solidFill>
-                        <a:srgbClr val="9e9e9e"/>
+                    <a:lnB w="720">
+                      <a:solidFill>
+                        <a:srgbClr val="ffffff"/>
                       </a:solidFill>
                     </a:lnB>
-                    <a:noFill/>
+                    <a:solidFill>
+                      <a:srgbClr val="ffcc99"/>
+                    </a:solidFill>
                   </a:tcPr>
                 </a:tc>
                 <a:tc>
-                  <a:tcPr marL="91080" marR="91080">
-                    <a:lnL w="9360">
-                      <a:solidFill>
-                        <a:srgbClr val="9e9e9e"/>
+                  <a:txBody>
+                    <a:bodyPr lIns="90000" rIns="90000"/>
+                    <a:p>
+                      <a:pPr>
+                        <a:lnSpc>
+                          <a:spcPct val="100000"/>
+                        </a:lnSpc>
+                      </a:pPr>
+                      <a:r>
+                        <a:rPr b="1" lang="en-US" sz="1800" spc="-1" strike="noStrike">
+                          <a:solidFill>
+                            <a:srgbClr val="595959"/>
+                          </a:solidFill>
+                          <a:latin typeface="Arial"/>
+                          <a:ea typeface="Arial"/>
+                        </a:rPr>
+                        <a:t>header 4</a:t>
+                      </a:r>
+                      <a:endParaRPr b="0" lang="en-US" sz="1800" spc="-1" strike="noStrike">
+                        <a:latin typeface="Arial"/>
+                      </a:endParaRPr>
+                    </a:p>
+                  </a:txBody>
+                  <a:tcPr marL="90000" marR="90000">
+                    <a:lnL w="720">
+                      <a:solidFill>
+                        <a:srgbClr val="ffffff"/>
                       </a:solidFill>
                     </a:lnL>
-                    <a:lnR w="9360">
-                      <a:solidFill>
-                        <a:srgbClr val="9e9e9e"/>
+                    <a:lnR w="720">
+                      <a:solidFill>
+                        <a:srgbClr val="ffffff"/>
                       </a:solidFill>
                     </a:lnR>
-                    <a:lnT w="9360">
-                      <a:solidFill>
-                        <a:srgbClr val="9e9e9e"/>
+                    <a:lnT w="720">
+                      <a:solidFill>
+                        <a:srgbClr val="ffffff"/>
                       </a:solidFill>
                     </a:lnT>
-                    <a:lnB w="9360">
-                      <a:solidFill>
-                        <a:srgbClr val="9e9e9e"/>
+                    <a:lnB w="720">
+                      <a:solidFill>
+                        <a:srgbClr val="ffffff"/>
                       </a:solidFill>
                     </a:lnB>
-                    <a:noFill/>
+                    <a:solidFill>
+                      <a:srgbClr val="ffcc99"/>
+                    </a:solidFill>
                   </a:tcPr>
                 </a:tc>
                 <a:tc>
-                  <a:tcPr marL="91080" marR="91080">
-                    <a:lnL w="9360">
-                      <a:solidFill>
-                        <a:srgbClr val="9e9e9e"/>
+                  <a:txBody>
+                    <a:bodyPr lIns="90000" rIns="90000"/>
+                    <a:p>
+                      <a:pPr>
+                        <a:lnSpc>
+                          <a:spcPct val="100000"/>
+                        </a:lnSpc>
+                      </a:pPr>
+                      <a:r>
+                        <a:rPr b="1" lang="en-US" sz="1800" spc="-1" strike="noStrike">
+                          <a:solidFill>
+                            <a:srgbClr val="595959"/>
+                          </a:solidFill>
+                          <a:latin typeface="Arial"/>
+                          <a:ea typeface="Arial"/>
+                        </a:rPr>
+                        <a:t>header 5</a:t>
+                      </a:r>
+                      <a:endParaRPr b="0" lang="en-US" sz="1800" spc="-1" strike="noStrike">
+                        <a:latin typeface="Arial"/>
+                      </a:endParaRPr>
+                    </a:p>
+                  </a:txBody>
+                  <a:tcPr marL="90000" marR="90000">
+                    <a:lnL w="720">
+                      <a:solidFill>
+                        <a:srgbClr val="ffffff"/>
                       </a:solidFill>
                     </a:lnL>
-                    <a:lnR w="9360">
-                      <a:solidFill>
-                        <a:srgbClr val="9e9e9e"/>
+                    <a:lnR w="720">
+                      <a:solidFill>
+                        <a:srgbClr val="ffffff"/>
                       </a:solidFill>
                     </a:lnR>
-                    <a:lnT w="9360">
-                      <a:solidFill>
-                        <a:srgbClr val="9e9e9e"/>
+                    <a:lnT w="720">
+                      <a:solidFill>
+                        <a:srgbClr val="ffffff"/>
                       </a:solidFill>
                     </a:lnT>
-                    <a:lnB w="9360">
-                      <a:solidFill>
-                        <a:srgbClr val="9e9e9e"/>
+                    <a:lnB w="720">
+                      <a:solidFill>
+                        <a:srgbClr val="ffffff"/>
                       </a:solidFill>
                     </a:lnB>
-                    <a:noFill/>
+                    <a:solidFill>
+                      <a:srgbClr val="ffcc99"/>
+                    </a:solidFill>
                   </a:tcPr>
                 </a:tc>
               </a:tr>
               <a:tr h="519480">
                 <a:tc>
-                  <a:tcPr marL="91080" marR="91080">
-                    <a:lnL w="9360">
-                      <a:solidFill>
-                        <a:srgbClr val="9e9e9e"/>
+                  <a:tcPr marL="90000" marR="90000">
+                    <a:lnL w="720">
+                      <a:solidFill>
+                        <a:srgbClr val="ffffff"/>
                       </a:solidFill>
                     </a:lnL>
-                    <a:lnR w="9360">
-                      <a:solidFill>
-                        <a:srgbClr val="9e9e9e"/>
+                    <a:lnR w="720">
+                      <a:solidFill>
+                        <a:srgbClr val="ffffff"/>
                       </a:solidFill>
                     </a:lnR>
-                    <a:lnT w="9360">
-                      <a:solidFill>
-                        <a:srgbClr val="9e9e9e"/>
+                    <a:lnT w="720">
+                      <a:solidFill>
+                        <a:srgbClr val="ffffff"/>
                       </a:solidFill>
                     </a:lnT>
-                    <a:lnB w="9360">
-                      <a:solidFill>
-                        <a:srgbClr val="9e9e9e"/>
+                    <a:lnB w="720">
+                      <a:solidFill>
+                        <a:srgbClr val="ffffff"/>
                       </a:solidFill>
                     </a:lnB>
-                    <a:noFill/>
+                    <a:solidFill>
+                      <a:srgbClr val="ffff99"/>
+                    </a:solidFill>
                   </a:tcPr>
                 </a:tc>
                 <a:tc>
-                  <a:tcPr marL="91080" marR="91080">
-                    <a:lnL w="9360">
-                      <a:solidFill>
-                        <a:srgbClr val="9e9e9e"/>
+                  <a:tcPr marL="90000" marR="90000">
+                    <a:lnL w="720">
+                      <a:solidFill>
+                        <a:srgbClr val="ffffff"/>
                       </a:solidFill>
                     </a:lnL>
-                    <a:lnR w="9360">
-                      <a:solidFill>
-                        <a:srgbClr val="9e9e9e"/>
+                    <a:lnR w="720">
+                      <a:solidFill>
+                        <a:srgbClr val="ffffff"/>
                       </a:solidFill>
                     </a:lnR>
-                    <a:lnT w="9360">
-                      <a:solidFill>
-                        <a:srgbClr val="9e9e9e"/>
+                    <a:lnT w="720">
+                      <a:solidFill>
+                        <a:srgbClr val="ffffff"/>
                       </a:solidFill>
                     </a:lnT>
-                    <a:lnB w="9360">
-                      <a:solidFill>
-                        <a:srgbClr val="9e9e9e"/>
+                    <a:lnB w="720">
+                      <a:solidFill>
+                        <a:srgbClr val="ffffff"/>
                       </a:solidFill>
                     </a:lnB>
-                    <a:noFill/>
+                    <a:solidFill>
+                      <a:srgbClr val="ffff99"/>
+                    </a:solidFill>
                   </a:tcPr>
                 </a:tc>
                 <a:tc>
-                  <a:tcPr marL="91080" marR="91080">
-                    <a:lnL w="9360">
-                      <a:solidFill>
-                        <a:srgbClr val="9e9e9e"/>
+                  <a:tcPr marL="90000" marR="90000">
+                    <a:lnL w="720">
+                      <a:solidFill>
+                        <a:srgbClr val="ffffff"/>
                       </a:solidFill>
                     </a:lnL>
-                    <a:lnR w="9360">
-                      <a:solidFill>
-                        <a:srgbClr val="9e9e9e"/>
+                    <a:lnR w="720">
+                      <a:solidFill>
+                        <a:srgbClr val="ffffff"/>
                       </a:solidFill>
                     </a:lnR>
-                    <a:lnT w="9360">
-                      <a:solidFill>
-                        <a:srgbClr val="9e9e9e"/>
+                    <a:lnT w="720">
+                      <a:solidFill>
+                        <a:srgbClr val="ffffff"/>
                       </a:solidFill>
                     </a:lnT>
-                    <a:lnB w="9360">
-                      <a:solidFill>
-                        <a:srgbClr val="9e9e9e"/>
+                    <a:lnB w="720">
+                      <a:solidFill>
+                        <a:srgbClr val="ffffff"/>
                       </a:solidFill>
                     </a:lnB>
-                    <a:noFill/>
+                    <a:solidFill>
+                      <a:srgbClr val="ffff99"/>
+                    </a:solidFill>
                   </a:tcPr>
                 </a:tc>
                 <a:tc>
-                  <a:tcPr marL="91080" marR="91080">
-                    <a:lnL w="9360">
-                      <a:solidFill>
-                        <a:srgbClr val="9e9e9e"/>
+                  <a:tcPr marL="90000" marR="90000">
+                    <a:lnL w="720">
+                      <a:solidFill>
+                        <a:srgbClr val="ffffff"/>
                       </a:solidFill>
                     </a:lnL>
-                    <a:lnR w="9360">
-                      <a:solidFill>
-                        <a:srgbClr val="9e9e9e"/>
+                    <a:lnR w="720">
+                      <a:solidFill>
+                        <a:srgbClr val="ffffff"/>
                       </a:solidFill>
                     </a:lnR>
-                    <a:lnT w="9360">
-                      <a:solidFill>
-                        <a:srgbClr val="9e9e9e"/>
+                    <a:lnT w="720">
+                      <a:solidFill>
+                        <a:srgbClr val="ffffff"/>
                       </a:solidFill>
                     </a:lnT>
-                    <a:lnB w="9360">
-                      <a:solidFill>
-                        <a:srgbClr val="9e9e9e"/>
+                    <a:lnB w="720">
+                      <a:solidFill>
+                        <a:srgbClr val="ffffff"/>
                       </a:solidFill>
                     </a:lnB>
-                    <a:noFill/>
+                    <a:solidFill>
+                      <a:srgbClr val="ffff99"/>
+                    </a:solidFill>
                   </a:tcPr>
                 </a:tc>
                 <a:tc>
-                  <a:tcPr marL="91080" marR="91080">
-                    <a:lnL w="9360">
-                      <a:solidFill>
-                        <a:srgbClr val="9e9e9e"/>
+                  <a:tcPr marL="90000" marR="90000">
+                    <a:lnL w="720">
+                      <a:solidFill>
+                        <a:srgbClr val="ffffff"/>
                       </a:solidFill>
                     </a:lnL>
-                    <a:lnR w="9360">
-                      <a:solidFill>
-                        <a:srgbClr val="9e9e9e"/>
+                    <a:lnR w="720">
+                      <a:solidFill>
+                        <a:srgbClr val="ffffff"/>
                       </a:solidFill>
                     </a:lnR>
-                    <a:lnT w="9360">
-                      <a:solidFill>
-                        <a:srgbClr val="9e9e9e"/>
+                    <a:lnT w="720">
+                      <a:solidFill>
+                        <a:srgbClr val="ffffff"/>
                       </a:solidFill>
                     </a:lnT>
-                    <a:lnB w="9360">
-                      <a:solidFill>
-                        <a:srgbClr val="9e9e9e"/>
+                    <a:lnB w="720">
+                      <a:solidFill>
+                        <a:srgbClr val="ffffff"/>
                       </a:solidFill>
                     </a:lnB>
-                    <a:noFill/>
+                    <a:solidFill>
+                      <a:srgbClr val="ffff99"/>
+                    </a:solidFill>
                   </a:tcPr>
                 </a:tc>
               </a:tr>
               <a:tr h="519480">
                 <a:tc>
-                  <a:tcPr marL="91080" marR="91080">
-                    <a:lnL w="9360">
-                      <a:solidFill>
-                        <a:srgbClr val="9e9e9e"/>
+                  <a:tcPr marL="90000" marR="90000">
+                    <a:lnL w="720">
+                      <a:solidFill>
+                        <a:srgbClr val="ffffff"/>
                       </a:solidFill>
                     </a:lnL>
-                    <a:lnR w="9360">
-                      <a:solidFill>
-                        <a:srgbClr val="9e9e9e"/>
+                    <a:lnR w="720">
+                      <a:solidFill>
+                        <a:srgbClr val="ffffff"/>
                       </a:solidFill>
                     </a:lnR>
-                    <a:lnT w="9360">
-                      <a:solidFill>
-                        <a:srgbClr val="9e9e9e"/>
+                    <a:lnT w="720">
+                      <a:solidFill>
+                        <a:srgbClr val="ffffff"/>
                       </a:solidFill>
                     </a:lnT>
-                    <a:lnB w="9360">
-                      <a:solidFill>
-                        <a:srgbClr val="9e9e9e"/>
+                    <a:lnB w="720">
+                      <a:solidFill>
+                        <a:srgbClr val="ffffff"/>
                       </a:solidFill>
                     </a:lnB>
-                    <a:noFill/>
+                    <a:solidFill>
+                      <a:srgbClr val="ffffcc"/>
+                    </a:solidFill>
                   </a:tcPr>
                 </a:tc>
                 <a:tc>
-                  <a:tcPr marL="91080" marR="91080">
-                    <a:lnL w="9360">
-                      <a:solidFill>
-                        <a:srgbClr val="9e9e9e"/>
+                  <a:tcPr marL="90000" marR="90000">
+                    <a:lnL w="720">
+                      <a:solidFill>
+                        <a:srgbClr val="ffffff"/>
                       </a:solidFill>
                     </a:lnL>
-                    <a:lnR w="9360">
-                      <a:solidFill>
-                        <a:srgbClr val="9e9e9e"/>
+                    <a:lnR w="720">
+                      <a:solidFill>
+                        <a:srgbClr val="ffffff"/>
                       </a:solidFill>
                     </a:lnR>
-                    <a:lnT w="9360">
-                      <a:solidFill>
-                        <a:srgbClr val="9e9e9e"/>
+                    <a:lnT w="720">
+                      <a:solidFill>
+                        <a:srgbClr val="ffffff"/>
                       </a:solidFill>
                     </a:lnT>
-                    <a:lnB w="9360">
-                      <a:solidFill>
-                        <a:srgbClr val="9e9e9e"/>
+                    <a:lnB w="720">
+                      <a:solidFill>
+                        <a:srgbClr val="ffffff"/>
                       </a:solidFill>
                     </a:lnB>
-                    <a:noFill/>
+                    <a:solidFill>
+                      <a:srgbClr val="ffffcc"/>
+                    </a:solidFill>
                   </a:tcPr>
                 </a:tc>
                 <a:tc>
-                  <a:tcPr marL="91080" marR="91080">
-                    <a:lnL w="9360">
-                      <a:solidFill>
-                        <a:srgbClr val="9e9e9e"/>
+                  <a:tcPr marL="90000" marR="90000">
+                    <a:lnL w="720">
+                      <a:solidFill>
+                        <a:srgbClr val="ffffff"/>
                       </a:solidFill>
                     </a:lnL>
-                    <a:lnR w="9360">
-                      <a:solidFill>
-                        <a:srgbClr val="9e9e9e"/>
+                    <a:lnR w="720">
+                      <a:solidFill>
+                        <a:srgbClr val="ffffff"/>
                       </a:solidFill>
                     </a:lnR>
-                    <a:lnT w="9360">
-                      <a:solidFill>
-                        <a:srgbClr val="9e9e9e"/>
+                    <a:lnT w="720">
+                      <a:solidFill>
+                        <a:srgbClr val="ffffff"/>
                       </a:solidFill>
                     </a:lnT>
-                    <a:lnB w="9360">
-                      <a:solidFill>
-                        <a:srgbClr val="9e9e9e"/>
+                    <a:lnB w="720">
+                      <a:solidFill>
+                        <a:srgbClr val="ffffff"/>
                       </a:solidFill>
                     </a:lnB>
-                    <a:noFill/>
+                    <a:solidFill>
+                      <a:srgbClr val="ffffcc"/>
+                    </a:solidFill>
                   </a:tcPr>
                 </a:tc>
                 <a:tc>
-                  <a:tcPr marL="91080" marR="91080">
-                    <a:lnL w="9360">
-                      <a:solidFill>
-                        <a:srgbClr val="9e9e9e"/>
+                  <a:tcPr marL="90000" marR="90000">
+                    <a:lnL w="720">
+                      <a:solidFill>
+                        <a:srgbClr val="ffffff"/>
                       </a:solidFill>
                     </a:lnL>
-                    <a:lnR w="9360">
-                      <a:solidFill>
-                        <a:srgbClr val="9e9e9e"/>
+                    <a:lnR w="720">
+                      <a:solidFill>
+                        <a:srgbClr val="ffffff"/>
                       </a:solidFill>
                     </a:lnR>
-                    <a:lnT w="9360">
-                      <a:solidFill>
-                        <a:srgbClr val="9e9e9e"/>
+                    <a:lnT w="720">
+                      <a:solidFill>
+                        <a:srgbClr val="ffffff"/>
                       </a:solidFill>
                     </a:lnT>
-                    <a:lnB w="9360">
-                      <a:solidFill>
-                        <a:srgbClr val="9e9e9e"/>
+                    <a:lnB w="720">
+                      <a:solidFill>
+                        <a:srgbClr val="ffffff"/>
                       </a:solidFill>
                     </a:lnB>
-                    <a:noFill/>
+                    <a:solidFill>
+                      <a:srgbClr val="ffffcc"/>
+                    </a:solidFill>
                   </a:tcPr>
                 </a:tc>
                 <a:tc>
-                  <a:tcPr marL="91080" marR="91080">
-                    <a:lnL w="9360">
-                      <a:solidFill>
-                        <a:srgbClr val="9e9e9e"/>
+                  <a:tcPr marL="90000" marR="90000">
+                    <a:lnL w="720">
+                      <a:solidFill>
+                        <a:srgbClr val="ffffff"/>
                       </a:solidFill>
                     </a:lnL>
-                    <a:lnR w="9360">
-                      <a:solidFill>
-                        <a:srgbClr val="9e9e9e"/>
+                    <a:lnR w="720">
+                      <a:solidFill>
+                        <a:srgbClr val="ffffff"/>
                       </a:solidFill>
                     </a:lnR>
-                    <a:lnT w="9360">
-                      <a:solidFill>
-                        <a:srgbClr val="9e9e9e"/>
+                    <a:lnT w="720">
+                      <a:solidFill>
+                        <a:srgbClr val="ffffff"/>
                       </a:solidFill>
                     </a:lnT>
-                    <a:lnB w="9360">
-                      <a:solidFill>
-                        <a:srgbClr val="9e9e9e"/>
+                    <a:lnB w="720">
+                      <a:solidFill>
+                        <a:srgbClr val="ffffff"/>
                       </a:solidFill>
                     </a:lnB>
-                    <a:noFill/>
+                    <a:solidFill>
+                      <a:srgbClr val="ffffcc"/>
+                    </a:solidFill>
                   </a:tcPr>
                 </a:tc>
               </a:tr>
               <a:tr h="519480">
                 <a:tc>
-                  <a:tcPr marL="91080" marR="91080">
-                    <a:lnL w="9360">
-                      <a:solidFill>
-                        <a:srgbClr val="9e9e9e"/>
+                  <a:tcPr marL="90000" marR="90000">
+                    <a:lnL w="720">
+                      <a:solidFill>
+                        <a:srgbClr val="ffffff"/>
                       </a:solidFill>
                     </a:lnL>
-                    <a:lnR w="9360">
-                      <a:solidFill>
-                        <a:srgbClr val="9e9e9e"/>
+                    <a:lnR w="720">
+                      <a:solidFill>
+                        <a:srgbClr val="ffffff"/>
                       </a:solidFill>
                     </a:lnR>
-                    <a:lnT w="9360">
-                      <a:solidFill>
-                        <a:srgbClr val="9e9e9e"/>
+                    <a:lnT w="720">
+                      <a:solidFill>
+                        <a:srgbClr val="ffffff"/>
                       </a:solidFill>
                     </a:lnT>
-                    <a:lnB w="9360">
-                      <a:solidFill>
-                        <a:srgbClr val="9e9e9e"/>
+                    <a:lnB w="720">
+                      <a:solidFill>
+                        <a:srgbClr val="ffffff"/>
                       </a:solidFill>
                     </a:lnB>
-                    <a:noFill/>
+                    <a:solidFill>
+                      <a:srgbClr val="ffff99"/>
+                    </a:solidFill>
                   </a:tcPr>
                 </a:tc>
                 <a:tc>
-                  <a:tcPr marL="91080" marR="91080">
-                    <a:lnL w="9360">
-                      <a:solidFill>
-                        <a:srgbClr val="9e9e9e"/>
+                  <a:tcPr marL="90000" marR="90000">
+                    <a:lnL w="720">
+                      <a:solidFill>
+                        <a:srgbClr val="ffffff"/>
                       </a:solidFill>
                     </a:lnL>
-                    <a:lnR w="9360">
-                      <a:solidFill>
-                        <a:srgbClr val="9e9e9e"/>
+                    <a:lnR w="720">
+                      <a:solidFill>
+                        <a:srgbClr val="ffffff"/>
                       </a:solidFill>
                     </a:lnR>
-                    <a:lnT w="9360">
-                      <a:solidFill>
-                        <a:srgbClr val="9e9e9e"/>
+                    <a:lnT w="720">
+                      <a:solidFill>
+                        <a:srgbClr val="ffffff"/>
                       </a:solidFill>
                     </a:lnT>
-                    <a:lnB w="9360">
-                      <a:solidFill>
-                        <a:srgbClr val="9e9e9e"/>
+                    <a:lnB w="720">
+                      <a:solidFill>
+                        <a:srgbClr val="ffffff"/>
                       </a:solidFill>
                     </a:lnB>
-                    <a:noFill/>
+                    <a:solidFill>
+                      <a:srgbClr val="ffff99"/>
+                    </a:solidFill>
                   </a:tcPr>
                 </a:tc>
                 <a:tc>
-                  <a:tcPr marL="91080" marR="91080">
-                    <a:lnL w="9360">
-                      <a:solidFill>
-                        <a:srgbClr val="9e9e9e"/>
+                  <a:tcPr marL="90000" marR="90000">
+                    <a:lnL w="720">
+                      <a:solidFill>
+                        <a:srgbClr val="ffffff"/>
                       </a:solidFill>
                     </a:lnL>
-                    <a:lnR w="9360">
-                      <a:solidFill>
-                        <a:srgbClr val="9e9e9e"/>
+                    <a:lnR w="720">
+                      <a:solidFill>
+                        <a:srgbClr val="ffffff"/>
                       </a:solidFill>
                     </a:lnR>
-                    <a:lnT w="9360">
-                      <a:solidFill>
-                        <a:srgbClr val="9e9e9e"/>
+                    <a:lnT w="720">
+                      <a:solidFill>
+                        <a:srgbClr val="ffffff"/>
                       </a:solidFill>
                     </a:lnT>
-                    <a:lnB w="9360">
-                      <a:solidFill>
-                        <a:srgbClr val="9e9e9e"/>
+                    <a:lnB w="720">
+                      <a:solidFill>
+                        <a:srgbClr val="ffffff"/>
                       </a:solidFill>
                     </a:lnB>
-                    <a:noFill/>
+                    <a:solidFill>
+                      <a:srgbClr val="ffff99"/>
+                    </a:solidFill>
                   </a:tcPr>
                 </a:tc>
                 <a:tc>
-                  <a:tcPr marL="91080" marR="91080">
-                    <a:lnL w="9360">
-                      <a:solidFill>
-                        <a:srgbClr val="9e9e9e"/>
+                  <a:tcPr marL="90000" marR="90000">
+                    <a:lnL w="720">
+                      <a:solidFill>
+                        <a:srgbClr val="ffffff"/>
                       </a:solidFill>
                     </a:lnL>
-                    <a:lnR w="9360">
-                      <a:solidFill>
-                        <a:srgbClr val="9e9e9e"/>
+                    <a:lnR w="720">
+                      <a:solidFill>
+                        <a:srgbClr val="ffffff"/>
                       </a:solidFill>
                     </a:lnR>
-                    <a:lnT w="9360">
-                      <a:solidFill>
-                        <a:srgbClr val="9e9e9e"/>
+                    <a:lnT w="720">
+                      <a:solidFill>
+                        <a:srgbClr val="ffffff"/>
                       </a:solidFill>
                     </a:lnT>
-                    <a:lnB w="9360">
-                      <a:solidFill>
-                        <a:srgbClr val="9e9e9e"/>
+                    <a:lnB w="720">
+                      <a:solidFill>
+                        <a:srgbClr val="ffffff"/>
                       </a:solidFill>
                     </a:lnB>
-                    <a:noFill/>
+                    <a:solidFill>
+                      <a:srgbClr val="ffff99"/>
+                    </a:solidFill>
                   </a:tcPr>
                 </a:tc>
                 <a:tc>
-                  <a:tcPr marL="91080" marR="91080">
-                    <a:lnL w="9360">
-                      <a:solidFill>
-                        <a:srgbClr val="9e9e9e"/>
+                  <a:tcPr marL="90000" marR="90000">
+                    <a:lnL w="720">
+                      <a:solidFill>
+                        <a:srgbClr val="ffffff"/>
                       </a:solidFill>
                     </a:lnL>
-                    <a:lnR w="9360">
-                      <a:solidFill>
-                        <a:srgbClr val="9e9e9e"/>
+                    <a:lnR w="720">
+                      <a:solidFill>
+                        <a:srgbClr val="ffffff"/>
                       </a:solidFill>
                     </a:lnR>
-                    <a:lnT w="9360">
-                      <a:solidFill>
-                        <a:srgbClr val="9e9e9e"/>
+                    <a:lnT w="720">
+                      <a:solidFill>
+                        <a:srgbClr val="ffffff"/>
                       </a:solidFill>
                     </a:lnT>
-                    <a:lnB w="9360">
-                      <a:solidFill>
-                        <a:srgbClr val="9e9e9e"/>
+                    <a:lnB w="720">
+                      <a:solidFill>
+                        <a:srgbClr val="ffffff"/>
                       </a:solidFill>
                     </a:lnB>
-                    <a:noFill/>
+                    <a:solidFill>
+                      <a:srgbClr val="ffff99"/>
+                    </a:solidFill>
                   </a:tcPr>
                 </a:tc>
               </a:tr>
@@ -4962,7 +5094,7 @@
         <p:spPr>
           <a:xfrm>
             <a:off x="311760" y="444960"/>
-            <a:ext cx="8505720" cy="558000"/>
+            <a:ext cx="8504640" cy="556920"/>
           </a:xfrm>
           <a:prstGeom prst="rect">
             <a:avLst/>
@@ -4996,7 +5128,7 @@
                 <a:latin typeface="Arial"/>
                 <a:ea typeface="Arial"/>
               </a:rPr>
-              <a:t>+++INS table_name +++</a:t>
+              <a:t>+++INS table_name_row +++</a:t>
             </a:r>
             <a:endParaRPr b="0" lang="en-US" sz="2800" spc="-1" strike="noStrike">
               <a:latin typeface="Arial"/>
@@ -5013,7 +5145,7 @@
         <p:spPr>
           <a:xfrm>
             <a:off x="311760" y="1152360"/>
-            <a:ext cx="8505720" cy="3401640"/>
+            <a:ext cx="8504640" cy="3400560"/>
           </a:xfrm>
           <a:prstGeom prst="rect">
             <a:avLst/>
@@ -5050,7 +5182,7 @@
                 <a:latin typeface="Arial"/>
                 <a:ea typeface="Arial"/>
               </a:rPr>
-              <a:t>+++IF ((not TABLE_1_ROW_3_PRESENT))&lt;&lt; +++TABLE_ROW_REMOVE ROW_ID_3 +++ &gt;&gt;IF-END+++</a:t>
+              <a:t>+++IF ((not table_1_row_3_present))&lt;&lt; +++TABLE_ROW_REMOVE ROW_ID_3 +++ &gt;&gt;IF-END+++</a:t>
             </a:r>
             <a:br/>
             <a:endParaRPr b="0" lang="en-US" sz="1800" spc="-1" strike="noStrike">
@@ -5083,7 +5215,7 @@
               <a:tr h="519480">
                 <a:tc>
                   <a:txBody>
-                    <a:bodyPr lIns="91080" rIns="91080"/>
+                    <a:bodyPr lIns="90000" rIns="90000"/>
                     <a:p>
                       <a:pPr>
                         <a:lnSpc>
@@ -5091,47 +5223,49 @@
                         </a:lnSpc>
                       </a:pPr>
                       <a:r>
-                        <a:rPr b="0" lang="en-US" sz="1800" spc="-1" strike="noStrike">
+                        <a:rPr b="1" lang="en-US" sz="1800" spc="-1" strike="noStrike">
                           <a:solidFill>
-                            <a:srgbClr val="595959"/>
+                            <a:srgbClr val="000000"/>
                           </a:solidFill>
                           <a:latin typeface="Arial"/>
                           <a:ea typeface="Arial"/>
                         </a:rPr>
-                        <a:t>11</a:t>
+                        <a:t>Header 1</a:t>
                       </a:r>
                       <a:endParaRPr b="0" lang="en-US" sz="1800" spc="-1" strike="noStrike">
                         <a:latin typeface="Arial"/>
                       </a:endParaRPr>
                     </a:p>
                   </a:txBody>
-                  <a:tcPr marL="91080" marR="91080">
-                    <a:lnL w="9360">
-                      <a:solidFill>
-                        <a:srgbClr val="9e9e9e"/>
+                  <a:tcPr marL="90000" marR="90000">
+                    <a:lnL w="720">
+                      <a:solidFill>
+                        <a:srgbClr val="ffffff"/>
                       </a:solidFill>
                     </a:lnL>
-                    <a:lnR w="9360">
-                      <a:solidFill>
-                        <a:srgbClr val="9e9e9e"/>
+                    <a:lnR w="720">
+                      <a:solidFill>
+                        <a:srgbClr val="ffffff"/>
                       </a:solidFill>
                     </a:lnR>
-                    <a:lnT w="9360">
-                      <a:solidFill>
-                        <a:srgbClr val="9e9e9e"/>
+                    <a:lnT w="720">
+                      <a:solidFill>
+                        <a:srgbClr val="ffffff"/>
                       </a:solidFill>
                     </a:lnT>
-                    <a:lnB w="9360">
-                      <a:solidFill>
-                        <a:srgbClr val="9e9e9e"/>
+                    <a:lnB w="720">
+                      <a:solidFill>
+                        <a:srgbClr val="ffffff"/>
                       </a:solidFill>
                     </a:lnB>
-                    <a:noFill/>
+                    <a:solidFill>
+                      <a:srgbClr val="198a8a"/>
+                    </a:solidFill>
                   </a:tcPr>
                 </a:tc>
                 <a:tc>
                   <a:txBody>
-                    <a:bodyPr lIns="91080" rIns="91080"/>
+                    <a:bodyPr lIns="90000" rIns="90000"/>
                     <a:p>
                       <a:pPr>
                         <a:lnSpc>
@@ -5139,43 +5273,49 @@
                         </a:lnSpc>
                       </a:pPr>
                       <a:r>
-                        <a:rPr b="0" lang="en-US" sz="2400" spc="-1" strike="noStrike">
-                          <a:latin typeface="Times New Roman"/>
+                        <a:rPr b="1" lang="en-US" sz="1800" spc="-1" strike="noStrike">
+                          <a:solidFill>
+                            <a:srgbClr val="000000"/>
+                          </a:solidFill>
+                          <a:latin typeface="Arial"/>
+                          <a:ea typeface="Arial"/>
                         </a:rPr>
-                        <a:t>2</a:t>
+                        <a:t>Header 2</a:t>
                       </a:r>
-                      <a:endParaRPr b="0" lang="en-US" sz="2400" spc="-1" strike="noStrike">
+                      <a:endParaRPr b="0" lang="en-US" sz="1800" spc="-1" strike="noStrike">
                         <a:latin typeface="Arial"/>
                       </a:endParaRPr>
                     </a:p>
                   </a:txBody>
-                  <a:tcPr marL="91080" marR="91080">
-                    <a:lnL w="9360">
-                      <a:solidFill>
-                        <a:srgbClr val="9e9e9e"/>
+                  <a:tcPr marL="90000" marR="90000">
+                    <a:lnL w="720">
+                      <a:solidFill>
+                        <a:srgbClr val="ffffff"/>
                       </a:solidFill>
                     </a:lnL>
-                    <a:lnR w="9360">
-                      <a:solidFill>
-                        <a:srgbClr val="9e9e9e"/>
+                    <a:lnR w="720">
+                      <a:solidFill>
+                        <a:srgbClr val="ffffff"/>
                       </a:solidFill>
                     </a:lnR>
-                    <a:lnT w="9360">
-                      <a:solidFill>
-                        <a:srgbClr val="9e9e9e"/>
+                    <a:lnT w="720">
+                      <a:solidFill>
+                        <a:srgbClr val="ffffff"/>
                       </a:solidFill>
                     </a:lnT>
-                    <a:lnB w="9360">
-                      <a:solidFill>
-                        <a:srgbClr val="9e9e9e"/>
+                    <a:lnB w="720">
+                      <a:solidFill>
+                        <a:srgbClr val="ffffff"/>
                       </a:solidFill>
                     </a:lnB>
-                    <a:noFill/>
+                    <a:solidFill>
+                      <a:srgbClr val="198a8a"/>
+                    </a:solidFill>
                   </a:tcPr>
                 </a:tc>
                 <a:tc>
                   <a:txBody>
-                    <a:bodyPr lIns="91080" rIns="91080"/>
+                    <a:bodyPr lIns="90000" rIns="90000"/>
                     <a:p>
                       <a:pPr>
                         <a:lnSpc>
@@ -5183,43 +5323,49 @@
                         </a:lnSpc>
                       </a:pPr>
                       <a:r>
-                        <a:rPr b="0" lang="en-US" sz="2400" spc="-1" strike="noStrike">
-                          <a:latin typeface="Times New Roman"/>
+                        <a:rPr b="1" lang="en-US" sz="1800" spc="-1" strike="noStrike">
+                          <a:solidFill>
+                            <a:srgbClr val="000000"/>
+                          </a:solidFill>
+                          <a:latin typeface="Arial"/>
+                          <a:ea typeface="Arial"/>
                         </a:rPr>
-                        <a:t>3</a:t>
+                        <a:t>Header 3</a:t>
                       </a:r>
-                      <a:endParaRPr b="0" lang="en-US" sz="2400" spc="-1" strike="noStrike">
+                      <a:endParaRPr b="0" lang="en-US" sz="1800" spc="-1" strike="noStrike">
                         <a:latin typeface="Arial"/>
                       </a:endParaRPr>
                     </a:p>
                   </a:txBody>
-                  <a:tcPr marL="91080" marR="91080">
-                    <a:lnL w="9360">
-                      <a:solidFill>
-                        <a:srgbClr val="9e9e9e"/>
+                  <a:tcPr marL="90000" marR="90000">
+                    <a:lnL w="720">
+                      <a:solidFill>
+                        <a:srgbClr val="ffffff"/>
                       </a:solidFill>
                     </a:lnL>
-                    <a:lnR w="9360">
-                      <a:solidFill>
-                        <a:srgbClr val="9e9e9e"/>
+                    <a:lnR w="720">
+                      <a:solidFill>
+                        <a:srgbClr val="ffffff"/>
                       </a:solidFill>
                     </a:lnR>
-                    <a:lnT w="9360">
-                      <a:solidFill>
-                        <a:srgbClr val="9e9e9e"/>
+                    <a:lnT w="720">
+                      <a:solidFill>
+                        <a:srgbClr val="ffffff"/>
                       </a:solidFill>
                     </a:lnT>
-                    <a:lnB w="9360">
-                      <a:solidFill>
-                        <a:srgbClr val="9e9e9e"/>
+                    <a:lnB w="720">
+                      <a:solidFill>
+                        <a:srgbClr val="ffffff"/>
                       </a:solidFill>
                     </a:lnB>
-                    <a:noFill/>
+                    <a:solidFill>
+                      <a:srgbClr val="198a8a"/>
+                    </a:solidFill>
                   </a:tcPr>
                 </a:tc>
                 <a:tc>
                   <a:txBody>
-                    <a:bodyPr lIns="91080" rIns="91080"/>
+                    <a:bodyPr lIns="90000" rIns="90000"/>
                     <a:p>
                       <a:pPr>
                         <a:lnSpc>
@@ -5227,43 +5373,49 @@
                         </a:lnSpc>
                       </a:pPr>
                       <a:r>
-                        <a:rPr b="0" lang="en-US" sz="2400" spc="-1" strike="noStrike">
-                          <a:latin typeface="Times New Roman"/>
+                        <a:rPr b="1" lang="en-US" sz="1800" spc="-1" strike="noStrike">
+                          <a:solidFill>
+                            <a:srgbClr val="000000"/>
+                          </a:solidFill>
+                          <a:latin typeface="Arial"/>
+                          <a:ea typeface="Arial"/>
                         </a:rPr>
-                        <a:t>4</a:t>
+                        <a:t>Header 4</a:t>
                       </a:r>
-                      <a:endParaRPr b="0" lang="en-US" sz="2400" spc="-1" strike="noStrike">
+                      <a:endParaRPr b="0" lang="en-US" sz="1800" spc="-1" strike="noStrike">
                         <a:latin typeface="Arial"/>
                       </a:endParaRPr>
                     </a:p>
                   </a:txBody>
-                  <a:tcPr marL="91080" marR="91080">
-                    <a:lnL w="9360">
-                      <a:solidFill>
-                        <a:srgbClr val="9e9e9e"/>
+                  <a:tcPr marL="90000" marR="90000">
+                    <a:lnL w="720">
+                      <a:solidFill>
+                        <a:srgbClr val="ffffff"/>
                       </a:solidFill>
                     </a:lnL>
-                    <a:lnR w="9360">
-                      <a:solidFill>
-                        <a:srgbClr val="9e9e9e"/>
+                    <a:lnR w="720">
+                      <a:solidFill>
+                        <a:srgbClr val="ffffff"/>
                       </a:solidFill>
                     </a:lnR>
-                    <a:lnT w="9360">
-                      <a:solidFill>
-                        <a:srgbClr val="9e9e9e"/>
+                    <a:lnT w="720">
+                      <a:solidFill>
+                        <a:srgbClr val="ffffff"/>
                       </a:solidFill>
                     </a:lnT>
-                    <a:lnB w="9360">
-                      <a:solidFill>
-                        <a:srgbClr val="9e9e9e"/>
+                    <a:lnB w="720">
+                      <a:solidFill>
+                        <a:srgbClr val="ffffff"/>
                       </a:solidFill>
                     </a:lnB>
-                    <a:noFill/>
+                    <a:solidFill>
+                      <a:srgbClr val="198a8a"/>
+                    </a:solidFill>
                   </a:tcPr>
                 </a:tc>
                 <a:tc>
                   <a:txBody>
-                    <a:bodyPr lIns="91080" rIns="91080"/>
+                    <a:bodyPr lIns="90000" rIns="90000"/>
                     <a:p>
                       <a:pPr>
                         <a:lnSpc>
@@ -5271,45 +5423,51 @@
                         </a:lnSpc>
                       </a:pPr>
                       <a:r>
-                        <a:rPr b="0" lang="en-US" sz="2400" spc="-1" strike="noStrike">
-                          <a:latin typeface="Times New Roman"/>
+                        <a:rPr b="1" lang="en-US" sz="1800" spc="-1" strike="noStrike">
+                          <a:solidFill>
+                            <a:srgbClr val="000000"/>
+                          </a:solidFill>
+                          <a:latin typeface="Arial"/>
+                          <a:ea typeface="Arial"/>
                         </a:rPr>
-                        <a:t>5</a:t>
+                        <a:t>Header 5</a:t>
                       </a:r>
-                      <a:endParaRPr b="0" lang="en-US" sz="2400" spc="-1" strike="noStrike">
+                      <a:endParaRPr b="0" lang="en-US" sz="1800" spc="-1" strike="noStrike">
                         <a:latin typeface="Arial"/>
                       </a:endParaRPr>
                     </a:p>
                   </a:txBody>
-                  <a:tcPr marL="91080" marR="91080">
-                    <a:lnL w="9360">
-                      <a:solidFill>
-                        <a:srgbClr val="9e9e9e"/>
+                  <a:tcPr marL="90000" marR="90000">
+                    <a:lnL w="720">
+                      <a:solidFill>
+                        <a:srgbClr val="ffffff"/>
                       </a:solidFill>
                     </a:lnL>
-                    <a:lnR w="9360">
-                      <a:solidFill>
-                        <a:srgbClr val="9e9e9e"/>
+                    <a:lnR w="720">
+                      <a:solidFill>
+                        <a:srgbClr val="ffffff"/>
                       </a:solidFill>
                     </a:lnR>
-                    <a:lnT w="9360">
-                      <a:solidFill>
-                        <a:srgbClr val="9e9e9e"/>
+                    <a:lnT w="720">
+                      <a:solidFill>
+                        <a:srgbClr val="ffffff"/>
                       </a:solidFill>
                     </a:lnT>
-                    <a:lnB w="9360">
-                      <a:solidFill>
-                        <a:srgbClr val="9e9e9e"/>
+                    <a:lnB w="720">
+                      <a:solidFill>
+                        <a:srgbClr val="ffffff"/>
                       </a:solidFill>
                     </a:lnB>
-                    <a:noFill/>
+                    <a:solidFill>
+                      <a:srgbClr val="198a8a"/>
+                    </a:solidFill>
                   </a:tcPr>
                 </a:tc>
               </a:tr>
               <a:tr h="519480">
                 <a:tc>
                   <a:txBody>
-                    <a:bodyPr lIns="91080" rIns="91080"/>
+                    <a:bodyPr lIns="90000" rIns="90000"/>
                     <a:p>
                       <a:pPr>
                         <a:lnSpc>
@@ -5327,33 +5485,35 @@
                       </a:endParaRPr>
                     </a:p>
                   </a:txBody>
-                  <a:tcPr marL="91080" marR="91080">
-                    <a:lnL w="9360">
-                      <a:solidFill>
-                        <a:srgbClr val="9e9e9e"/>
+                  <a:tcPr marL="90000" marR="90000">
+                    <a:lnL w="720">
+                      <a:solidFill>
+                        <a:srgbClr val="ffffff"/>
                       </a:solidFill>
                     </a:lnL>
-                    <a:lnR w="9360">
-                      <a:solidFill>
-                        <a:srgbClr val="9e9e9e"/>
+                    <a:lnR w="720">
+                      <a:solidFill>
+                        <a:srgbClr val="ffffff"/>
                       </a:solidFill>
                     </a:lnR>
-                    <a:lnT w="9360">
-                      <a:solidFill>
-                        <a:srgbClr val="9e9e9e"/>
+                    <a:lnT w="720">
+                      <a:solidFill>
+                        <a:srgbClr val="ffffff"/>
                       </a:solidFill>
                     </a:lnT>
-                    <a:lnB w="9360">
-                      <a:solidFill>
-                        <a:srgbClr val="9e9e9e"/>
+                    <a:lnB w="720">
+                      <a:solidFill>
+                        <a:srgbClr val="ffffff"/>
                       </a:solidFill>
                     </a:lnB>
-                    <a:noFill/>
+                    <a:solidFill>
+                      <a:srgbClr val="33a3a3"/>
+                    </a:solidFill>
                   </a:tcPr>
                 </a:tc>
                 <a:tc>
                   <a:txBody>
-                    <a:bodyPr lIns="91080" rIns="91080"/>
+                    <a:bodyPr lIns="90000" rIns="90000"/>
                     <a:p>
                       <a:pPr>
                         <a:lnSpc>
@@ -5371,33 +5531,35 @@
                       </a:endParaRPr>
                     </a:p>
                   </a:txBody>
-                  <a:tcPr marL="91080" marR="91080">
-                    <a:lnL w="9360">
-                      <a:solidFill>
-                        <a:srgbClr val="9e9e9e"/>
+                  <a:tcPr marL="90000" marR="90000">
+                    <a:lnL w="720">
+                      <a:solidFill>
+                        <a:srgbClr val="ffffff"/>
                       </a:solidFill>
                     </a:lnL>
-                    <a:lnR w="9360">
-                      <a:solidFill>
-                        <a:srgbClr val="9e9e9e"/>
+                    <a:lnR w="720">
+                      <a:solidFill>
+                        <a:srgbClr val="ffffff"/>
                       </a:solidFill>
                     </a:lnR>
-                    <a:lnT w="9360">
-                      <a:solidFill>
-                        <a:srgbClr val="9e9e9e"/>
+                    <a:lnT w="720">
+                      <a:solidFill>
+                        <a:srgbClr val="ffffff"/>
                       </a:solidFill>
                     </a:lnT>
-                    <a:lnB w="9360">
-                      <a:solidFill>
-                        <a:srgbClr val="9e9e9e"/>
+                    <a:lnB w="720">
+                      <a:solidFill>
+                        <a:srgbClr val="ffffff"/>
                       </a:solidFill>
                     </a:lnB>
-                    <a:noFill/>
+                    <a:solidFill>
+                      <a:srgbClr val="33a3a3"/>
+                    </a:solidFill>
                   </a:tcPr>
                 </a:tc>
                 <a:tc>
                   <a:txBody>
-                    <a:bodyPr lIns="91080" rIns="91080"/>
+                    <a:bodyPr lIns="90000" rIns="90000"/>
                     <a:p>
                       <a:pPr>
                         <a:lnSpc>
@@ -5415,33 +5577,35 @@
                       </a:endParaRPr>
                     </a:p>
                   </a:txBody>
-                  <a:tcPr marL="91080" marR="91080">
-                    <a:lnL w="9360">
-                      <a:solidFill>
-                        <a:srgbClr val="9e9e9e"/>
+                  <a:tcPr marL="90000" marR="90000">
+                    <a:lnL w="720">
+                      <a:solidFill>
+                        <a:srgbClr val="ffffff"/>
                       </a:solidFill>
                     </a:lnL>
-                    <a:lnR w="9360">
-                      <a:solidFill>
-                        <a:srgbClr val="9e9e9e"/>
+                    <a:lnR w="720">
+                      <a:solidFill>
+                        <a:srgbClr val="ffffff"/>
                       </a:solidFill>
                     </a:lnR>
-                    <a:lnT w="9360">
-                      <a:solidFill>
-                        <a:srgbClr val="9e9e9e"/>
+                    <a:lnT w="720">
+                      <a:solidFill>
+                        <a:srgbClr val="ffffff"/>
                       </a:solidFill>
                     </a:lnT>
-                    <a:lnB w="9360">
-                      <a:solidFill>
-                        <a:srgbClr val="9e9e9e"/>
+                    <a:lnB w="720">
+                      <a:solidFill>
+                        <a:srgbClr val="ffffff"/>
                       </a:solidFill>
                     </a:lnB>
-                    <a:noFill/>
+                    <a:solidFill>
+                      <a:srgbClr val="33a3a3"/>
+                    </a:solidFill>
                   </a:tcPr>
                 </a:tc>
                 <a:tc>
                   <a:txBody>
-                    <a:bodyPr lIns="91080" rIns="91080"/>
+                    <a:bodyPr lIns="90000" rIns="90000"/>
                     <a:p>
                       <a:pPr>
                         <a:lnSpc>
@@ -5459,33 +5623,35 @@
                       </a:endParaRPr>
                     </a:p>
                   </a:txBody>
-                  <a:tcPr marL="91080" marR="91080">
-                    <a:lnL w="9360">
-                      <a:solidFill>
-                        <a:srgbClr val="9e9e9e"/>
+                  <a:tcPr marL="90000" marR="90000">
+                    <a:lnL w="720">
+                      <a:solidFill>
+                        <a:srgbClr val="ffffff"/>
                       </a:solidFill>
                     </a:lnL>
-                    <a:lnR w="9360">
-                      <a:solidFill>
-                        <a:srgbClr val="9e9e9e"/>
+                    <a:lnR w="720">
+                      <a:solidFill>
+                        <a:srgbClr val="ffffff"/>
                       </a:solidFill>
                     </a:lnR>
-                    <a:lnT w="9360">
-                      <a:solidFill>
-                        <a:srgbClr val="9e9e9e"/>
+                    <a:lnT w="720">
+                      <a:solidFill>
+                        <a:srgbClr val="ffffff"/>
                       </a:solidFill>
                     </a:lnT>
-                    <a:lnB w="9360">
-                      <a:solidFill>
-                        <a:srgbClr val="9e9e9e"/>
+                    <a:lnB w="720">
+                      <a:solidFill>
+                        <a:srgbClr val="ffffff"/>
                       </a:solidFill>
                     </a:lnB>
-                    <a:noFill/>
+                    <a:solidFill>
+                      <a:srgbClr val="33a3a3"/>
+                    </a:solidFill>
                   </a:tcPr>
                 </a:tc>
                 <a:tc>
                   <a:txBody>
-                    <a:bodyPr lIns="91080" rIns="91080"/>
+                    <a:bodyPr lIns="90000" rIns="90000"/>
                     <a:p>
                       <a:pPr>
                         <a:lnSpc>
@@ -5503,35 +5669,37 @@
                       </a:endParaRPr>
                     </a:p>
                   </a:txBody>
-                  <a:tcPr marL="91080" marR="91080">
-                    <a:lnL w="9360">
-                      <a:solidFill>
-                        <a:srgbClr val="9e9e9e"/>
+                  <a:tcPr marL="90000" marR="90000">
+                    <a:lnL w="720">
+                      <a:solidFill>
+                        <a:srgbClr val="ffffff"/>
                       </a:solidFill>
                     </a:lnL>
-                    <a:lnR w="9360">
-                      <a:solidFill>
-                        <a:srgbClr val="9e9e9e"/>
+                    <a:lnR w="720">
+                      <a:solidFill>
+                        <a:srgbClr val="ffffff"/>
                       </a:solidFill>
                     </a:lnR>
-                    <a:lnT w="9360">
-                      <a:solidFill>
-                        <a:srgbClr val="9e9e9e"/>
+                    <a:lnT w="720">
+                      <a:solidFill>
+                        <a:srgbClr val="ffffff"/>
                       </a:solidFill>
                     </a:lnT>
-                    <a:lnB w="9360">
-                      <a:solidFill>
-                        <a:srgbClr val="9e9e9e"/>
+                    <a:lnB w="720">
+                      <a:solidFill>
+                        <a:srgbClr val="ffffff"/>
                       </a:solidFill>
                     </a:lnB>
-                    <a:noFill/>
+                    <a:solidFill>
+                      <a:srgbClr val="33a3a3"/>
+                    </a:solidFill>
                   </a:tcPr>
                 </a:tc>
               </a:tr>
               <a:tr h="519480">
                 <a:tc>
                   <a:txBody>
-                    <a:bodyPr lIns="91080" rIns="91080"/>
+                    <a:bodyPr lIns="90000" rIns="90000"/>
                     <a:p>
                       <a:pPr>
                         <a:lnSpc>
@@ -5541,7 +5709,7 @@
                       <a:r>
                         <a:rPr b="0" lang="en-US" sz="1800" spc="-1" strike="noStrike">
                           <a:solidFill>
-                            <a:srgbClr val="595959"/>
+                            <a:srgbClr val="000000"/>
                           </a:solidFill>
                           <a:latin typeface="Arial"/>
                           <a:ea typeface="Arial"/>
@@ -5553,33 +5721,35 @@
                       </a:endParaRPr>
                     </a:p>
                   </a:txBody>
-                  <a:tcPr marL="91080" marR="91080">
-                    <a:lnL w="9360">
-                      <a:solidFill>
-                        <a:srgbClr val="9e9e9e"/>
+                  <a:tcPr marL="90000" marR="90000">
+                    <a:lnL w="720">
+                      <a:solidFill>
+                        <a:srgbClr val="ffffff"/>
                       </a:solidFill>
                     </a:lnL>
-                    <a:lnR w="9360">
-                      <a:solidFill>
-                        <a:srgbClr val="9e9e9e"/>
+                    <a:lnR w="720">
+                      <a:solidFill>
+                        <a:srgbClr val="ffffff"/>
                       </a:solidFill>
                     </a:lnR>
-                    <a:lnT w="9360">
-                      <a:solidFill>
-                        <a:srgbClr val="9e9e9e"/>
+                    <a:lnT w="720">
+                      <a:solidFill>
+                        <a:srgbClr val="ffffff"/>
                       </a:solidFill>
                     </a:lnT>
-                    <a:lnB w="9360">
-                      <a:solidFill>
-                        <a:srgbClr val="9e9e9e"/>
+                    <a:lnB w="720">
+                      <a:solidFill>
+                        <a:srgbClr val="ffffff"/>
                       </a:solidFill>
                     </a:lnB>
-                    <a:noFill/>
+                    <a:solidFill>
+                      <a:srgbClr val="47b8b8"/>
+                    </a:solidFill>
                   </a:tcPr>
                 </a:tc>
                 <a:tc>
                   <a:txBody>
-                    <a:bodyPr lIns="91080" rIns="91080"/>
+                    <a:bodyPr lIns="90000" rIns="90000"/>
                     <a:p>
                       <a:pPr>
                         <a:lnSpc>
@@ -5597,33 +5767,35 @@
                       </a:endParaRPr>
                     </a:p>
                   </a:txBody>
-                  <a:tcPr marL="91080" marR="91080">
-                    <a:lnL w="9360">
-                      <a:solidFill>
-                        <a:srgbClr val="9e9e9e"/>
+                  <a:tcPr marL="90000" marR="90000">
+                    <a:lnL w="720">
+                      <a:solidFill>
+                        <a:srgbClr val="ffffff"/>
                       </a:solidFill>
                     </a:lnL>
-                    <a:lnR w="9360">
-                      <a:solidFill>
-                        <a:srgbClr val="9e9e9e"/>
+                    <a:lnR w="720">
+                      <a:solidFill>
+                        <a:srgbClr val="ffffff"/>
                       </a:solidFill>
                     </a:lnR>
-                    <a:lnT w="9360">
-                      <a:solidFill>
-                        <a:srgbClr val="9e9e9e"/>
+                    <a:lnT w="720">
+                      <a:solidFill>
+                        <a:srgbClr val="ffffff"/>
                       </a:solidFill>
                     </a:lnT>
-                    <a:lnB w="9360">
-                      <a:solidFill>
-                        <a:srgbClr val="9e9e9e"/>
+                    <a:lnB w="720">
+                      <a:solidFill>
+                        <a:srgbClr val="ffffff"/>
                       </a:solidFill>
                     </a:lnB>
-                    <a:noFill/>
+                    <a:solidFill>
+                      <a:srgbClr val="47b8b8"/>
+                    </a:solidFill>
                   </a:tcPr>
                 </a:tc>
                 <a:tc>
                   <a:txBody>
-                    <a:bodyPr lIns="91080" rIns="91080"/>
+                    <a:bodyPr lIns="90000" rIns="90000"/>
                     <a:p>
                       <a:pPr>
                         <a:lnSpc>
@@ -5641,33 +5813,35 @@
                       </a:endParaRPr>
                     </a:p>
                   </a:txBody>
-                  <a:tcPr marL="91080" marR="91080">
-                    <a:lnL w="9360">
-                      <a:solidFill>
-                        <a:srgbClr val="9e9e9e"/>
+                  <a:tcPr marL="90000" marR="90000">
+                    <a:lnL w="720">
+                      <a:solidFill>
+                        <a:srgbClr val="ffffff"/>
                       </a:solidFill>
                     </a:lnL>
-                    <a:lnR w="9360">
-                      <a:solidFill>
-                        <a:srgbClr val="9e9e9e"/>
+                    <a:lnR w="720">
+                      <a:solidFill>
+                        <a:srgbClr val="ffffff"/>
                       </a:solidFill>
                     </a:lnR>
-                    <a:lnT w="9360">
-                      <a:solidFill>
-                        <a:srgbClr val="9e9e9e"/>
+                    <a:lnT w="720">
+                      <a:solidFill>
+                        <a:srgbClr val="ffffff"/>
                       </a:solidFill>
                     </a:lnT>
-                    <a:lnB w="9360">
-                      <a:solidFill>
-                        <a:srgbClr val="9e9e9e"/>
+                    <a:lnB w="720">
+                      <a:solidFill>
+                        <a:srgbClr val="ffffff"/>
                       </a:solidFill>
                     </a:lnB>
-                    <a:noFill/>
+                    <a:solidFill>
+                      <a:srgbClr val="47b8b8"/>
+                    </a:solidFill>
                   </a:tcPr>
                 </a:tc>
                 <a:tc>
                   <a:txBody>
-                    <a:bodyPr lIns="91080" rIns="91080"/>
+                    <a:bodyPr lIns="90000" rIns="90000"/>
                     <a:p>
                       <a:pPr>
                         <a:lnSpc>
@@ -5685,33 +5859,35 @@
                       </a:endParaRPr>
                     </a:p>
                   </a:txBody>
-                  <a:tcPr marL="91080" marR="91080">
-                    <a:lnL w="9360">
-                      <a:solidFill>
-                        <a:srgbClr val="9e9e9e"/>
+                  <a:tcPr marL="90000" marR="90000">
+                    <a:lnL w="720">
+                      <a:solidFill>
+                        <a:srgbClr val="ffffff"/>
                       </a:solidFill>
                     </a:lnL>
-                    <a:lnR w="9360">
-                      <a:solidFill>
-                        <a:srgbClr val="9e9e9e"/>
+                    <a:lnR w="720">
+                      <a:solidFill>
+                        <a:srgbClr val="ffffff"/>
                       </a:solidFill>
                     </a:lnR>
-                    <a:lnT w="9360">
-                      <a:solidFill>
-                        <a:srgbClr val="9e9e9e"/>
+                    <a:lnT w="720">
+                      <a:solidFill>
+                        <a:srgbClr val="ffffff"/>
                       </a:solidFill>
                     </a:lnT>
-                    <a:lnB w="9360">
-                      <a:solidFill>
-                        <a:srgbClr val="9e9e9e"/>
+                    <a:lnB w="720">
+                      <a:solidFill>
+                        <a:srgbClr val="ffffff"/>
                       </a:solidFill>
                     </a:lnB>
-                    <a:noFill/>
+                    <a:solidFill>
+                      <a:srgbClr val="47b8b8"/>
+                    </a:solidFill>
                   </a:tcPr>
                 </a:tc>
                 <a:tc>
                   <a:txBody>
-                    <a:bodyPr lIns="91080" rIns="91080"/>
+                    <a:bodyPr lIns="90000" rIns="90000"/>
                     <a:p>
                       <a:pPr>
                         <a:lnSpc>
@@ -5729,35 +5905,37 @@
                       </a:endParaRPr>
                     </a:p>
                   </a:txBody>
-                  <a:tcPr marL="91080" marR="91080">
-                    <a:lnL w="9360">
-                      <a:solidFill>
-                        <a:srgbClr val="9e9e9e"/>
+                  <a:tcPr marL="90000" marR="90000">
+                    <a:lnL w="720">
+                      <a:solidFill>
+                        <a:srgbClr val="ffffff"/>
                       </a:solidFill>
                     </a:lnL>
-                    <a:lnR w="9360">
-                      <a:solidFill>
-                        <a:srgbClr val="9e9e9e"/>
+                    <a:lnR w="720">
+                      <a:solidFill>
+                        <a:srgbClr val="ffffff"/>
                       </a:solidFill>
                     </a:lnR>
-                    <a:lnT w="9360">
-                      <a:solidFill>
-                        <a:srgbClr val="9e9e9e"/>
+                    <a:lnT w="720">
+                      <a:solidFill>
+                        <a:srgbClr val="ffffff"/>
                       </a:solidFill>
                     </a:lnT>
-                    <a:lnB w="9360">
-                      <a:solidFill>
-                        <a:srgbClr val="9e9e9e"/>
+                    <a:lnB w="720">
+                      <a:solidFill>
+                        <a:srgbClr val="ffffff"/>
                       </a:solidFill>
                     </a:lnB>
-                    <a:noFill/>
+                    <a:solidFill>
+                      <a:srgbClr val="47b8b8"/>
+                    </a:solidFill>
                   </a:tcPr>
                 </a:tc>
               </a:tr>
               <a:tr h="519480">
                 <a:tc>
                   <a:txBody>
-                    <a:bodyPr lIns="91080" rIns="91080"/>
+                    <a:bodyPr lIns="90000" rIns="90000"/>
                     <a:p>
                       <a:pPr>
                         <a:lnSpc>
@@ -5775,33 +5953,35 @@
                       </a:endParaRPr>
                     </a:p>
                   </a:txBody>
-                  <a:tcPr marL="91080" marR="91080">
-                    <a:lnL w="9360">
-                      <a:solidFill>
-                        <a:srgbClr val="9e9e9e"/>
+                  <a:tcPr marL="90000" marR="90000">
+                    <a:lnL w="720">
+                      <a:solidFill>
+                        <a:srgbClr val="ffffff"/>
                       </a:solidFill>
                     </a:lnL>
-                    <a:lnR w="9360">
-                      <a:solidFill>
-                        <a:srgbClr val="9e9e9e"/>
+                    <a:lnR w="720">
+                      <a:solidFill>
+                        <a:srgbClr val="ffffff"/>
                       </a:solidFill>
                     </a:lnR>
-                    <a:lnT w="9360">
-                      <a:solidFill>
-                        <a:srgbClr val="9e9e9e"/>
+                    <a:lnT w="720">
+                      <a:solidFill>
+                        <a:srgbClr val="ffffff"/>
                       </a:solidFill>
                     </a:lnT>
-                    <a:lnB w="9360">
-                      <a:solidFill>
-                        <a:srgbClr val="9e9e9e"/>
+                    <a:lnB w="720">
+                      <a:solidFill>
+                        <a:srgbClr val="ffffff"/>
                       </a:solidFill>
                     </a:lnB>
-                    <a:noFill/>
+                    <a:solidFill>
+                      <a:srgbClr val="33a3a3"/>
+                    </a:solidFill>
                   </a:tcPr>
                 </a:tc>
                 <a:tc>
                   <a:txBody>
-                    <a:bodyPr lIns="91080" rIns="91080"/>
+                    <a:bodyPr lIns="90000" rIns="90000"/>
                     <a:p>
                       <a:pPr>
                         <a:lnSpc>
@@ -5819,33 +5999,35 @@
                       </a:endParaRPr>
                     </a:p>
                   </a:txBody>
-                  <a:tcPr marL="91080" marR="91080">
-                    <a:lnL w="9360">
-                      <a:solidFill>
-                        <a:srgbClr val="9e9e9e"/>
+                  <a:tcPr marL="90000" marR="90000">
+                    <a:lnL w="720">
+                      <a:solidFill>
+                        <a:srgbClr val="ffffff"/>
                       </a:solidFill>
                     </a:lnL>
-                    <a:lnR w="9360">
-                      <a:solidFill>
-                        <a:srgbClr val="9e9e9e"/>
+                    <a:lnR w="720">
+                      <a:solidFill>
+                        <a:srgbClr val="ffffff"/>
                       </a:solidFill>
                     </a:lnR>
-                    <a:lnT w="9360">
-                      <a:solidFill>
-                        <a:srgbClr val="9e9e9e"/>
+                    <a:lnT w="720">
+                      <a:solidFill>
+                        <a:srgbClr val="ffffff"/>
                       </a:solidFill>
                     </a:lnT>
-                    <a:lnB w="9360">
-                      <a:solidFill>
-                        <a:srgbClr val="9e9e9e"/>
+                    <a:lnB w="720">
+                      <a:solidFill>
+                        <a:srgbClr val="ffffff"/>
                       </a:solidFill>
                     </a:lnB>
-                    <a:noFill/>
+                    <a:solidFill>
+                      <a:srgbClr val="33a3a3"/>
+                    </a:solidFill>
                   </a:tcPr>
                 </a:tc>
                 <a:tc>
                   <a:txBody>
-                    <a:bodyPr lIns="91080" rIns="91080"/>
+                    <a:bodyPr lIns="90000" rIns="90000"/>
                     <a:p>
                       <a:pPr>
                         <a:lnSpc>
@@ -5863,33 +6045,35 @@
                       </a:endParaRPr>
                     </a:p>
                   </a:txBody>
-                  <a:tcPr marL="91080" marR="91080">
-                    <a:lnL w="9360">
-                      <a:solidFill>
-                        <a:srgbClr val="9e9e9e"/>
+                  <a:tcPr marL="90000" marR="90000">
+                    <a:lnL w="720">
+                      <a:solidFill>
+                        <a:srgbClr val="ffffff"/>
                       </a:solidFill>
                     </a:lnL>
-                    <a:lnR w="9360">
-                      <a:solidFill>
-                        <a:srgbClr val="9e9e9e"/>
+                    <a:lnR w="720">
+                      <a:solidFill>
+                        <a:srgbClr val="ffffff"/>
                       </a:solidFill>
                     </a:lnR>
-                    <a:lnT w="9360">
-                      <a:solidFill>
-                        <a:srgbClr val="9e9e9e"/>
+                    <a:lnT w="720">
+                      <a:solidFill>
+                        <a:srgbClr val="ffffff"/>
                       </a:solidFill>
                     </a:lnT>
-                    <a:lnB w="9360">
-                      <a:solidFill>
-                        <a:srgbClr val="9e9e9e"/>
+                    <a:lnB w="720">
+                      <a:solidFill>
+                        <a:srgbClr val="ffffff"/>
                       </a:solidFill>
                     </a:lnB>
-                    <a:noFill/>
+                    <a:solidFill>
+                      <a:srgbClr val="33a3a3"/>
+                    </a:solidFill>
                   </a:tcPr>
                 </a:tc>
                 <a:tc>
                   <a:txBody>
-                    <a:bodyPr lIns="91080" rIns="91080"/>
+                    <a:bodyPr lIns="90000" rIns="90000"/>
                     <a:p>
                       <a:pPr>
                         <a:lnSpc>
@@ -5907,33 +6091,35 @@
                       </a:endParaRPr>
                     </a:p>
                   </a:txBody>
-                  <a:tcPr marL="91080" marR="91080">
-                    <a:lnL w="9360">
-                      <a:solidFill>
-                        <a:srgbClr val="9e9e9e"/>
+                  <a:tcPr marL="90000" marR="90000">
+                    <a:lnL w="720">
+                      <a:solidFill>
+                        <a:srgbClr val="ffffff"/>
                       </a:solidFill>
                     </a:lnL>
-                    <a:lnR w="9360">
-                      <a:solidFill>
-                        <a:srgbClr val="9e9e9e"/>
+                    <a:lnR w="720">
+                      <a:solidFill>
+                        <a:srgbClr val="ffffff"/>
                       </a:solidFill>
                     </a:lnR>
-                    <a:lnT w="9360">
-                      <a:solidFill>
-                        <a:srgbClr val="9e9e9e"/>
+                    <a:lnT w="720">
+                      <a:solidFill>
+                        <a:srgbClr val="ffffff"/>
                       </a:solidFill>
                     </a:lnT>
-                    <a:lnB w="9360">
-                      <a:solidFill>
-                        <a:srgbClr val="9e9e9e"/>
+                    <a:lnB w="720">
+                      <a:solidFill>
+                        <a:srgbClr val="ffffff"/>
                       </a:solidFill>
                     </a:lnB>
-                    <a:noFill/>
+                    <a:solidFill>
+                      <a:srgbClr val="33a3a3"/>
+                    </a:solidFill>
                   </a:tcPr>
                 </a:tc>
                 <a:tc>
                   <a:txBody>
-                    <a:bodyPr lIns="91080" rIns="91080"/>
+                    <a:bodyPr lIns="90000" rIns="90000"/>
                     <a:p>
                       <a:pPr>
                         <a:lnSpc>
@@ -5951,28 +6137,30 @@
                       </a:endParaRPr>
                     </a:p>
                   </a:txBody>
-                  <a:tcPr marL="91080" marR="91080">
-                    <a:lnL w="9360">
-                      <a:solidFill>
-                        <a:srgbClr val="9e9e9e"/>
+                  <a:tcPr marL="90000" marR="90000">
+                    <a:lnL w="720">
+                      <a:solidFill>
+                        <a:srgbClr val="ffffff"/>
                       </a:solidFill>
                     </a:lnL>
-                    <a:lnR w="9360">
-                      <a:solidFill>
-                        <a:srgbClr val="9e9e9e"/>
+                    <a:lnR w="720">
+                      <a:solidFill>
+                        <a:srgbClr val="ffffff"/>
                       </a:solidFill>
                     </a:lnR>
-                    <a:lnT w="9360">
-                      <a:solidFill>
-                        <a:srgbClr val="9e9e9e"/>
+                    <a:lnT w="720">
+                      <a:solidFill>
+                        <a:srgbClr val="ffffff"/>
                       </a:solidFill>
                     </a:lnT>
-                    <a:lnB w="9360">
-                      <a:solidFill>
-                        <a:srgbClr val="9e9e9e"/>
+                    <a:lnB w="720">
+                      <a:solidFill>
+                        <a:srgbClr val="ffffff"/>
                       </a:solidFill>
                     </a:lnB>
-                    <a:noFill/>
+                    <a:solidFill>
+                      <a:srgbClr val="33a3a3"/>
+                    </a:solidFill>
                   </a:tcPr>
                 </a:tc>
               </a:tr>
@@ -6038,7 +6226,7 @@
         <p:spPr>
           <a:xfrm>
             <a:off x="311760" y="444960"/>
-            <a:ext cx="8505720" cy="558000"/>
+            <a:ext cx="8504640" cy="556920"/>
           </a:xfrm>
           <a:prstGeom prst="rect">
             <a:avLst/>
@@ -6072,7 +6260,7 @@
                 <a:latin typeface="Arial"/>
                 <a:ea typeface="Arial"/>
               </a:rPr>
-              <a:t>+++INS table_name +++</a:t>
+              <a:t>+++INS table_name_column +++</a:t>
             </a:r>
             <a:endParaRPr b="0" lang="en-US" sz="2800" spc="-1" strike="noStrike">
               <a:latin typeface="Arial"/>
@@ -6089,7 +6277,7 @@
         <p:spPr>
           <a:xfrm>
             <a:off x="311760" y="1152360"/>
-            <a:ext cx="8505720" cy="3401640"/>
+            <a:ext cx="8504640" cy="3400560"/>
           </a:xfrm>
           <a:prstGeom prst="rect">
             <a:avLst/>
@@ -6126,7 +6314,7 @@
                 <a:latin typeface="Arial"/>
                 <a:ea typeface="Arial"/>
               </a:rPr>
-              <a:t>+++IF ((not TABLE_1_COLUMN_4_PRESENT))&lt;&lt; +++TABLE_COLUMN_REMOVE COLUMN_ID_4 +++ &gt;&gt;IF-END+++</a:t>
+              <a:t>+++IF ((not table_1_col_4_present))&lt;&lt; +++TABLE_COLUMN_REMOVE COLUMN_ID_4 +++ &gt;&gt;IF-END+++</a:t>
             </a:r>
             <a:br/>
             <a:endParaRPr b="0" lang="en-US" sz="1800" spc="-1" strike="noStrike">
@@ -6159,7 +6347,7 @@
               <a:tr h="519480">
                 <a:tc>
                   <a:txBody>
-                    <a:bodyPr lIns="91080" rIns="91080"/>
+                    <a:bodyPr lIns="90000" rIns="90000"/>
                     <a:p>
                       <a:pPr>
                         <a:lnSpc>
@@ -6167,47 +6355,49 @@
                         </a:lnSpc>
                       </a:pPr>
                       <a:r>
-                        <a:rPr b="0" lang="en-US" sz="1800" spc="-1" strike="noStrike">
+                        <a:rPr b="1" lang="en-US" sz="1800" spc="-1" strike="noStrike">
                           <a:solidFill>
-                            <a:srgbClr val="595959"/>
+                            <a:srgbClr val="000000"/>
                           </a:solidFill>
                           <a:latin typeface="Arial"/>
                           <a:ea typeface="Arial"/>
                         </a:rPr>
-                        <a:t>11</a:t>
+                        <a:t>Header 1</a:t>
                       </a:r>
                       <a:endParaRPr b="0" lang="en-US" sz="1800" spc="-1" strike="noStrike">
                         <a:latin typeface="Arial"/>
                       </a:endParaRPr>
                     </a:p>
                   </a:txBody>
-                  <a:tcPr marL="91080" marR="91080">
-                    <a:lnL w="9360">
-                      <a:solidFill>
-                        <a:srgbClr val="9e9e9e"/>
+                  <a:tcPr marL="90000" marR="90000">
+                    <a:lnL w="720">
+                      <a:solidFill>
+                        <a:srgbClr val="ffffff"/>
                       </a:solidFill>
                     </a:lnL>
-                    <a:lnR w="9360">
-                      <a:solidFill>
-                        <a:srgbClr val="9e9e9e"/>
+                    <a:lnR w="720">
+                      <a:solidFill>
+                        <a:srgbClr val="ffffff"/>
                       </a:solidFill>
                     </a:lnR>
-                    <a:lnT w="9360">
-                      <a:solidFill>
-                        <a:srgbClr val="9e9e9e"/>
+                    <a:lnT w="720">
+                      <a:solidFill>
+                        <a:srgbClr val="ffffff"/>
                       </a:solidFill>
                     </a:lnT>
-                    <a:lnB w="9360">
-                      <a:solidFill>
-                        <a:srgbClr val="9e9e9e"/>
+                    <a:lnB w="720">
+                      <a:solidFill>
+                        <a:srgbClr val="ffffff"/>
                       </a:solidFill>
                     </a:lnB>
-                    <a:noFill/>
+                    <a:solidFill>
+                      <a:srgbClr val="9999cc"/>
+                    </a:solidFill>
                   </a:tcPr>
                 </a:tc>
                 <a:tc>
                   <a:txBody>
-                    <a:bodyPr lIns="91080" rIns="91080"/>
+                    <a:bodyPr lIns="90000" rIns="90000"/>
                     <a:p>
                       <a:pPr>
                         <a:lnSpc>
@@ -6215,43 +6405,49 @@
                         </a:lnSpc>
                       </a:pPr>
                       <a:r>
-                        <a:rPr b="0" lang="en-US" sz="2400" spc="-1" strike="noStrike">
-                          <a:latin typeface="Times New Roman"/>
+                        <a:rPr b="1" lang="en-US" sz="1800" spc="-1" strike="noStrike">
+                          <a:solidFill>
+                            <a:srgbClr val="000000"/>
+                          </a:solidFill>
+                          <a:latin typeface="Arial"/>
+                          <a:ea typeface="Arial"/>
                         </a:rPr>
-                        <a:t>2</a:t>
+                        <a:t>Header 2</a:t>
                       </a:r>
-                      <a:endParaRPr b="0" lang="en-US" sz="2400" spc="-1" strike="noStrike">
+                      <a:endParaRPr b="0" lang="en-US" sz="1800" spc="-1" strike="noStrike">
                         <a:latin typeface="Arial"/>
                       </a:endParaRPr>
                     </a:p>
                   </a:txBody>
-                  <a:tcPr marL="91080" marR="91080">
-                    <a:lnL w="9360">
-                      <a:solidFill>
-                        <a:srgbClr val="9e9e9e"/>
+                  <a:tcPr marL="90000" marR="90000">
+                    <a:lnL w="720">
+                      <a:solidFill>
+                        <a:srgbClr val="ffffff"/>
                       </a:solidFill>
                     </a:lnL>
-                    <a:lnR w="9360">
-                      <a:solidFill>
-                        <a:srgbClr val="9e9e9e"/>
+                    <a:lnR w="720">
+                      <a:solidFill>
+                        <a:srgbClr val="ffffff"/>
                       </a:solidFill>
                     </a:lnR>
-                    <a:lnT w="9360">
-                      <a:solidFill>
-                        <a:srgbClr val="9e9e9e"/>
+                    <a:lnT w="720">
+                      <a:solidFill>
+                        <a:srgbClr val="ffffff"/>
                       </a:solidFill>
                     </a:lnT>
-                    <a:lnB w="9360">
-                      <a:solidFill>
-                        <a:srgbClr val="9e9e9e"/>
+                    <a:lnB w="720">
+                      <a:solidFill>
+                        <a:srgbClr val="ffffff"/>
                       </a:solidFill>
                     </a:lnB>
-                    <a:noFill/>
+                    <a:solidFill>
+                      <a:srgbClr val="9999cc"/>
+                    </a:solidFill>
                   </a:tcPr>
                 </a:tc>
                 <a:tc>
                   <a:txBody>
-                    <a:bodyPr lIns="91080" rIns="91080"/>
+                    <a:bodyPr lIns="90000" rIns="90000"/>
                     <a:p>
                       <a:pPr>
                         <a:lnSpc>
@@ -6259,43 +6455,49 @@
                         </a:lnSpc>
                       </a:pPr>
                       <a:r>
-                        <a:rPr b="0" lang="en-US" sz="2400" spc="-1" strike="noStrike">
-                          <a:latin typeface="Times New Roman"/>
+                        <a:rPr b="1" lang="en-US" sz="1800" spc="-1" strike="noStrike">
+                          <a:solidFill>
+                            <a:srgbClr val="000000"/>
+                          </a:solidFill>
+                          <a:latin typeface="Arial"/>
+                          <a:ea typeface="Arial"/>
                         </a:rPr>
-                        <a:t>3</a:t>
+                        <a:t>Header 3</a:t>
                       </a:r>
-                      <a:endParaRPr b="0" lang="en-US" sz="2400" spc="-1" strike="noStrike">
+                      <a:endParaRPr b="0" lang="en-US" sz="1800" spc="-1" strike="noStrike">
                         <a:latin typeface="Arial"/>
                       </a:endParaRPr>
                     </a:p>
                   </a:txBody>
-                  <a:tcPr marL="91080" marR="91080">
-                    <a:lnL w="9360">
-                      <a:solidFill>
-                        <a:srgbClr val="9e9e9e"/>
+                  <a:tcPr marL="90000" marR="90000">
+                    <a:lnL w="720">
+                      <a:solidFill>
+                        <a:srgbClr val="ffffff"/>
                       </a:solidFill>
                     </a:lnL>
-                    <a:lnR w="9360">
-                      <a:solidFill>
-                        <a:srgbClr val="9e9e9e"/>
+                    <a:lnR w="720">
+                      <a:solidFill>
+                        <a:srgbClr val="ffffff"/>
                       </a:solidFill>
                     </a:lnR>
-                    <a:lnT w="9360">
-                      <a:solidFill>
-                        <a:srgbClr val="9e9e9e"/>
+                    <a:lnT w="720">
+                      <a:solidFill>
+                        <a:srgbClr val="ffffff"/>
                       </a:solidFill>
                     </a:lnT>
-                    <a:lnB w="9360">
-                      <a:solidFill>
-                        <a:srgbClr val="9e9e9e"/>
+                    <a:lnB w="720">
+                      <a:solidFill>
+                        <a:srgbClr val="ffffff"/>
                       </a:solidFill>
                     </a:lnB>
-                    <a:noFill/>
+                    <a:solidFill>
+                      <a:srgbClr val="9999cc"/>
+                    </a:solidFill>
                   </a:tcPr>
                 </a:tc>
                 <a:tc>
                   <a:txBody>
-                    <a:bodyPr lIns="91080" rIns="91080"/>
+                    <a:bodyPr lIns="90000" rIns="90000"/>
                     <a:p>
                       <a:pPr>
                         <a:lnSpc>
@@ -6313,47 +6515,49 @@
                         <a:t>COLUMN_ID_4 </a:t>
                       </a:r>
                       <a:r>
-                        <a:rPr b="0" lang="en-US" sz="2400" spc="-1" strike="noStrike">
+                        <a:rPr b="1" lang="en-US" sz="1800" spc="-1" strike="noStrike">
                           <a:solidFill>
-                            <a:srgbClr val="595959"/>
+                            <a:srgbClr val="000000"/>
                           </a:solidFill>
-                          <a:latin typeface="Times New Roman"/>
+                          <a:latin typeface="Arial"/>
                           <a:ea typeface="Arial"/>
                         </a:rPr>
-                        <a:t>4</a:t>
+                        <a:t>Header 4</a:t>
                       </a:r>
-                      <a:endParaRPr b="0" lang="en-US" sz="2400" spc="-1" strike="noStrike">
+                      <a:endParaRPr b="0" lang="en-US" sz="1800" spc="-1" strike="noStrike">
                         <a:latin typeface="Arial"/>
                       </a:endParaRPr>
                     </a:p>
                   </a:txBody>
-                  <a:tcPr marL="91080" marR="91080">
-                    <a:lnL w="9360">
-                      <a:solidFill>
-                        <a:srgbClr val="9e9e9e"/>
+                  <a:tcPr marL="90000" marR="90000">
+                    <a:lnL w="720">
+                      <a:solidFill>
+                        <a:srgbClr val="ffffff"/>
                       </a:solidFill>
                     </a:lnL>
-                    <a:lnR w="9360">
-                      <a:solidFill>
-                        <a:srgbClr val="9e9e9e"/>
+                    <a:lnR w="720">
+                      <a:solidFill>
+                        <a:srgbClr val="ffffff"/>
                       </a:solidFill>
                     </a:lnR>
-                    <a:lnT w="9360">
-                      <a:solidFill>
-                        <a:srgbClr val="9e9e9e"/>
+                    <a:lnT w="720">
+                      <a:solidFill>
+                        <a:srgbClr val="ffffff"/>
                       </a:solidFill>
                     </a:lnT>
-                    <a:lnB w="9360">
-                      <a:solidFill>
-                        <a:srgbClr val="9e9e9e"/>
+                    <a:lnB w="720">
+                      <a:solidFill>
+                        <a:srgbClr val="ffffff"/>
                       </a:solidFill>
                     </a:lnB>
-                    <a:noFill/>
+                    <a:solidFill>
+                      <a:srgbClr val="9999cc"/>
+                    </a:solidFill>
                   </a:tcPr>
                 </a:tc>
                 <a:tc>
                   <a:txBody>
-                    <a:bodyPr lIns="91080" rIns="91080"/>
+                    <a:bodyPr lIns="90000" rIns="90000"/>
                     <a:p>
                       <a:pPr>
                         <a:lnSpc>
@@ -6361,45 +6565,51 @@
                         </a:lnSpc>
                       </a:pPr>
                       <a:r>
-                        <a:rPr b="0" lang="en-US" sz="2400" spc="-1" strike="noStrike">
-                          <a:latin typeface="Times New Roman"/>
+                        <a:rPr b="1" lang="en-US" sz="1800" spc="-1" strike="noStrike">
+                          <a:solidFill>
+                            <a:srgbClr val="000000"/>
+                          </a:solidFill>
+                          <a:latin typeface="Arial"/>
+                          <a:ea typeface="Arial"/>
                         </a:rPr>
-                        <a:t>5</a:t>
+                        <a:t>Header 5</a:t>
                       </a:r>
-                      <a:endParaRPr b="0" lang="en-US" sz="2400" spc="-1" strike="noStrike">
+                      <a:endParaRPr b="0" lang="en-US" sz="1800" spc="-1" strike="noStrike">
                         <a:latin typeface="Arial"/>
                       </a:endParaRPr>
                     </a:p>
                   </a:txBody>
-                  <a:tcPr marL="91080" marR="91080">
-                    <a:lnL w="9360">
-                      <a:solidFill>
-                        <a:srgbClr val="9e9e9e"/>
+                  <a:tcPr marL="90000" marR="90000">
+                    <a:lnL w="720">
+                      <a:solidFill>
+                        <a:srgbClr val="ffffff"/>
                       </a:solidFill>
                     </a:lnL>
-                    <a:lnR w="9360">
-                      <a:solidFill>
-                        <a:srgbClr val="9e9e9e"/>
+                    <a:lnR w="720">
+                      <a:solidFill>
+                        <a:srgbClr val="ffffff"/>
                       </a:solidFill>
                     </a:lnR>
-                    <a:lnT w="9360">
-                      <a:solidFill>
-                        <a:srgbClr val="9e9e9e"/>
+                    <a:lnT w="720">
+                      <a:solidFill>
+                        <a:srgbClr val="ffffff"/>
                       </a:solidFill>
                     </a:lnT>
-                    <a:lnB w="9360">
-                      <a:solidFill>
-                        <a:srgbClr val="9e9e9e"/>
+                    <a:lnB w="720">
+                      <a:solidFill>
+                        <a:srgbClr val="ffffff"/>
                       </a:solidFill>
                     </a:lnB>
-                    <a:noFill/>
+                    <a:solidFill>
+                      <a:srgbClr val="9999cc"/>
+                    </a:solidFill>
                   </a:tcPr>
                 </a:tc>
               </a:tr>
               <a:tr h="519480">
                 <a:tc>
                   <a:txBody>
-                    <a:bodyPr lIns="91080" rIns="91080"/>
+                    <a:bodyPr lIns="90000" rIns="90000"/>
                     <a:p>
                       <a:pPr>
                         <a:lnSpc>
@@ -6417,33 +6627,35 @@
                       </a:endParaRPr>
                     </a:p>
                   </a:txBody>
-                  <a:tcPr marL="91080" marR="91080">
-                    <a:lnL w="9360">
-                      <a:solidFill>
-                        <a:srgbClr val="9e9e9e"/>
+                  <a:tcPr marL="90000" marR="90000">
+                    <a:lnL w="720">
+                      <a:solidFill>
+                        <a:srgbClr val="ffffff"/>
                       </a:solidFill>
                     </a:lnL>
-                    <a:lnR w="9360">
-                      <a:solidFill>
-                        <a:srgbClr val="9e9e9e"/>
+                    <a:lnR w="720">
+                      <a:solidFill>
+                        <a:srgbClr val="ffffff"/>
                       </a:solidFill>
                     </a:lnR>
-                    <a:lnT w="9360">
-                      <a:solidFill>
-                        <a:srgbClr val="9e9e9e"/>
+                    <a:lnT w="720">
+                      <a:solidFill>
+                        <a:srgbClr val="ffffff"/>
                       </a:solidFill>
                     </a:lnT>
-                    <a:lnB w="9360">
-                      <a:solidFill>
-                        <a:srgbClr val="9e9e9e"/>
+                    <a:lnB w="720">
+                      <a:solidFill>
+                        <a:srgbClr val="ffffff"/>
                       </a:solidFill>
                     </a:lnB>
-                    <a:noFill/>
+                    <a:solidFill>
+                      <a:srgbClr val="e6e6ff"/>
+                    </a:solidFill>
                   </a:tcPr>
                 </a:tc>
                 <a:tc>
                   <a:txBody>
-                    <a:bodyPr lIns="91080" rIns="91080"/>
+                    <a:bodyPr lIns="90000" rIns="90000"/>
                     <a:p>
                       <a:pPr>
                         <a:lnSpc>
@@ -6461,33 +6673,35 @@
                       </a:endParaRPr>
                     </a:p>
                   </a:txBody>
-                  <a:tcPr marL="91080" marR="91080">
-                    <a:lnL w="9360">
-                      <a:solidFill>
-                        <a:srgbClr val="9e9e9e"/>
+                  <a:tcPr marL="90000" marR="90000">
+                    <a:lnL w="720">
+                      <a:solidFill>
+                        <a:srgbClr val="ffffff"/>
                       </a:solidFill>
                     </a:lnL>
-                    <a:lnR w="9360">
-                      <a:solidFill>
-                        <a:srgbClr val="9e9e9e"/>
+                    <a:lnR w="720">
+                      <a:solidFill>
+                        <a:srgbClr val="ffffff"/>
                       </a:solidFill>
                     </a:lnR>
-                    <a:lnT w="9360">
-                      <a:solidFill>
-                        <a:srgbClr val="9e9e9e"/>
+                    <a:lnT w="720">
+                      <a:solidFill>
+                        <a:srgbClr val="ffffff"/>
                       </a:solidFill>
                     </a:lnT>
-                    <a:lnB w="9360">
-                      <a:solidFill>
-                        <a:srgbClr val="9e9e9e"/>
+                    <a:lnB w="720">
+                      <a:solidFill>
+                        <a:srgbClr val="ffffff"/>
                       </a:solidFill>
                     </a:lnB>
-                    <a:noFill/>
+                    <a:solidFill>
+                      <a:srgbClr val="e6e6ff"/>
+                    </a:solidFill>
                   </a:tcPr>
                 </a:tc>
                 <a:tc>
                   <a:txBody>
-                    <a:bodyPr lIns="91080" rIns="91080"/>
+                    <a:bodyPr lIns="90000" rIns="90000"/>
                     <a:p>
                       <a:pPr>
                         <a:lnSpc>
@@ -6505,33 +6719,35 @@
                       </a:endParaRPr>
                     </a:p>
                   </a:txBody>
-                  <a:tcPr marL="91080" marR="91080">
-                    <a:lnL w="9360">
-                      <a:solidFill>
-                        <a:srgbClr val="9e9e9e"/>
+                  <a:tcPr marL="90000" marR="90000">
+                    <a:lnL w="720">
+                      <a:solidFill>
+                        <a:srgbClr val="ffffff"/>
                       </a:solidFill>
                     </a:lnL>
-                    <a:lnR w="9360">
-                      <a:solidFill>
-                        <a:srgbClr val="9e9e9e"/>
+                    <a:lnR w="720">
+                      <a:solidFill>
+                        <a:srgbClr val="ffffff"/>
                       </a:solidFill>
                     </a:lnR>
-                    <a:lnT w="9360">
-                      <a:solidFill>
-                        <a:srgbClr val="9e9e9e"/>
+                    <a:lnT w="720">
+                      <a:solidFill>
+                        <a:srgbClr val="ffffff"/>
                       </a:solidFill>
                     </a:lnT>
-                    <a:lnB w="9360">
-                      <a:solidFill>
-                        <a:srgbClr val="9e9e9e"/>
+                    <a:lnB w="720">
+                      <a:solidFill>
+                        <a:srgbClr val="ffffff"/>
                       </a:solidFill>
                     </a:lnB>
-                    <a:noFill/>
+                    <a:solidFill>
+                      <a:srgbClr val="e6e6ff"/>
+                    </a:solidFill>
                   </a:tcPr>
                 </a:tc>
                 <a:tc>
                   <a:txBody>
-                    <a:bodyPr lIns="91080" rIns="91080"/>
+                    <a:bodyPr lIns="90000" rIns="90000"/>
                     <a:p>
                       <a:pPr>
                         <a:lnSpc>
@@ -6549,33 +6765,35 @@
                       </a:endParaRPr>
                     </a:p>
                   </a:txBody>
-                  <a:tcPr marL="91080" marR="91080">
-                    <a:lnL w="9360">
-                      <a:solidFill>
-                        <a:srgbClr val="9e9e9e"/>
+                  <a:tcPr marL="90000" marR="90000">
+                    <a:lnL w="720">
+                      <a:solidFill>
+                        <a:srgbClr val="ffffff"/>
                       </a:solidFill>
                     </a:lnL>
-                    <a:lnR w="9360">
-                      <a:solidFill>
-                        <a:srgbClr val="9e9e9e"/>
+                    <a:lnR w="720">
+                      <a:solidFill>
+                        <a:srgbClr val="ffffff"/>
                       </a:solidFill>
                     </a:lnR>
-                    <a:lnT w="9360">
-                      <a:solidFill>
-                        <a:srgbClr val="9e9e9e"/>
+                    <a:lnT w="720">
+                      <a:solidFill>
+                        <a:srgbClr val="ffffff"/>
                       </a:solidFill>
                     </a:lnT>
-                    <a:lnB w="9360">
-                      <a:solidFill>
-                        <a:srgbClr val="9e9e9e"/>
+                    <a:lnB w="720">
+                      <a:solidFill>
+                        <a:srgbClr val="ffffff"/>
                       </a:solidFill>
                     </a:lnB>
-                    <a:noFill/>
+                    <a:solidFill>
+                      <a:srgbClr val="e6e6ff"/>
+                    </a:solidFill>
                   </a:tcPr>
                 </a:tc>
                 <a:tc>
                   <a:txBody>
-                    <a:bodyPr lIns="91080" rIns="91080"/>
+                    <a:bodyPr lIns="90000" rIns="90000"/>
                     <a:p>
                       <a:pPr>
                         <a:lnSpc>
@@ -6593,35 +6811,37 @@
                       </a:endParaRPr>
                     </a:p>
                   </a:txBody>
-                  <a:tcPr marL="91080" marR="91080">
-                    <a:lnL w="9360">
-                      <a:solidFill>
-                        <a:srgbClr val="9e9e9e"/>
+                  <a:tcPr marL="90000" marR="90000">
+                    <a:lnL w="720">
+                      <a:solidFill>
+                        <a:srgbClr val="ffffff"/>
                       </a:solidFill>
                     </a:lnL>
-                    <a:lnR w="9360">
-                      <a:solidFill>
-                        <a:srgbClr val="9e9e9e"/>
+                    <a:lnR w="720">
+                      <a:solidFill>
+                        <a:srgbClr val="ffffff"/>
                       </a:solidFill>
                     </a:lnR>
-                    <a:lnT w="9360">
-                      <a:solidFill>
-                        <a:srgbClr val="9e9e9e"/>
+                    <a:lnT w="720">
+                      <a:solidFill>
+                        <a:srgbClr val="ffffff"/>
                       </a:solidFill>
                     </a:lnT>
-                    <a:lnB w="9360">
-                      <a:solidFill>
-                        <a:srgbClr val="9e9e9e"/>
+                    <a:lnB w="720">
+                      <a:solidFill>
+                        <a:srgbClr val="ffffff"/>
                       </a:solidFill>
                     </a:lnB>
-                    <a:noFill/>
+                    <a:solidFill>
+                      <a:srgbClr val="e6e6ff"/>
+                    </a:solidFill>
                   </a:tcPr>
                 </a:tc>
               </a:tr>
               <a:tr h="519480">
                 <a:tc>
                   <a:txBody>
-                    <a:bodyPr lIns="91080" rIns="91080"/>
+                    <a:bodyPr lIns="90000" rIns="90000"/>
                     <a:p>
                       <a:pPr>
                         <a:lnSpc>
@@ -6643,33 +6863,35 @@
                       </a:endParaRPr>
                     </a:p>
                   </a:txBody>
-                  <a:tcPr marL="91080" marR="91080">
-                    <a:lnL w="9360">
-                      <a:solidFill>
-                        <a:srgbClr val="9e9e9e"/>
+                  <a:tcPr marL="90000" marR="90000">
+                    <a:lnL w="720">
+                      <a:solidFill>
+                        <a:srgbClr val="ffffff"/>
                       </a:solidFill>
                     </a:lnL>
-                    <a:lnR w="9360">
-                      <a:solidFill>
-                        <a:srgbClr val="9e9e9e"/>
+                    <a:lnR w="720">
+                      <a:solidFill>
+                        <a:srgbClr val="ffffff"/>
                       </a:solidFill>
                     </a:lnR>
-                    <a:lnT w="9360">
-                      <a:solidFill>
-                        <a:srgbClr val="9e9e9e"/>
+                    <a:lnT w="720">
+                      <a:solidFill>
+                        <a:srgbClr val="ffffff"/>
                       </a:solidFill>
                     </a:lnT>
-                    <a:lnB w="9360">
-                      <a:solidFill>
-                        <a:srgbClr val="9e9e9e"/>
+                    <a:lnB w="720">
+                      <a:solidFill>
+                        <a:srgbClr val="ffffff"/>
                       </a:solidFill>
                     </a:lnB>
-                    <a:noFill/>
+                    <a:solidFill>
+                      <a:srgbClr val="ffffff"/>
+                    </a:solidFill>
                   </a:tcPr>
                 </a:tc>
                 <a:tc>
                   <a:txBody>
-                    <a:bodyPr lIns="91080" rIns="91080"/>
+                    <a:bodyPr lIns="90000" rIns="90000"/>
                     <a:p>
                       <a:pPr>
                         <a:lnSpc>
@@ -6687,33 +6909,35 @@
                       </a:endParaRPr>
                     </a:p>
                   </a:txBody>
-                  <a:tcPr marL="91080" marR="91080">
-                    <a:lnL w="9360">
-                      <a:solidFill>
-                        <a:srgbClr val="9e9e9e"/>
+                  <a:tcPr marL="90000" marR="90000">
+                    <a:lnL w="720">
+                      <a:solidFill>
+                        <a:srgbClr val="ffffff"/>
                       </a:solidFill>
                     </a:lnL>
-                    <a:lnR w="9360">
-                      <a:solidFill>
-                        <a:srgbClr val="9e9e9e"/>
+                    <a:lnR w="720">
+                      <a:solidFill>
+                        <a:srgbClr val="ffffff"/>
                       </a:solidFill>
                     </a:lnR>
-                    <a:lnT w="9360">
-                      <a:solidFill>
-                        <a:srgbClr val="9e9e9e"/>
+                    <a:lnT w="720">
+                      <a:solidFill>
+                        <a:srgbClr val="ffffff"/>
                       </a:solidFill>
                     </a:lnT>
-                    <a:lnB w="9360">
-                      <a:solidFill>
-                        <a:srgbClr val="9e9e9e"/>
+                    <a:lnB w="720">
+                      <a:solidFill>
+                        <a:srgbClr val="ffffff"/>
                       </a:solidFill>
                     </a:lnB>
-                    <a:noFill/>
+                    <a:solidFill>
+                      <a:srgbClr val="ffffff"/>
+                    </a:solidFill>
                   </a:tcPr>
                 </a:tc>
                 <a:tc>
                   <a:txBody>
-                    <a:bodyPr lIns="91080" rIns="91080"/>
+                    <a:bodyPr lIns="90000" rIns="90000"/>
                     <a:p>
                       <a:pPr>
                         <a:lnSpc>
@@ -6731,33 +6955,35 @@
                       </a:endParaRPr>
                     </a:p>
                   </a:txBody>
-                  <a:tcPr marL="91080" marR="91080">
-                    <a:lnL w="9360">
-                      <a:solidFill>
-                        <a:srgbClr val="9e9e9e"/>
+                  <a:tcPr marL="90000" marR="90000">
+                    <a:lnL w="720">
+                      <a:solidFill>
+                        <a:srgbClr val="ffffff"/>
                       </a:solidFill>
                     </a:lnL>
-                    <a:lnR w="9360">
-                      <a:solidFill>
-                        <a:srgbClr val="9e9e9e"/>
+                    <a:lnR w="720">
+                      <a:solidFill>
+                        <a:srgbClr val="ffffff"/>
                       </a:solidFill>
                     </a:lnR>
-                    <a:lnT w="9360">
-                      <a:solidFill>
-                        <a:srgbClr val="9e9e9e"/>
+                    <a:lnT w="720">
+                      <a:solidFill>
+                        <a:srgbClr val="ffffff"/>
                       </a:solidFill>
                     </a:lnT>
-                    <a:lnB w="9360">
-                      <a:solidFill>
-                        <a:srgbClr val="9e9e9e"/>
+                    <a:lnB w="720">
+                      <a:solidFill>
+                        <a:srgbClr val="ffffff"/>
                       </a:solidFill>
                     </a:lnB>
-                    <a:noFill/>
+                    <a:solidFill>
+                      <a:srgbClr val="ffffff"/>
+                    </a:solidFill>
                   </a:tcPr>
                 </a:tc>
                 <a:tc>
                   <a:txBody>
-                    <a:bodyPr lIns="91080" rIns="91080"/>
+                    <a:bodyPr lIns="90000" rIns="90000"/>
                     <a:p>
                       <a:pPr>
                         <a:lnSpc>
@@ -6775,33 +7001,35 @@
                       </a:endParaRPr>
                     </a:p>
                   </a:txBody>
-                  <a:tcPr marL="91080" marR="91080">
-                    <a:lnL w="9360">
-                      <a:solidFill>
-                        <a:srgbClr val="9e9e9e"/>
+                  <a:tcPr marL="90000" marR="90000">
+                    <a:lnL w="720">
+                      <a:solidFill>
+                        <a:srgbClr val="ffffff"/>
                       </a:solidFill>
                     </a:lnL>
-                    <a:lnR w="9360">
-                      <a:solidFill>
-                        <a:srgbClr val="9e9e9e"/>
+                    <a:lnR w="720">
+                      <a:solidFill>
+                        <a:srgbClr val="ffffff"/>
                       </a:solidFill>
                     </a:lnR>
-                    <a:lnT w="9360">
-                      <a:solidFill>
-                        <a:srgbClr val="9e9e9e"/>
+                    <a:lnT w="720">
+                      <a:solidFill>
+                        <a:srgbClr val="ffffff"/>
                       </a:solidFill>
                     </a:lnT>
-                    <a:lnB w="9360">
-                      <a:solidFill>
-                        <a:srgbClr val="9e9e9e"/>
+                    <a:lnB w="720">
+                      <a:solidFill>
+                        <a:srgbClr val="ffffff"/>
                       </a:solidFill>
                     </a:lnB>
-                    <a:noFill/>
+                    <a:solidFill>
+                      <a:srgbClr val="ffffff"/>
+                    </a:solidFill>
                   </a:tcPr>
                 </a:tc>
                 <a:tc>
                   <a:txBody>
-                    <a:bodyPr lIns="91080" rIns="91080"/>
+                    <a:bodyPr lIns="90000" rIns="90000"/>
                     <a:p>
                       <a:pPr>
                         <a:lnSpc>
@@ -6819,35 +7047,37 @@
                       </a:endParaRPr>
                     </a:p>
                   </a:txBody>
-                  <a:tcPr marL="91080" marR="91080">
-                    <a:lnL w="9360">
-                      <a:solidFill>
-                        <a:srgbClr val="9e9e9e"/>
+                  <a:tcPr marL="90000" marR="90000">
+                    <a:lnL w="720">
+                      <a:solidFill>
+                        <a:srgbClr val="ffffff"/>
                       </a:solidFill>
                     </a:lnL>
-                    <a:lnR w="9360">
-                      <a:solidFill>
-                        <a:srgbClr val="9e9e9e"/>
+                    <a:lnR w="720">
+                      <a:solidFill>
+                        <a:srgbClr val="ffffff"/>
                       </a:solidFill>
                     </a:lnR>
-                    <a:lnT w="9360">
-                      <a:solidFill>
-                        <a:srgbClr val="9e9e9e"/>
+                    <a:lnT w="720">
+                      <a:solidFill>
+                        <a:srgbClr val="ffffff"/>
                       </a:solidFill>
                     </a:lnT>
-                    <a:lnB w="9360">
-                      <a:solidFill>
-                        <a:srgbClr val="9e9e9e"/>
+                    <a:lnB w="720">
+                      <a:solidFill>
+                        <a:srgbClr val="ffffff"/>
                       </a:solidFill>
                     </a:lnB>
-                    <a:noFill/>
+                    <a:solidFill>
+                      <a:srgbClr val="ffffff"/>
+                    </a:solidFill>
                   </a:tcPr>
                 </a:tc>
               </a:tr>
               <a:tr h="519480">
                 <a:tc>
                   <a:txBody>
-                    <a:bodyPr lIns="91080" rIns="91080"/>
+                    <a:bodyPr lIns="90000" rIns="90000"/>
                     <a:p>
                       <a:pPr>
                         <a:lnSpc>
@@ -6865,33 +7095,35 @@
                       </a:endParaRPr>
                     </a:p>
                   </a:txBody>
-                  <a:tcPr marL="91080" marR="91080">
-                    <a:lnL w="9360">
-                      <a:solidFill>
-                        <a:srgbClr val="9e9e9e"/>
+                  <a:tcPr marL="90000" marR="90000">
+                    <a:lnL w="720">
+                      <a:solidFill>
+                        <a:srgbClr val="ffffff"/>
                       </a:solidFill>
                     </a:lnL>
-                    <a:lnR w="9360">
-                      <a:solidFill>
-                        <a:srgbClr val="9e9e9e"/>
+                    <a:lnR w="720">
+                      <a:solidFill>
+                        <a:srgbClr val="ffffff"/>
                       </a:solidFill>
                     </a:lnR>
-                    <a:lnT w="9360">
-                      <a:solidFill>
-                        <a:srgbClr val="9e9e9e"/>
+                    <a:lnT w="720">
+                      <a:solidFill>
+                        <a:srgbClr val="ffffff"/>
                       </a:solidFill>
                     </a:lnT>
-                    <a:lnB w="9360">
-                      <a:solidFill>
-                        <a:srgbClr val="9e9e9e"/>
+                    <a:lnB w="720">
+                      <a:solidFill>
+                        <a:srgbClr val="ffffff"/>
                       </a:solidFill>
                     </a:lnB>
-                    <a:noFill/>
+                    <a:solidFill>
+                      <a:srgbClr val="e6e6ff"/>
+                    </a:solidFill>
                   </a:tcPr>
                 </a:tc>
                 <a:tc>
                   <a:txBody>
-                    <a:bodyPr lIns="91080" rIns="91080"/>
+                    <a:bodyPr lIns="90000" rIns="90000"/>
                     <a:p>
                       <a:pPr>
                         <a:lnSpc>
@@ -6909,33 +7141,35 @@
                       </a:endParaRPr>
                     </a:p>
                   </a:txBody>
-                  <a:tcPr marL="91080" marR="91080">
-                    <a:lnL w="9360">
-                      <a:solidFill>
-                        <a:srgbClr val="9e9e9e"/>
+                  <a:tcPr marL="90000" marR="90000">
+                    <a:lnL w="720">
+                      <a:solidFill>
+                        <a:srgbClr val="ffffff"/>
                       </a:solidFill>
                     </a:lnL>
-                    <a:lnR w="9360">
-                      <a:solidFill>
-                        <a:srgbClr val="9e9e9e"/>
+                    <a:lnR w="720">
+                      <a:solidFill>
+                        <a:srgbClr val="ffffff"/>
                       </a:solidFill>
                     </a:lnR>
-                    <a:lnT w="9360">
-                      <a:solidFill>
-                        <a:srgbClr val="9e9e9e"/>
+                    <a:lnT w="720">
+                      <a:solidFill>
+                        <a:srgbClr val="ffffff"/>
                       </a:solidFill>
                     </a:lnT>
-                    <a:lnB w="9360">
-                      <a:solidFill>
-                        <a:srgbClr val="9e9e9e"/>
+                    <a:lnB w="720">
+                      <a:solidFill>
+                        <a:srgbClr val="ffffff"/>
                       </a:solidFill>
                     </a:lnB>
-                    <a:noFill/>
+                    <a:solidFill>
+                      <a:srgbClr val="e6e6ff"/>
+                    </a:solidFill>
                   </a:tcPr>
                 </a:tc>
                 <a:tc>
                   <a:txBody>
-                    <a:bodyPr lIns="91080" rIns="91080"/>
+                    <a:bodyPr lIns="90000" rIns="90000"/>
                     <a:p>
                       <a:pPr>
                         <a:lnSpc>
@@ -6953,33 +7187,35 @@
                       </a:endParaRPr>
                     </a:p>
                   </a:txBody>
-                  <a:tcPr marL="91080" marR="91080">
-                    <a:lnL w="9360">
-                      <a:solidFill>
-                        <a:srgbClr val="9e9e9e"/>
+                  <a:tcPr marL="90000" marR="90000">
+                    <a:lnL w="720">
+                      <a:solidFill>
+                        <a:srgbClr val="ffffff"/>
                       </a:solidFill>
                     </a:lnL>
-                    <a:lnR w="9360">
-                      <a:solidFill>
-                        <a:srgbClr val="9e9e9e"/>
+                    <a:lnR w="720">
+                      <a:solidFill>
+                        <a:srgbClr val="ffffff"/>
                       </a:solidFill>
                     </a:lnR>
-                    <a:lnT w="9360">
-                      <a:solidFill>
-                        <a:srgbClr val="9e9e9e"/>
+                    <a:lnT w="720">
+                      <a:solidFill>
+                        <a:srgbClr val="ffffff"/>
                       </a:solidFill>
                     </a:lnT>
-                    <a:lnB w="9360">
-                      <a:solidFill>
-                        <a:srgbClr val="9e9e9e"/>
+                    <a:lnB w="720">
+                      <a:solidFill>
+                        <a:srgbClr val="ffffff"/>
                       </a:solidFill>
                     </a:lnB>
-                    <a:noFill/>
+                    <a:solidFill>
+                      <a:srgbClr val="e6e6ff"/>
+                    </a:solidFill>
                   </a:tcPr>
                 </a:tc>
                 <a:tc>
                   <a:txBody>
-                    <a:bodyPr lIns="91080" rIns="91080"/>
+                    <a:bodyPr lIns="90000" rIns="90000"/>
                     <a:p>
                       <a:pPr>
                         <a:lnSpc>
@@ -6997,33 +7233,35 @@
                       </a:endParaRPr>
                     </a:p>
                   </a:txBody>
-                  <a:tcPr marL="91080" marR="91080">
-                    <a:lnL w="9360">
-                      <a:solidFill>
-                        <a:srgbClr val="9e9e9e"/>
+                  <a:tcPr marL="90000" marR="90000">
+                    <a:lnL w="720">
+                      <a:solidFill>
+                        <a:srgbClr val="ffffff"/>
                       </a:solidFill>
                     </a:lnL>
-                    <a:lnR w="9360">
-                      <a:solidFill>
-                        <a:srgbClr val="9e9e9e"/>
+                    <a:lnR w="720">
+                      <a:solidFill>
+                        <a:srgbClr val="ffffff"/>
                       </a:solidFill>
                     </a:lnR>
-                    <a:lnT w="9360">
-                      <a:solidFill>
-                        <a:srgbClr val="9e9e9e"/>
+                    <a:lnT w="720">
+                      <a:solidFill>
+                        <a:srgbClr val="ffffff"/>
                       </a:solidFill>
                     </a:lnT>
-                    <a:lnB w="9360">
-                      <a:solidFill>
-                        <a:srgbClr val="9e9e9e"/>
+                    <a:lnB w="720">
+                      <a:solidFill>
+                        <a:srgbClr val="ffffff"/>
                       </a:solidFill>
                     </a:lnB>
-                    <a:noFill/>
+                    <a:solidFill>
+                      <a:srgbClr val="e6e6ff"/>
+                    </a:solidFill>
                   </a:tcPr>
                 </a:tc>
                 <a:tc>
                   <a:txBody>
-                    <a:bodyPr lIns="91080" rIns="91080"/>
+                    <a:bodyPr lIns="90000" rIns="90000"/>
                     <a:p>
                       <a:pPr>
                         <a:lnSpc>
@@ -7041,28 +7279,30 @@
                       </a:endParaRPr>
                     </a:p>
                   </a:txBody>
-                  <a:tcPr marL="91080" marR="91080">
-                    <a:lnL w="9360">
-                      <a:solidFill>
-                        <a:srgbClr val="9e9e9e"/>
+                  <a:tcPr marL="90000" marR="90000">
+                    <a:lnL w="720">
+                      <a:solidFill>
+                        <a:srgbClr val="ffffff"/>
                       </a:solidFill>
                     </a:lnL>
-                    <a:lnR w="9360">
-                      <a:solidFill>
-                        <a:srgbClr val="9e9e9e"/>
+                    <a:lnR w="720">
+                      <a:solidFill>
+                        <a:srgbClr val="ffffff"/>
                       </a:solidFill>
                     </a:lnR>
-                    <a:lnT w="9360">
-                      <a:solidFill>
-                        <a:srgbClr val="9e9e9e"/>
+                    <a:lnT w="720">
+                      <a:solidFill>
+                        <a:srgbClr val="ffffff"/>
                       </a:solidFill>
                     </a:lnT>
-                    <a:lnB w="9360">
-                      <a:solidFill>
-                        <a:srgbClr val="9e9e9e"/>
+                    <a:lnB w="720">
+                      <a:solidFill>
+                        <a:srgbClr val="ffffff"/>
                       </a:solidFill>
                     </a:lnB>
-                    <a:noFill/>
+                    <a:solidFill>
+                      <a:srgbClr val="e6e6ff"/>
+                    </a:solidFill>
                   </a:tcPr>
                 </a:tc>
               </a:tr>
@@ -7128,7 +7368,7 @@
         <p:spPr>
           <a:xfrm>
             <a:off x="311760" y="444960"/>
-            <a:ext cx="8505720" cy="558000"/>
+            <a:ext cx="8504640" cy="556920"/>
           </a:xfrm>
           <a:prstGeom prst="rect">
             <a:avLst/>
@@ -7179,7 +7419,7 @@
         <p:spPr>
           <a:xfrm>
             <a:off x="311760" y="1152360"/>
-            <a:ext cx="8505720" cy="3401640"/>
+            <a:ext cx="8504640" cy="3400560"/>
           </a:xfrm>
           <a:prstGeom prst="rect">
             <a:avLst/>
@@ -7219,7 +7459,7 @@
                 <a:latin typeface="Arial"/>
                 <a:ea typeface="Arial"/>
               </a:rPr>
-              <a:t>+++FOR ((SAMPLE_DATA_1))&lt;&lt; +++INS NAME +++  +++INS AGE +++&gt;&gt; FOR-END+++</a:t>
+              <a:t>+++FOR ((sample_data_1))&lt;&lt; +++INS name +++  +++INS age +++&gt;&gt; FOR-END+++</a:t>
             </a:r>
             <a:br/>
             <a:r>
@@ -7230,7 +7470,7 @@
                 <a:latin typeface="Arial"/>
                 <a:ea typeface="Arial"/>
               </a:rPr>
-              <a:t>+++FOR ((SAMPLE_DATA_2))&lt;&lt; +++INS NAME +++   +++INS AGE +++ &gt;&gt; FOR-END+++</a:t>
+              <a:t>+++FOR ((sample_data_2))&lt;&lt; +++INS name +++   +++INS age +++ &gt;&gt; FOR-END+++</a:t>
             </a:r>
             <a:br/>
             <a:r>
@@ -7241,7 +7481,7 @@
                 <a:latin typeface="Arial"/>
                 <a:ea typeface="Arial"/>
               </a:rPr>
-              <a:t>+++FOR ((SAMPLE_DATA_3))&lt;&lt; +++INS NAME +++    +++INS AGE +++ &gt;&gt; FOR-END+++</a:t>
+              <a:t>+++FOR ((sample_data_3))&lt;&lt; +++INS city +++ +++INS number +++ &gt;&gt; FOR-END+++</a:t>
             </a:r>
             <a:endParaRPr b="0" lang="en-US" sz="1800" spc="-1" strike="noStrike">
               <a:latin typeface="Arial"/>
@@ -7307,7 +7547,7 @@
         <p:spPr>
           <a:xfrm>
             <a:off x="311760" y="444960"/>
-            <a:ext cx="8505720" cy="558000"/>
+            <a:ext cx="8504640" cy="556920"/>
           </a:xfrm>
           <a:prstGeom prst="rect">
             <a:avLst/>
@@ -7333,7 +7573,7 @@
         <p:spPr>
           <a:xfrm>
             <a:off x="311760" y="1152360"/>
-            <a:ext cx="8505720" cy="3401640"/>
+            <a:ext cx="8504640" cy="3400560"/>
           </a:xfrm>
           <a:prstGeom prst="rect">
             <a:avLst/>
@@ -7436,7 +7676,7 @@
         <p:spPr>
           <a:xfrm>
             <a:off x="640080" y="640080"/>
-            <a:ext cx="7942320" cy="333360"/>
+            <a:ext cx="7941240" cy="332280"/>
           </a:xfrm>
           <a:prstGeom prst="rect">
             <a:avLst/>
@@ -7462,7 +7702,7 @@
         <p:spPr>
           <a:xfrm>
             <a:off x="311760" y="1152360"/>
-            <a:ext cx="8505720" cy="3401640"/>
+            <a:ext cx="8504640" cy="3400560"/>
           </a:xfrm>
           <a:prstGeom prst="rect">
             <a:avLst/>

--- a/input_2.pptx
+++ b/input_2.pptx
@@ -3233,7 +3233,7 @@
         <p:spPr>
           <a:xfrm>
             <a:off x="311760" y="744480"/>
-            <a:ext cx="8504640" cy="2036880"/>
+            <a:ext cx="8504280" cy="2036520"/>
           </a:xfrm>
           <a:prstGeom prst="rect">
             <a:avLst/>
@@ -3306,7 +3306,7 @@
         <p:spPr>
           <a:xfrm>
             <a:off x="311760" y="2834280"/>
-            <a:ext cx="8504640" cy="776880"/>
+            <a:ext cx="8504280" cy="776520"/>
           </a:xfrm>
           <a:prstGeom prst="rect">
             <a:avLst/>
@@ -3381,7 +3381,7 @@
         <p:spPr>
           <a:xfrm>
             <a:off x="311760" y="1152360"/>
-            <a:ext cx="8504640" cy="3400560"/>
+            <a:ext cx="8504280" cy="3400200"/>
           </a:xfrm>
           <a:prstGeom prst="rect">
             <a:avLst/>
@@ -3484,7 +3484,7 @@
         <p:spPr>
           <a:xfrm>
             <a:off x="311760" y="1152360"/>
-            <a:ext cx="8504640" cy="3400560"/>
+            <a:ext cx="8504280" cy="3400200"/>
           </a:xfrm>
           <a:prstGeom prst="rect">
             <a:avLst/>
@@ -3587,7 +3587,7 @@
         <p:spPr>
           <a:xfrm>
             <a:off x="311760" y="1152360"/>
-            <a:ext cx="8504640" cy="3400560"/>
+            <a:ext cx="8504280" cy="3400200"/>
           </a:xfrm>
           <a:prstGeom prst="rect">
             <a:avLst/>
@@ -3690,7 +3690,7 @@
         <p:spPr>
           <a:xfrm>
             <a:off x="311760" y="1152360"/>
-            <a:ext cx="8504640" cy="3400560"/>
+            <a:ext cx="8504280" cy="3400200"/>
           </a:xfrm>
           <a:prstGeom prst="rect">
             <a:avLst/>
@@ -3793,7 +3793,7 @@
         <p:spPr>
           <a:xfrm>
             <a:off x="311760" y="1152360"/>
-            <a:ext cx="8504640" cy="3400560"/>
+            <a:ext cx="8504280" cy="3400200"/>
           </a:xfrm>
           <a:prstGeom prst="rect">
             <a:avLst/>
@@ -3896,7 +3896,7 @@
         <p:spPr>
           <a:xfrm>
             <a:off x="311760" y="1152360"/>
-            <a:ext cx="8504640" cy="3400560"/>
+            <a:ext cx="8504280" cy="3400200"/>
           </a:xfrm>
           <a:prstGeom prst="rect">
             <a:avLst/>
@@ -3999,7 +3999,7 @@
         <p:spPr>
           <a:xfrm>
             <a:off x="311760" y="444960"/>
-            <a:ext cx="8504640" cy="556920"/>
+            <a:ext cx="8504280" cy="556560"/>
           </a:xfrm>
           <a:prstGeom prst="rect">
             <a:avLst/>
@@ -4033,7 +4033,7 @@
                 <a:latin typeface="Arial"/>
                 <a:ea typeface="Arial"/>
               </a:rPr>
-              <a:t>+++INS excubed_image_title +++</a:t>
+              <a:t>+++INS image_title +++</a:t>
             </a:r>
             <a:endParaRPr b="0" lang="en-US" sz="2800" spc="-1" strike="noStrike">
               <a:latin typeface="Arial"/>
@@ -4050,7 +4050,7 @@
         <p:spPr>
           <a:xfrm>
             <a:off x="311760" y="1152360"/>
-            <a:ext cx="8504640" cy="3400560"/>
+            <a:ext cx="8504280" cy="3400200"/>
           </a:xfrm>
           <a:prstGeom prst="rect">
             <a:avLst/>
@@ -4087,7 +4087,7 @@
                 <a:latin typeface="Arial"/>
                 <a:ea typeface="Arial"/>
               </a:rPr>
-              <a:t>+++CHART landing_image +++</a:t>
+              <a:t>+++IM sample_image +++</a:t>
             </a:r>
             <a:endParaRPr b="0" lang="en-US" sz="1800" spc="-1" strike="noStrike">
               <a:latin typeface="Arial"/>
@@ -4153,7 +4153,7 @@
         <p:spPr>
           <a:xfrm>
             <a:off x="731520" y="2419920"/>
-            <a:ext cx="7583760" cy="596520"/>
+            <a:ext cx="7583400" cy="596160"/>
           </a:xfrm>
           <a:prstGeom prst="rect">
             <a:avLst/>
@@ -4251,7 +4251,7 @@
         <p:spPr>
           <a:xfrm>
             <a:off x="311760" y="444960"/>
-            <a:ext cx="8504640" cy="556920"/>
+            <a:ext cx="8504280" cy="556560"/>
           </a:xfrm>
           <a:prstGeom prst="rect">
             <a:avLst/>
@@ -4302,7 +4302,7 @@
         <p:spPr>
           <a:xfrm>
             <a:off x="311760" y="1152360"/>
-            <a:ext cx="8504640" cy="3400560"/>
+            <a:ext cx="8504280" cy="3400200"/>
           </a:xfrm>
           <a:prstGeom prst="rect">
             <a:avLst/>
@@ -5094,7 +5094,7 @@
         <p:spPr>
           <a:xfrm>
             <a:off x="311760" y="444960"/>
-            <a:ext cx="8504640" cy="556920"/>
+            <a:ext cx="8504280" cy="556560"/>
           </a:xfrm>
           <a:prstGeom prst="rect">
             <a:avLst/>
@@ -5145,7 +5145,7 @@
         <p:spPr>
           <a:xfrm>
             <a:off x="311760" y="1152360"/>
-            <a:ext cx="8504640" cy="3400560"/>
+            <a:ext cx="8504280" cy="3400200"/>
           </a:xfrm>
           <a:prstGeom prst="rect">
             <a:avLst/>
@@ -6226,7 +6226,7 @@
         <p:spPr>
           <a:xfrm>
             <a:off x="311760" y="444960"/>
-            <a:ext cx="8504640" cy="556920"/>
+            <a:ext cx="8504280" cy="556560"/>
           </a:xfrm>
           <a:prstGeom prst="rect">
             <a:avLst/>
@@ -6277,7 +6277,7 @@
         <p:spPr>
           <a:xfrm>
             <a:off x="311760" y="1152360"/>
-            <a:ext cx="8504640" cy="3400560"/>
+            <a:ext cx="8504280" cy="3400200"/>
           </a:xfrm>
           <a:prstGeom prst="rect">
             <a:avLst/>
@@ -7368,7 +7368,7 @@
         <p:spPr>
           <a:xfrm>
             <a:off x="311760" y="444960"/>
-            <a:ext cx="8504640" cy="556920"/>
+            <a:ext cx="8504280" cy="556560"/>
           </a:xfrm>
           <a:prstGeom prst="rect">
             <a:avLst/>
@@ -7419,7 +7419,7 @@
         <p:spPr>
           <a:xfrm>
             <a:off x="311760" y="1152360"/>
-            <a:ext cx="8504640" cy="3400560"/>
+            <a:ext cx="8504280" cy="3400200"/>
           </a:xfrm>
           <a:prstGeom prst="rect">
             <a:avLst/>
@@ -7547,7 +7547,7 @@
         <p:spPr>
           <a:xfrm>
             <a:off x="311760" y="444960"/>
-            <a:ext cx="8504640" cy="556920"/>
+            <a:ext cx="8504280" cy="556560"/>
           </a:xfrm>
           <a:prstGeom prst="rect">
             <a:avLst/>
@@ -7573,7 +7573,7 @@
         <p:spPr>
           <a:xfrm>
             <a:off x="311760" y="1152360"/>
-            <a:ext cx="8504640" cy="3400560"/>
+            <a:ext cx="8504280" cy="3400200"/>
           </a:xfrm>
           <a:prstGeom prst="rect">
             <a:avLst/>
@@ -7676,7 +7676,7 @@
         <p:spPr>
           <a:xfrm>
             <a:off x="640080" y="640080"/>
-            <a:ext cx="7941240" cy="332280"/>
+            <a:ext cx="7940880" cy="331920"/>
           </a:xfrm>
           <a:prstGeom prst="rect">
             <a:avLst/>
@@ -7702,7 +7702,7 @@
         <p:spPr>
           <a:xfrm>
             <a:off x="311760" y="1152360"/>
-            <a:ext cx="8504640" cy="3400560"/>
+            <a:ext cx="8504280" cy="3400200"/>
           </a:xfrm>
           <a:prstGeom prst="rect">
             <a:avLst/>

--- a/input_2.pptx
+++ b/input_2.pptx
@@ -3233,7 +3233,7 @@
         <p:spPr>
           <a:xfrm>
             <a:off x="311760" y="744480"/>
-            <a:ext cx="8504280" cy="2036520"/>
+            <a:ext cx="8502120" cy="2034360"/>
           </a:xfrm>
           <a:prstGeom prst="rect">
             <a:avLst/>
@@ -3267,7 +3267,7 @@
                 <a:latin typeface="Arial"/>
                 <a:ea typeface="Arial"/>
               </a:rPr>
-              <a:t>+++INS name +++</a:t>
+              <a:t>+++INS schemname +++</a:t>
             </a:r>
             <a:br/>
             <a:r>
@@ -3306,7 +3306,7 @@
         <p:spPr>
           <a:xfrm>
             <a:off x="311760" y="2834280"/>
-            <a:ext cx="8504280" cy="776520"/>
+            <a:ext cx="8502120" cy="774360"/>
           </a:xfrm>
           <a:prstGeom prst="rect">
             <a:avLst/>
@@ -3381,7 +3381,7 @@
         <p:spPr>
           <a:xfrm>
             <a:off x="311760" y="1152360"/>
-            <a:ext cx="8504280" cy="3400200"/>
+            <a:ext cx="8502120" cy="3398040"/>
           </a:xfrm>
           <a:prstGeom prst="rect">
             <a:avLst/>
@@ -3484,7 +3484,7 @@
         <p:spPr>
           <a:xfrm>
             <a:off x="311760" y="1152360"/>
-            <a:ext cx="8504280" cy="3400200"/>
+            <a:ext cx="8502120" cy="3398040"/>
           </a:xfrm>
           <a:prstGeom prst="rect">
             <a:avLst/>
@@ -3587,7 +3587,7 @@
         <p:spPr>
           <a:xfrm>
             <a:off x="311760" y="1152360"/>
-            <a:ext cx="8504280" cy="3400200"/>
+            <a:ext cx="8502120" cy="3398040"/>
           </a:xfrm>
           <a:prstGeom prst="rect">
             <a:avLst/>
@@ -3690,7 +3690,7 @@
         <p:spPr>
           <a:xfrm>
             <a:off x="311760" y="1152360"/>
-            <a:ext cx="8504280" cy="3400200"/>
+            <a:ext cx="8502120" cy="3398040"/>
           </a:xfrm>
           <a:prstGeom prst="rect">
             <a:avLst/>
@@ -3793,7 +3793,7 @@
         <p:spPr>
           <a:xfrm>
             <a:off x="311760" y="1152360"/>
-            <a:ext cx="8504280" cy="3400200"/>
+            <a:ext cx="8502120" cy="3398040"/>
           </a:xfrm>
           <a:prstGeom prst="rect">
             <a:avLst/>
@@ -3896,7 +3896,7 @@
         <p:spPr>
           <a:xfrm>
             <a:off x="311760" y="1152360"/>
-            <a:ext cx="8504280" cy="3400200"/>
+            <a:ext cx="8502120" cy="3398040"/>
           </a:xfrm>
           <a:prstGeom prst="rect">
             <a:avLst/>
@@ -3999,7 +3999,7 @@
         <p:spPr>
           <a:xfrm>
             <a:off x="311760" y="444960"/>
-            <a:ext cx="8504280" cy="556560"/>
+            <a:ext cx="8502120" cy="554400"/>
           </a:xfrm>
           <a:prstGeom prst="rect">
             <a:avLst/>
@@ -4050,7 +4050,7 @@
         <p:spPr>
           <a:xfrm>
             <a:off x="311760" y="1152360"/>
-            <a:ext cx="8504280" cy="3400200"/>
+            <a:ext cx="8502120" cy="3398040"/>
           </a:xfrm>
           <a:prstGeom prst="rect">
             <a:avLst/>
@@ -4153,7 +4153,7 @@
         <p:spPr>
           <a:xfrm>
             <a:off x="731520" y="2419920"/>
-            <a:ext cx="7583400" cy="596160"/>
+            <a:ext cx="7581240" cy="594000"/>
           </a:xfrm>
           <a:prstGeom prst="rect">
             <a:avLst/>
@@ -4178,7 +4178,7 @@
               </a:lnSpc>
             </a:pPr>
             <a:r>
-              <a:rPr b="0" lang="en-US" sz="1800" spc="-1" strike="noStrike">
+              <a:rPr b="0" lang="en-US" sz="1600" spc="-1" strike="noStrike">
                 <a:solidFill>
                   <a:srgbClr val="595959"/>
                 </a:solidFill>
@@ -4187,7 +4187,7 @@
               </a:rPr>
               <a:t>+++IF (( project_description ))&lt;&lt; +++INS project_description +++ &gt;&gt;IF-END+++</a:t>
             </a:r>
-            <a:endParaRPr b="0" lang="en-US" sz="1800" spc="-1" strike="noStrike">
+            <a:endParaRPr b="0" lang="en-US" sz="1600" spc="-1" strike="noStrike">
               <a:latin typeface="Arial"/>
             </a:endParaRPr>
           </a:p>
@@ -4251,7 +4251,7 @@
         <p:spPr>
           <a:xfrm>
             <a:off x="311760" y="444960"/>
-            <a:ext cx="8504280" cy="556560"/>
+            <a:ext cx="8502120" cy="554400"/>
           </a:xfrm>
           <a:prstGeom prst="rect">
             <a:avLst/>
@@ -4302,7 +4302,7 @@
         <p:spPr>
           <a:xfrm>
             <a:off x="311760" y="1152360"/>
-            <a:ext cx="8504280" cy="3400200"/>
+            <a:ext cx="8502120" cy="3398040"/>
           </a:xfrm>
           <a:prstGeom prst="rect">
             <a:avLst/>
@@ -4339,7 +4339,7 @@
                 <a:latin typeface="Arial"/>
                 <a:ea typeface="Arial"/>
               </a:rPr>
-              <a:t>+++IF ((remove_table_1))&lt;&lt; +++TABLE_REMOVE TABLE_ID_1 +++ &gt;&gt;IF-END+++</a:t>
+              <a:t>+++IF ((remove_table_1))&lt;&lt; +++TABLE_REMOVE 1 +++ &gt;&gt;IF-END+++</a:t>
             </a:r>
             <a:br/>
             <a:endParaRPr b="0" lang="en-US" sz="1800" spc="-1" strike="noStrike">
@@ -4387,7 +4387,7 @@
                           <a:latin typeface="Arial"/>
                           <a:ea typeface="Arial"/>
                         </a:rPr>
-                        <a:t>TABLE_ID_1    header 1</a:t>
+                        <a:t>+++TB_ID 1 +++    header 1</a:t>
                       </a:r>
                       <a:endParaRPr b="0" lang="en-US" sz="1800" spc="-1" strike="noStrike">
                         <a:latin typeface="Arial"/>
@@ -5094,7 +5094,7 @@
         <p:spPr>
           <a:xfrm>
             <a:off x="311760" y="444960"/>
-            <a:ext cx="8504280" cy="556560"/>
+            <a:ext cx="8502120" cy="554400"/>
           </a:xfrm>
           <a:prstGeom prst="rect">
             <a:avLst/>
@@ -5145,7 +5145,7 @@
         <p:spPr>
           <a:xfrm>
             <a:off x="311760" y="1152360"/>
-            <a:ext cx="8504280" cy="3400200"/>
+            <a:ext cx="8502120" cy="3398040"/>
           </a:xfrm>
           <a:prstGeom prst="rect">
             <a:avLst/>
@@ -5182,7 +5182,7 @@
                 <a:latin typeface="Arial"/>
                 <a:ea typeface="Arial"/>
               </a:rPr>
-              <a:t>+++IF ((not table_1_row_3_present))&lt;&lt; +++TABLE_ROW_REMOVE ROW_ID_3 +++ &gt;&gt;IF-END+++</a:t>
+              <a:t>+++IF ((not table_1_row_3_present))&lt;&lt; +++TABLE_ROW_REMOVE 3rdRow +++ &gt;&gt;IF-END+++</a:t>
             </a:r>
             <a:br/>
             <a:endParaRPr b="0" lang="en-US" sz="1800" spc="-1" strike="noStrike">
@@ -5714,7 +5714,7 @@
                           <a:latin typeface="Arial"/>
                           <a:ea typeface="Arial"/>
                         </a:rPr>
-                        <a:t>ROW_ID_3 21 </a:t>
+                        <a:t>+++RW_ID 3rdRow +++ 21 </a:t>
                       </a:r>
                       <a:endParaRPr b="0" lang="en-US" sz="1800" spc="-1" strike="noStrike">
                         <a:latin typeface="Arial"/>
@@ -6226,7 +6226,7 @@
         <p:spPr>
           <a:xfrm>
             <a:off x="311760" y="444960"/>
-            <a:ext cx="8504280" cy="556560"/>
+            <a:ext cx="8502120" cy="554400"/>
           </a:xfrm>
           <a:prstGeom prst="rect">
             <a:avLst/>
@@ -6277,7 +6277,7 @@
         <p:spPr>
           <a:xfrm>
             <a:off x="311760" y="1152360"/>
-            <a:ext cx="8504280" cy="3400200"/>
+            <a:ext cx="8502120" cy="3398040"/>
           </a:xfrm>
           <a:prstGeom prst="rect">
             <a:avLst/>
@@ -6314,7 +6314,7 @@
                 <a:latin typeface="Arial"/>
                 <a:ea typeface="Arial"/>
               </a:rPr>
-              <a:t>+++IF ((not table_1_col_4_present))&lt;&lt; +++TABLE_COLUMN_REMOVE COLUMN_ID_4 +++ &gt;&gt;IF-END+++</a:t>
+              <a:t>+++IF ((not table_1_col_4_present))&lt;&lt; +++TABLE_COLUMN_REMOVE 4thCol +++ &gt;&gt;IF-END+++</a:t>
             </a:r>
             <a:br/>
             <a:endParaRPr b="0" lang="en-US" sz="1800" spc="-1" strike="noStrike">
@@ -6512,7 +6512,7 @@
                           <a:latin typeface="Arial"/>
                           <a:ea typeface="Arial"/>
                         </a:rPr>
-                        <a:t>COLUMN_ID_4 </a:t>
+                        <a:t>+++COL_ID 4thCol +++ </a:t>
                       </a:r>
                       <a:r>
                         <a:rPr b="1" lang="en-US" sz="1800" spc="-1" strike="noStrike">
@@ -7368,7 +7368,7 @@
         <p:spPr>
           <a:xfrm>
             <a:off x="311760" y="444960"/>
-            <a:ext cx="8504280" cy="556560"/>
+            <a:ext cx="8502120" cy="554400"/>
           </a:xfrm>
           <a:prstGeom prst="rect">
             <a:avLst/>
@@ -7419,7 +7419,7 @@
         <p:spPr>
           <a:xfrm>
             <a:off x="311760" y="1152360"/>
-            <a:ext cx="8504280" cy="3400200"/>
+            <a:ext cx="8502120" cy="3398040"/>
           </a:xfrm>
           <a:prstGeom prst="rect">
             <a:avLst/>
@@ -7452,7 +7452,7 @@
               </a:spcAft>
             </a:pPr>
             <a:r>
-              <a:rPr b="0" lang="en-US" sz="1800" spc="-1" strike="noStrike">
+              <a:rPr b="0" lang="en-US" sz="1600" spc="-1" strike="noStrike">
                 <a:solidFill>
                   <a:srgbClr val="595959"/>
                 </a:solidFill>
@@ -7463,7 +7463,7 @@
             </a:r>
             <a:br/>
             <a:r>
-              <a:rPr b="0" lang="en-US" sz="1800" spc="-1" strike="noStrike">
+              <a:rPr b="0" lang="en-US" sz="1600" spc="-1" strike="noStrike">
                 <a:solidFill>
                   <a:srgbClr val="595959"/>
                 </a:solidFill>
@@ -7474,7 +7474,7 @@
             </a:r>
             <a:br/>
             <a:r>
-              <a:rPr b="0" lang="en-US" sz="1800" spc="-1" strike="noStrike">
+              <a:rPr b="0" lang="en-US" sz="1600" spc="-1" strike="noStrike">
                 <a:solidFill>
                   <a:srgbClr val="595959"/>
                 </a:solidFill>
@@ -7483,7 +7483,7 @@
               </a:rPr>
               <a:t>+++FOR ((sample_data_3))&lt;&lt; +++INS city +++ +++INS number +++ &gt;&gt; FOR-END+++</a:t>
             </a:r>
-            <a:endParaRPr b="0" lang="en-US" sz="1800" spc="-1" strike="noStrike">
+            <a:endParaRPr b="0" lang="en-US" sz="1600" spc="-1" strike="noStrike">
               <a:latin typeface="Arial"/>
             </a:endParaRPr>
           </a:p>
@@ -7547,7 +7547,7 @@
         <p:spPr>
           <a:xfrm>
             <a:off x="311760" y="444960"/>
-            <a:ext cx="8504280" cy="556560"/>
+            <a:ext cx="8502120" cy="554400"/>
           </a:xfrm>
           <a:prstGeom prst="rect">
             <a:avLst/>
@@ -7573,7 +7573,7 @@
         <p:spPr>
           <a:xfrm>
             <a:off x="311760" y="1152360"/>
-            <a:ext cx="8504280" cy="3400200"/>
+            <a:ext cx="8502120" cy="3398040"/>
           </a:xfrm>
           <a:prstGeom prst="rect">
             <a:avLst/>
@@ -7610,7 +7610,7 @@
                 <a:latin typeface="Arial"/>
                 <a:ea typeface="Arial"/>
               </a:rPr>
-              <a:t>+++TABLE_ADD cashFlows +++</a:t>
+              <a:t>+++TB_ADD cashFlows +++</a:t>
             </a:r>
             <a:endParaRPr b="0" lang="en-US" sz="1800" spc="-1" strike="noStrike">
               <a:latin typeface="Arial"/>
@@ -7676,7 +7676,7 @@
         <p:spPr>
           <a:xfrm>
             <a:off x="640080" y="640080"/>
-            <a:ext cx="7940880" cy="331920"/>
+            <a:ext cx="7938720" cy="329760"/>
           </a:xfrm>
           <a:prstGeom prst="rect">
             <a:avLst/>
@@ -7702,7 +7702,7 @@
         <p:spPr>
           <a:xfrm>
             <a:off x="311760" y="1152360"/>
-            <a:ext cx="8504280" cy="3400200"/>
+            <a:ext cx="8502120" cy="3398040"/>
           </a:xfrm>
           <a:prstGeom prst="rect">
             <a:avLst/>
